--- a/dp/fig/fig.pptx
+++ b/dp/fig/fig.pptx
@@ -6,8 +6,11 @@
   </p:sldMasterIdLst>
   <p:sldIdLst>
     <p:sldId id="258" r:id="rId2"/>
-    <p:sldId id="256" r:id="rId3"/>
-    <p:sldId id="257" r:id="rId4"/>
+    <p:sldId id="259" r:id="rId3"/>
+    <p:sldId id="256" r:id="rId4"/>
+    <p:sldId id="257" r:id="rId5"/>
+    <p:sldId id="260" r:id="rId6"/>
+    <p:sldId id="261" r:id="rId7"/>
   </p:sldIdLst>
   <p:sldSz cx="9144000" cy="6858000" type="screen4x3"/>
   <p:notesSz cx="6858000" cy="9144000"/>
@@ -768,12 +771,132 @@
           <a:chExt cx="0" cy="0"/>
         </a:xfrm>
       </p:grpSpPr>
+      <p:pic>
+        <p:nvPicPr>
+          <p:cNvPr id="2" name="図 1">
+            <a:extLst>
+              <a:ext uri="{FF2B5EF4-FFF2-40B4-BE49-F238E27FC236}">
+                <a16:creationId xmlns:a16="http://schemas.microsoft.com/office/drawing/2014/main" id="{05DEB3F5-CF17-9E4A-9129-2ABF4370C9BE}"/>
+              </a:ext>
+            </a:extLst>
+          </p:cNvPr>
+          <p:cNvPicPr>
+            <a:picLocks noChangeAspect="1"/>
+          </p:cNvPicPr>
+          <p:nvPr/>
+        </p:nvPicPr>
+        <p:blipFill>
+          <a:blip r:embed="rId2"/>
+          <a:stretch>
+            <a:fillRect/>
+          </a:stretch>
+        </p:blipFill>
+        <p:spPr>
+          <a:xfrm>
+            <a:off x="1612900" y="3639820"/>
+            <a:ext cx="1143000" cy="1143000"/>
+          </a:xfrm>
+          <a:prstGeom prst="rect">
+            <a:avLst/>
+          </a:prstGeom>
+        </p:spPr>
+      </p:pic>
+      <p:pic>
+        <p:nvPicPr>
+          <p:cNvPr id="3" name="図 2">
+            <a:extLst>
+              <a:ext uri="{FF2B5EF4-FFF2-40B4-BE49-F238E27FC236}">
+                <a16:creationId xmlns:a16="http://schemas.microsoft.com/office/drawing/2014/main" id="{CF088B53-E5B2-6945-9C5A-0123EEFFBDC1}"/>
+              </a:ext>
+            </a:extLst>
+          </p:cNvPr>
+          <p:cNvPicPr>
+            <a:picLocks noChangeAspect="1"/>
+          </p:cNvPicPr>
+          <p:nvPr/>
+        </p:nvPicPr>
+        <p:blipFill>
+          <a:blip r:embed="rId3"/>
+          <a:stretch>
+            <a:fillRect/>
+          </a:stretch>
+        </p:blipFill>
+        <p:spPr>
+          <a:xfrm>
+            <a:off x="6398260" y="3548380"/>
+            <a:ext cx="1143000" cy="1143000"/>
+          </a:xfrm>
+          <a:prstGeom prst="rect">
+            <a:avLst/>
+          </a:prstGeom>
+        </p:spPr>
+      </p:pic>
+      <p:pic>
+        <p:nvPicPr>
+          <p:cNvPr id="4" name="図 3">
+            <a:extLst>
+              <a:ext uri="{FF2B5EF4-FFF2-40B4-BE49-F238E27FC236}">
+                <a16:creationId xmlns:a16="http://schemas.microsoft.com/office/drawing/2014/main" id="{06996255-AAC3-0D47-8BB7-15C6703361D4}"/>
+              </a:ext>
+            </a:extLst>
+          </p:cNvPr>
+          <p:cNvPicPr>
+            <a:picLocks noChangeAspect="1"/>
+          </p:cNvPicPr>
+          <p:nvPr/>
+        </p:nvPicPr>
+        <p:blipFill>
+          <a:blip r:embed="rId4"/>
+          <a:stretch>
+            <a:fillRect/>
+          </a:stretch>
+        </p:blipFill>
+        <p:spPr>
+          <a:xfrm>
+            <a:off x="3834130" y="467360"/>
+            <a:ext cx="1530200" cy="1149350"/>
+          </a:xfrm>
+          <a:prstGeom prst="rect">
+            <a:avLst/>
+          </a:prstGeom>
+        </p:spPr>
+      </p:pic>
+      <p:pic>
+        <p:nvPicPr>
+          <p:cNvPr id="5" name="図 4">
+            <a:extLst>
+              <a:ext uri="{FF2B5EF4-FFF2-40B4-BE49-F238E27FC236}">
+                <a16:creationId xmlns:a16="http://schemas.microsoft.com/office/drawing/2014/main" id="{D3D621F6-1DD3-8A42-A756-D6D73415199F}"/>
+              </a:ext>
+            </a:extLst>
+          </p:cNvPr>
+          <p:cNvPicPr>
+            <a:picLocks noChangeAspect="1"/>
+          </p:cNvPicPr>
+          <p:nvPr/>
+        </p:nvPicPr>
+        <p:blipFill>
+          <a:blip r:embed="rId5"/>
+          <a:stretch>
+            <a:fillRect/>
+          </a:stretch>
+        </p:blipFill>
+        <p:spPr>
+          <a:xfrm>
+            <a:off x="4027170" y="2153920"/>
+            <a:ext cx="1040525" cy="1454150"/>
+          </a:xfrm>
+          <a:prstGeom prst="rect">
+            <a:avLst/>
+          </a:prstGeom>
+        </p:spPr>
+      </p:pic>
       <p:sp>
         <p:nvSpPr>
           <p:cNvPr id="6" name="テキスト ボックス 5">
             <a:extLst>
               <a:ext uri="{FF2B5EF4-FFF2-40B4-BE49-F238E27FC236}">
-                <a16:creationId xmlns:a16="http://schemas.microsoft.com/office/drawing/2014/main" id="{F3BD10D2-8413-3441-ADCA-8A7537E92220}"/>
+                <a16:creationId xmlns:a16="http://schemas.microsoft.com/office/drawing/2014/main" id="{550C86FF-50F3-F049-8192-C71D07416224}"/>
               </a:ext>
             </a:extLst>
           </p:cNvPr>
@@ -782,8 +905,8 @@
         </p:nvSpPr>
         <p:spPr>
           <a:xfrm>
-            <a:off x="3474720" y="314960"/>
-            <a:ext cx="2082621" cy="400110"/>
+            <a:off x="3017520" y="4754880"/>
+            <a:ext cx="2954655" cy="923330"/>
           </a:xfrm>
           <a:prstGeom prst="rect">
             <a:avLst/>
@@ -797,1803 +920,31 @@
           <a:lstStyle/>
           <a:p>
             <a:r>
-              <a:rPr kumimoji="1" lang="ja-JP" altLang="en-US"/>
-              <a:t>最短経路探索</a:t>
-            </a:r>
-            <a:r>
-              <a:rPr kumimoji="1" lang="ja-JP" altLang="en-US" sz="2000"/>
-              <a:t>問題</a:t>
-            </a:r>
-            <a:endParaRPr kumimoji="1" lang="ja-JP" altLang="en-US"/>
-          </a:p>
-        </p:txBody>
-      </p:sp>
-      <p:sp>
-        <p:nvSpPr>
-          <p:cNvPr id="7" name="円/楕円 6">
-            <a:extLst>
-              <a:ext uri="{FF2B5EF4-FFF2-40B4-BE49-F238E27FC236}">
-                <a16:creationId xmlns:a16="http://schemas.microsoft.com/office/drawing/2014/main" id="{0E415F5E-F632-0944-83AD-E6D233AAFA7F}"/>
-              </a:ext>
-            </a:extLst>
-          </p:cNvPr>
-          <p:cNvSpPr/>
-          <p:nvPr/>
-        </p:nvSpPr>
-        <p:spPr>
-          <a:xfrm>
-            <a:off x="2082800" y="2509520"/>
-            <a:ext cx="375920" cy="335280"/>
-          </a:xfrm>
-          <a:prstGeom prst="ellipse">
-            <a:avLst/>
-          </a:prstGeom>
-          <a:solidFill>
-            <a:srgbClr val="FF0000"/>
-          </a:solidFill>
-          <a:ln>
-            <a:solidFill>
-              <a:schemeClr val="tx1"/>
-            </a:solidFill>
-          </a:ln>
-        </p:spPr>
-        <p:style>
-          <a:lnRef idx="2">
-            <a:schemeClr val="accent1">
-              <a:shade val="50000"/>
-            </a:schemeClr>
-          </a:lnRef>
-          <a:fillRef idx="1">
-            <a:schemeClr val="accent1"/>
-          </a:fillRef>
-          <a:effectRef idx="0">
-            <a:schemeClr val="accent1"/>
-          </a:effectRef>
-          <a:fontRef idx="minor">
-            <a:schemeClr val="lt1"/>
-          </a:fontRef>
-        </p:style>
-        <p:txBody>
-          <a:bodyPr rtlCol="0" anchor="ctr"/>
-          <a:lstStyle/>
-          <a:p>
-            <a:pPr algn="ctr"/>
-            <a:r>
-              <a:rPr kumimoji="1" lang="en-US" altLang="ja-JP">
-                <a:solidFill>
-                  <a:schemeClr val="tx1"/>
-                </a:solidFill>
-              </a:rPr>
-              <a:t>A</a:t>
-            </a:r>
-            <a:endParaRPr kumimoji="1" lang="ja-JP" altLang="en-US">
-              <a:solidFill>
-                <a:schemeClr val="tx1"/>
-              </a:solidFill>
-            </a:endParaRPr>
-          </a:p>
-        </p:txBody>
-      </p:sp>
-      <p:sp>
-        <p:nvSpPr>
-          <p:cNvPr id="39" name="円/楕円 38">
-            <a:extLst>
-              <a:ext uri="{FF2B5EF4-FFF2-40B4-BE49-F238E27FC236}">
-                <a16:creationId xmlns:a16="http://schemas.microsoft.com/office/drawing/2014/main" id="{BB3F5A8A-039A-E84A-AE65-E832B9702E40}"/>
-              </a:ext>
-            </a:extLst>
-          </p:cNvPr>
-          <p:cNvSpPr/>
-          <p:nvPr/>
-        </p:nvSpPr>
-        <p:spPr>
-          <a:xfrm>
-            <a:off x="3190240" y="1767840"/>
-            <a:ext cx="375920" cy="335280"/>
-          </a:xfrm>
-          <a:prstGeom prst="ellipse">
-            <a:avLst/>
-          </a:prstGeom>
-          <a:noFill/>
-          <a:ln>
-            <a:solidFill>
-              <a:schemeClr val="tx1"/>
-            </a:solidFill>
-          </a:ln>
-        </p:spPr>
-        <p:style>
-          <a:lnRef idx="2">
-            <a:schemeClr val="accent1">
-              <a:shade val="50000"/>
-            </a:schemeClr>
-          </a:lnRef>
-          <a:fillRef idx="1">
-            <a:schemeClr val="accent1"/>
-          </a:fillRef>
-          <a:effectRef idx="0">
-            <a:schemeClr val="accent1"/>
-          </a:effectRef>
-          <a:fontRef idx="minor">
-            <a:schemeClr val="lt1"/>
-          </a:fontRef>
-        </p:style>
-        <p:txBody>
-          <a:bodyPr rtlCol="0" anchor="ctr"/>
-          <a:lstStyle/>
-          <a:p>
-            <a:pPr algn="ctr"/>
-            <a:r>
-              <a:rPr kumimoji="1" lang="en-US" altLang="ja-JP">
-                <a:solidFill>
-                  <a:schemeClr val="tx1"/>
-                </a:solidFill>
-              </a:rPr>
-              <a:t>B</a:t>
-            </a:r>
-            <a:endParaRPr kumimoji="1" lang="ja-JP" altLang="en-US">
-              <a:solidFill>
-                <a:schemeClr val="tx1"/>
-              </a:solidFill>
-            </a:endParaRPr>
-          </a:p>
-        </p:txBody>
-      </p:sp>
-      <p:sp>
-        <p:nvSpPr>
-          <p:cNvPr id="46" name="円/楕円 45">
-            <a:extLst>
-              <a:ext uri="{FF2B5EF4-FFF2-40B4-BE49-F238E27FC236}">
-                <a16:creationId xmlns:a16="http://schemas.microsoft.com/office/drawing/2014/main" id="{5A18CD47-9BB9-B94E-9D4F-A113665A6FE7}"/>
-              </a:ext>
-            </a:extLst>
-          </p:cNvPr>
-          <p:cNvSpPr/>
-          <p:nvPr/>
-        </p:nvSpPr>
-        <p:spPr>
-          <a:xfrm>
-            <a:off x="3190240" y="3200400"/>
-            <a:ext cx="375920" cy="335280"/>
-          </a:xfrm>
-          <a:prstGeom prst="ellipse">
-            <a:avLst/>
-          </a:prstGeom>
-          <a:noFill/>
-          <a:ln>
-            <a:solidFill>
-              <a:schemeClr val="tx1"/>
-            </a:solidFill>
-          </a:ln>
-        </p:spPr>
-        <p:style>
-          <a:lnRef idx="2">
-            <a:schemeClr val="accent1">
-              <a:shade val="50000"/>
-            </a:schemeClr>
-          </a:lnRef>
-          <a:fillRef idx="1">
-            <a:schemeClr val="accent1"/>
-          </a:fillRef>
-          <a:effectRef idx="0">
-            <a:schemeClr val="accent1"/>
-          </a:effectRef>
-          <a:fontRef idx="minor">
-            <a:schemeClr val="lt1"/>
-          </a:fontRef>
-        </p:style>
-        <p:txBody>
-          <a:bodyPr rtlCol="0" anchor="ctr"/>
-          <a:lstStyle/>
-          <a:p>
-            <a:pPr algn="ctr"/>
-            <a:r>
-              <a:rPr kumimoji="1" lang="en-US" altLang="ja-JP">
-                <a:solidFill>
-                  <a:schemeClr val="tx1"/>
-                </a:solidFill>
-              </a:rPr>
-              <a:t>C</a:t>
-            </a:r>
-            <a:endParaRPr kumimoji="1" lang="ja-JP" altLang="en-US">
-              <a:solidFill>
-                <a:schemeClr val="tx1"/>
-              </a:solidFill>
-            </a:endParaRPr>
-          </a:p>
-        </p:txBody>
-      </p:sp>
-      <p:sp>
-        <p:nvSpPr>
-          <p:cNvPr id="47" name="円/楕円 46">
-            <a:extLst>
-              <a:ext uri="{FF2B5EF4-FFF2-40B4-BE49-F238E27FC236}">
-                <a16:creationId xmlns:a16="http://schemas.microsoft.com/office/drawing/2014/main" id="{5A05C399-86D2-E344-9F9A-58ED297D3B16}"/>
-              </a:ext>
-            </a:extLst>
-          </p:cNvPr>
-          <p:cNvSpPr/>
-          <p:nvPr/>
-        </p:nvSpPr>
-        <p:spPr>
-          <a:xfrm>
-            <a:off x="4348480" y="1005840"/>
-            <a:ext cx="375920" cy="335280"/>
-          </a:xfrm>
-          <a:prstGeom prst="ellipse">
-            <a:avLst/>
-          </a:prstGeom>
-          <a:noFill/>
-          <a:ln>
-            <a:solidFill>
-              <a:schemeClr val="tx1"/>
-            </a:solidFill>
-          </a:ln>
-        </p:spPr>
-        <p:style>
-          <a:lnRef idx="2">
-            <a:schemeClr val="accent1">
-              <a:shade val="50000"/>
-            </a:schemeClr>
-          </a:lnRef>
-          <a:fillRef idx="1">
-            <a:schemeClr val="accent1"/>
-          </a:fillRef>
-          <a:effectRef idx="0">
-            <a:schemeClr val="accent1"/>
-          </a:effectRef>
-          <a:fontRef idx="minor">
-            <a:schemeClr val="lt1"/>
-          </a:fontRef>
-        </p:style>
-        <p:txBody>
-          <a:bodyPr rtlCol="0" anchor="ctr"/>
-          <a:lstStyle/>
-          <a:p>
-            <a:pPr algn="ctr"/>
-            <a:r>
-              <a:rPr kumimoji="1" lang="en-US" altLang="ja-JP">
-                <a:solidFill>
-                  <a:schemeClr val="tx1"/>
-                </a:solidFill>
-              </a:rPr>
-              <a:t>D</a:t>
-            </a:r>
-            <a:endParaRPr kumimoji="1" lang="ja-JP" altLang="en-US">
-              <a:solidFill>
-                <a:schemeClr val="tx1"/>
-              </a:solidFill>
-            </a:endParaRPr>
-          </a:p>
-        </p:txBody>
-      </p:sp>
-      <p:sp>
-        <p:nvSpPr>
-          <p:cNvPr id="48" name="円/楕円 47">
-            <a:extLst>
-              <a:ext uri="{FF2B5EF4-FFF2-40B4-BE49-F238E27FC236}">
-                <a16:creationId xmlns:a16="http://schemas.microsoft.com/office/drawing/2014/main" id="{E6392A16-07C2-1543-ACB5-BEA7A1E9F41D}"/>
-              </a:ext>
-            </a:extLst>
-          </p:cNvPr>
-          <p:cNvSpPr/>
-          <p:nvPr/>
-        </p:nvSpPr>
-        <p:spPr>
-          <a:xfrm>
-            <a:off x="4348480" y="2438400"/>
-            <a:ext cx="375920" cy="335280"/>
-          </a:xfrm>
-          <a:prstGeom prst="ellipse">
-            <a:avLst/>
-          </a:prstGeom>
-          <a:noFill/>
-          <a:ln>
-            <a:solidFill>
-              <a:schemeClr val="tx1"/>
-            </a:solidFill>
-          </a:ln>
-        </p:spPr>
-        <p:style>
-          <a:lnRef idx="2">
-            <a:schemeClr val="accent1">
-              <a:shade val="50000"/>
-            </a:schemeClr>
-          </a:lnRef>
-          <a:fillRef idx="1">
-            <a:schemeClr val="accent1"/>
-          </a:fillRef>
-          <a:effectRef idx="0">
-            <a:schemeClr val="accent1"/>
-          </a:effectRef>
-          <a:fontRef idx="minor">
-            <a:schemeClr val="lt1"/>
-          </a:fontRef>
-        </p:style>
-        <p:txBody>
-          <a:bodyPr rtlCol="0" anchor="ctr"/>
-          <a:lstStyle/>
-          <a:p>
-            <a:pPr algn="ctr"/>
-            <a:r>
-              <a:rPr kumimoji="1" lang="en-US" altLang="ja-JP">
-                <a:solidFill>
-                  <a:schemeClr val="tx1"/>
-                </a:solidFill>
-              </a:rPr>
-              <a:t>E</a:t>
-            </a:r>
-            <a:endParaRPr kumimoji="1" lang="ja-JP" altLang="en-US">
-              <a:solidFill>
-                <a:schemeClr val="tx1"/>
-              </a:solidFill>
-            </a:endParaRPr>
-          </a:p>
-        </p:txBody>
-      </p:sp>
-      <p:sp>
-        <p:nvSpPr>
-          <p:cNvPr id="49" name="円/楕円 48">
-            <a:extLst>
-              <a:ext uri="{FF2B5EF4-FFF2-40B4-BE49-F238E27FC236}">
-                <a16:creationId xmlns:a16="http://schemas.microsoft.com/office/drawing/2014/main" id="{BE5C878F-6EA5-294F-A021-FCAA83CE5837}"/>
-              </a:ext>
-            </a:extLst>
-          </p:cNvPr>
-          <p:cNvSpPr/>
-          <p:nvPr/>
-        </p:nvSpPr>
-        <p:spPr>
-          <a:xfrm>
-            <a:off x="4348480" y="3789680"/>
-            <a:ext cx="375920" cy="335280"/>
-          </a:xfrm>
-          <a:prstGeom prst="ellipse">
-            <a:avLst/>
-          </a:prstGeom>
-          <a:noFill/>
-          <a:ln>
-            <a:solidFill>
-              <a:schemeClr val="tx1"/>
-            </a:solidFill>
-          </a:ln>
-        </p:spPr>
-        <p:style>
-          <a:lnRef idx="2">
-            <a:schemeClr val="accent1">
-              <a:shade val="50000"/>
-            </a:schemeClr>
-          </a:lnRef>
-          <a:fillRef idx="1">
-            <a:schemeClr val="accent1"/>
-          </a:fillRef>
-          <a:effectRef idx="0">
-            <a:schemeClr val="accent1"/>
-          </a:effectRef>
-          <a:fontRef idx="minor">
-            <a:schemeClr val="lt1"/>
-          </a:fontRef>
-        </p:style>
-        <p:txBody>
-          <a:bodyPr rtlCol="0" anchor="ctr"/>
-          <a:lstStyle/>
-          <a:p>
-            <a:pPr algn="ctr"/>
-            <a:r>
-              <a:rPr lang="en-US" altLang="ja-JP">
-                <a:solidFill>
-                  <a:schemeClr val="tx1"/>
-                </a:solidFill>
-              </a:rPr>
-              <a:t>F</a:t>
-            </a:r>
-            <a:endParaRPr kumimoji="1" lang="ja-JP" altLang="en-US">
-              <a:solidFill>
-                <a:schemeClr val="tx1"/>
-              </a:solidFill>
-            </a:endParaRPr>
-          </a:p>
-        </p:txBody>
-      </p:sp>
-      <p:sp>
-        <p:nvSpPr>
-          <p:cNvPr id="50" name="円/楕円 49">
-            <a:extLst>
-              <a:ext uri="{FF2B5EF4-FFF2-40B4-BE49-F238E27FC236}">
-                <a16:creationId xmlns:a16="http://schemas.microsoft.com/office/drawing/2014/main" id="{C145A07F-63F1-4A4F-BBD8-CB7E0A64913B}"/>
-              </a:ext>
-            </a:extLst>
-          </p:cNvPr>
-          <p:cNvSpPr/>
-          <p:nvPr/>
-        </p:nvSpPr>
-        <p:spPr>
-          <a:xfrm>
-            <a:off x="5445760" y="1747520"/>
-            <a:ext cx="375920" cy="335280"/>
-          </a:xfrm>
-          <a:prstGeom prst="ellipse">
-            <a:avLst/>
-          </a:prstGeom>
-          <a:noFill/>
-          <a:ln>
-            <a:solidFill>
-              <a:schemeClr val="tx1"/>
-            </a:solidFill>
-          </a:ln>
-        </p:spPr>
-        <p:style>
-          <a:lnRef idx="2">
-            <a:schemeClr val="accent1">
-              <a:shade val="50000"/>
-            </a:schemeClr>
-          </a:lnRef>
-          <a:fillRef idx="1">
-            <a:schemeClr val="accent1"/>
-          </a:fillRef>
-          <a:effectRef idx="0">
-            <a:schemeClr val="accent1"/>
-          </a:effectRef>
-          <a:fontRef idx="minor">
-            <a:schemeClr val="lt1"/>
-          </a:fontRef>
-        </p:style>
-        <p:txBody>
-          <a:bodyPr rtlCol="0" anchor="ctr"/>
-          <a:lstStyle/>
-          <a:p>
-            <a:pPr algn="ctr"/>
-            <a:r>
-              <a:rPr kumimoji="1" lang="en-US" altLang="ja-JP">
-                <a:solidFill>
-                  <a:schemeClr val="tx1"/>
-                </a:solidFill>
-              </a:rPr>
-              <a:t>G</a:t>
-            </a:r>
-            <a:endParaRPr kumimoji="1" lang="ja-JP" altLang="en-US">
-              <a:solidFill>
-                <a:schemeClr val="tx1"/>
-              </a:solidFill>
-            </a:endParaRPr>
-          </a:p>
-        </p:txBody>
-      </p:sp>
-      <p:sp>
-        <p:nvSpPr>
-          <p:cNvPr id="51" name="円/楕円 50">
-            <a:extLst>
-              <a:ext uri="{FF2B5EF4-FFF2-40B4-BE49-F238E27FC236}">
-                <a16:creationId xmlns:a16="http://schemas.microsoft.com/office/drawing/2014/main" id="{55B08A19-11EA-394A-8011-5677DCB4670E}"/>
-              </a:ext>
-            </a:extLst>
-          </p:cNvPr>
-          <p:cNvSpPr/>
-          <p:nvPr/>
-        </p:nvSpPr>
-        <p:spPr>
-          <a:xfrm>
-            <a:off x="5445760" y="3180080"/>
-            <a:ext cx="375920" cy="335280"/>
-          </a:xfrm>
-          <a:prstGeom prst="ellipse">
-            <a:avLst/>
-          </a:prstGeom>
-          <a:noFill/>
-          <a:ln>
-            <a:solidFill>
-              <a:schemeClr val="tx1"/>
-            </a:solidFill>
-          </a:ln>
-        </p:spPr>
-        <p:style>
-          <a:lnRef idx="2">
-            <a:schemeClr val="accent1">
-              <a:shade val="50000"/>
-            </a:schemeClr>
-          </a:lnRef>
-          <a:fillRef idx="1">
-            <a:schemeClr val="accent1"/>
-          </a:fillRef>
-          <a:effectRef idx="0">
-            <a:schemeClr val="accent1"/>
-          </a:effectRef>
-          <a:fontRef idx="minor">
-            <a:schemeClr val="lt1"/>
-          </a:fontRef>
-        </p:style>
-        <p:txBody>
-          <a:bodyPr rtlCol="0" anchor="ctr"/>
-          <a:lstStyle/>
-          <a:p>
-            <a:pPr algn="ctr"/>
-            <a:r>
-              <a:rPr kumimoji="1" lang="en-US" altLang="ja-JP">
-                <a:solidFill>
-                  <a:schemeClr val="tx1"/>
-                </a:solidFill>
-              </a:rPr>
-              <a:t>H</a:t>
-            </a:r>
-            <a:endParaRPr kumimoji="1" lang="ja-JP" altLang="en-US">
-              <a:solidFill>
-                <a:schemeClr val="tx1"/>
-              </a:solidFill>
-            </a:endParaRPr>
-          </a:p>
-        </p:txBody>
-      </p:sp>
-      <p:sp>
-        <p:nvSpPr>
-          <p:cNvPr id="52" name="円/楕円 51">
-            <a:extLst>
-              <a:ext uri="{FF2B5EF4-FFF2-40B4-BE49-F238E27FC236}">
-                <a16:creationId xmlns:a16="http://schemas.microsoft.com/office/drawing/2014/main" id="{27560531-80BF-8743-A0C1-498A3F0BA814}"/>
-              </a:ext>
-            </a:extLst>
-          </p:cNvPr>
-          <p:cNvSpPr/>
-          <p:nvPr/>
-        </p:nvSpPr>
-        <p:spPr>
-          <a:xfrm>
-            <a:off x="6685280" y="2489200"/>
-            <a:ext cx="375920" cy="335280"/>
-          </a:xfrm>
-          <a:prstGeom prst="ellipse">
-            <a:avLst/>
-          </a:prstGeom>
-          <a:solidFill>
-            <a:schemeClr val="accent1"/>
-          </a:solidFill>
-          <a:ln>
-            <a:solidFill>
-              <a:schemeClr val="tx1"/>
-            </a:solidFill>
-          </a:ln>
-        </p:spPr>
-        <p:style>
-          <a:lnRef idx="2">
-            <a:schemeClr val="accent1">
-              <a:shade val="50000"/>
-            </a:schemeClr>
-          </a:lnRef>
-          <a:fillRef idx="1">
-            <a:schemeClr val="accent1"/>
-          </a:fillRef>
-          <a:effectRef idx="0">
-            <a:schemeClr val="accent1"/>
-          </a:effectRef>
-          <a:fontRef idx="minor">
-            <a:schemeClr val="lt1"/>
-          </a:fontRef>
-        </p:style>
-        <p:txBody>
-          <a:bodyPr rtlCol="0" anchor="ctr"/>
-          <a:lstStyle/>
-          <a:p>
-            <a:pPr algn="ctr"/>
-            <a:r>
-              <a:rPr kumimoji="1" lang="en-US" altLang="ja-JP">
-                <a:solidFill>
-                  <a:schemeClr val="tx1"/>
-                </a:solidFill>
-              </a:rPr>
-              <a:t>I</a:t>
-            </a:r>
-            <a:endParaRPr kumimoji="1" lang="ja-JP" altLang="en-US">
-              <a:solidFill>
-                <a:schemeClr val="tx1"/>
-              </a:solidFill>
-            </a:endParaRPr>
-          </a:p>
-        </p:txBody>
-      </p:sp>
-      <p:cxnSp>
-        <p:nvCxnSpPr>
-          <p:cNvPr id="9" name="直線コネクタ 8">
-            <a:extLst>
-              <a:ext uri="{FF2B5EF4-FFF2-40B4-BE49-F238E27FC236}">
-                <a16:creationId xmlns:a16="http://schemas.microsoft.com/office/drawing/2014/main" id="{33ABDCB3-8709-A144-875A-BE4A4E41AC20}"/>
-              </a:ext>
-            </a:extLst>
-          </p:cNvPr>
-          <p:cNvCxnSpPr>
-            <a:cxnSpLocks/>
-            <a:stCxn id="7" idx="7"/>
-            <a:endCxn id="39" idx="2"/>
-          </p:cNvCxnSpPr>
-          <p:nvPr/>
-        </p:nvCxnSpPr>
-        <p:spPr>
-          <a:xfrm flipV="1">
-            <a:off x="2403668" y="1935480"/>
-            <a:ext cx="786572" cy="623141"/>
-          </a:xfrm>
-          <a:prstGeom prst="line">
-            <a:avLst/>
-          </a:prstGeom>
-          <a:ln w="12700">
-            <a:solidFill>
-              <a:schemeClr val="tx1"/>
-            </a:solidFill>
-          </a:ln>
-        </p:spPr>
-        <p:style>
-          <a:lnRef idx="1">
-            <a:schemeClr val="accent1"/>
-          </a:lnRef>
-          <a:fillRef idx="0">
-            <a:schemeClr val="accent1"/>
-          </a:fillRef>
-          <a:effectRef idx="0">
-            <a:schemeClr val="accent1"/>
-          </a:effectRef>
-          <a:fontRef idx="minor">
-            <a:schemeClr val="tx1"/>
-          </a:fontRef>
-        </p:style>
-      </p:cxnSp>
-      <p:cxnSp>
-        <p:nvCxnSpPr>
-          <p:cNvPr id="11" name="直線コネクタ 10">
-            <a:extLst>
-              <a:ext uri="{FF2B5EF4-FFF2-40B4-BE49-F238E27FC236}">
-                <a16:creationId xmlns:a16="http://schemas.microsoft.com/office/drawing/2014/main" id="{5DAADE34-D95B-B747-B753-A3F7D36530F3}"/>
-              </a:ext>
-            </a:extLst>
-          </p:cNvPr>
-          <p:cNvCxnSpPr>
-            <a:cxnSpLocks/>
-            <a:stCxn id="39" idx="7"/>
-            <a:endCxn id="47" idx="2"/>
-          </p:cNvCxnSpPr>
-          <p:nvPr/>
-        </p:nvCxnSpPr>
-        <p:spPr>
-          <a:xfrm flipV="1">
-            <a:off x="3511108" y="1173480"/>
-            <a:ext cx="837372" cy="643461"/>
-          </a:xfrm>
-          <a:prstGeom prst="line">
-            <a:avLst/>
-          </a:prstGeom>
-          <a:ln w="12700">
-            <a:solidFill>
-              <a:schemeClr val="tx1"/>
-            </a:solidFill>
-          </a:ln>
-        </p:spPr>
-        <p:style>
-          <a:lnRef idx="1">
-            <a:schemeClr val="accent1"/>
-          </a:lnRef>
-          <a:fillRef idx="0">
-            <a:schemeClr val="accent1"/>
-          </a:fillRef>
-          <a:effectRef idx="0">
-            <a:schemeClr val="accent1"/>
-          </a:effectRef>
-          <a:fontRef idx="minor">
-            <a:schemeClr val="tx1"/>
-          </a:fontRef>
-        </p:style>
-      </p:cxnSp>
-      <p:cxnSp>
-        <p:nvCxnSpPr>
-          <p:cNvPr id="30" name="直線コネクタ 29">
-            <a:extLst>
-              <a:ext uri="{FF2B5EF4-FFF2-40B4-BE49-F238E27FC236}">
-                <a16:creationId xmlns:a16="http://schemas.microsoft.com/office/drawing/2014/main" id="{496B43E6-C0A4-BD43-BEAB-46CB0341AC04}"/>
-              </a:ext>
-            </a:extLst>
-          </p:cNvPr>
-          <p:cNvCxnSpPr>
-            <a:cxnSpLocks/>
-            <a:stCxn id="47" idx="6"/>
-            <a:endCxn id="50" idx="1"/>
-          </p:cNvCxnSpPr>
-          <p:nvPr/>
-        </p:nvCxnSpPr>
-        <p:spPr>
-          <a:xfrm>
-            <a:off x="4724400" y="1173480"/>
-            <a:ext cx="776412" cy="623141"/>
-          </a:xfrm>
-          <a:prstGeom prst="line">
-            <a:avLst/>
-          </a:prstGeom>
-          <a:ln w="12700">
-            <a:solidFill>
-              <a:schemeClr val="tx1"/>
-            </a:solidFill>
-          </a:ln>
-        </p:spPr>
-        <p:style>
-          <a:lnRef idx="1">
-            <a:schemeClr val="accent1"/>
-          </a:lnRef>
-          <a:fillRef idx="0">
-            <a:schemeClr val="accent1"/>
-          </a:fillRef>
-          <a:effectRef idx="0">
-            <a:schemeClr val="accent1"/>
-          </a:effectRef>
-          <a:fontRef idx="minor">
-            <a:schemeClr val="tx1"/>
-          </a:fontRef>
-        </p:style>
-      </p:cxnSp>
-      <p:cxnSp>
-        <p:nvCxnSpPr>
-          <p:cNvPr id="55" name="直線コネクタ 54">
-            <a:extLst>
-              <a:ext uri="{FF2B5EF4-FFF2-40B4-BE49-F238E27FC236}">
-                <a16:creationId xmlns:a16="http://schemas.microsoft.com/office/drawing/2014/main" id="{982F76F0-1AC1-AE4E-9C22-3F982C8850DB}"/>
-              </a:ext>
-            </a:extLst>
-          </p:cNvPr>
-          <p:cNvCxnSpPr>
-            <a:cxnSpLocks/>
-            <a:stCxn id="50" idx="6"/>
-            <a:endCxn id="52" idx="1"/>
-          </p:cNvCxnSpPr>
-          <p:nvPr/>
-        </p:nvCxnSpPr>
-        <p:spPr>
-          <a:xfrm>
-            <a:off x="5821680" y="1915160"/>
-            <a:ext cx="918652" cy="623141"/>
-          </a:xfrm>
-          <a:prstGeom prst="line">
-            <a:avLst/>
-          </a:prstGeom>
-          <a:ln w="12700">
-            <a:solidFill>
-              <a:schemeClr val="tx1"/>
-            </a:solidFill>
-          </a:ln>
-        </p:spPr>
-        <p:style>
-          <a:lnRef idx="1">
-            <a:schemeClr val="accent1"/>
-          </a:lnRef>
-          <a:fillRef idx="0">
-            <a:schemeClr val="accent1"/>
-          </a:fillRef>
-          <a:effectRef idx="0">
-            <a:schemeClr val="accent1"/>
-          </a:effectRef>
-          <a:fontRef idx="minor">
-            <a:schemeClr val="tx1"/>
-          </a:fontRef>
-        </p:style>
-      </p:cxnSp>
-      <p:cxnSp>
-        <p:nvCxnSpPr>
-          <p:cNvPr id="61" name="直線コネクタ 60">
-            <a:extLst>
-              <a:ext uri="{FF2B5EF4-FFF2-40B4-BE49-F238E27FC236}">
-                <a16:creationId xmlns:a16="http://schemas.microsoft.com/office/drawing/2014/main" id="{B99ED5AF-D6AB-8A42-B79C-523FEF534A45}"/>
-              </a:ext>
-            </a:extLst>
-          </p:cNvPr>
-          <p:cNvCxnSpPr>
-            <a:stCxn id="7" idx="5"/>
-            <a:endCxn id="46" idx="2"/>
-          </p:cNvCxnSpPr>
-          <p:nvPr/>
-        </p:nvCxnSpPr>
-        <p:spPr>
-          <a:xfrm>
-            <a:off x="2403668" y="2795699"/>
-            <a:ext cx="786572" cy="572341"/>
-          </a:xfrm>
-          <a:prstGeom prst="line">
-            <a:avLst/>
-          </a:prstGeom>
-          <a:ln w="12700">
-            <a:solidFill>
-              <a:schemeClr val="tx1"/>
-            </a:solidFill>
-          </a:ln>
-        </p:spPr>
-        <p:style>
-          <a:lnRef idx="1">
-            <a:schemeClr val="accent1"/>
-          </a:lnRef>
-          <a:fillRef idx="0">
-            <a:schemeClr val="accent1"/>
-          </a:fillRef>
-          <a:effectRef idx="0">
-            <a:schemeClr val="accent1"/>
-          </a:effectRef>
-          <a:fontRef idx="minor">
-            <a:schemeClr val="tx1"/>
-          </a:fontRef>
-        </p:style>
-      </p:cxnSp>
-      <p:cxnSp>
-        <p:nvCxnSpPr>
-          <p:cNvPr id="63" name="直線コネクタ 62">
-            <a:extLst>
-              <a:ext uri="{FF2B5EF4-FFF2-40B4-BE49-F238E27FC236}">
-                <a16:creationId xmlns:a16="http://schemas.microsoft.com/office/drawing/2014/main" id="{8EB52833-AF8C-D94C-9697-207362256D08}"/>
-              </a:ext>
-            </a:extLst>
-          </p:cNvPr>
-          <p:cNvCxnSpPr>
-            <a:stCxn id="46" idx="5"/>
-            <a:endCxn id="49" idx="2"/>
-          </p:cNvCxnSpPr>
-          <p:nvPr/>
-        </p:nvCxnSpPr>
-        <p:spPr>
-          <a:xfrm>
-            <a:off x="3511108" y="3486579"/>
-            <a:ext cx="837372" cy="470741"/>
-          </a:xfrm>
-          <a:prstGeom prst="line">
-            <a:avLst/>
-          </a:prstGeom>
-          <a:ln w="12700">
-            <a:solidFill>
-              <a:schemeClr val="tx1"/>
-            </a:solidFill>
-          </a:ln>
-        </p:spPr>
-        <p:style>
-          <a:lnRef idx="1">
-            <a:schemeClr val="accent1"/>
-          </a:lnRef>
-          <a:fillRef idx="0">
-            <a:schemeClr val="accent1"/>
-          </a:fillRef>
-          <a:effectRef idx="0">
-            <a:schemeClr val="accent1"/>
-          </a:effectRef>
-          <a:fontRef idx="minor">
-            <a:schemeClr val="tx1"/>
-          </a:fontRef>
-        </p:style>
-      </p:cxnSp>
-      <p:cxnSp>
-        <p:nvCxnSpPr>
-          <p:cNvPr id="65" name="直線コネクタ 64">
-            <a:extLst>
-              <a:ext uri="{FF2B5EF4-FFF2-40B4-BE49-F238E27FC236}">
-                <a16:creationId xmlns:a16="http://schemas.microsoft.com/office/drawing/2014/main" id="{FBA65CFD-B716-4A4F-8511-1905D7692CBC}"/>
-              </a:ext>
-            </a:extLst>
-          </p:cNvPr>
-          <p:cNvCxnSpPr>
-            <a:stCxn id="49" idx="6"/>
-            <a:endCxn id="51" idx="3"/>
-          </p:cNvCxnSpPr>
-          <p:nvPr/>
-        </p:nvCxnSpPr>
-        <p:spPr>
-          <a:xfrm flipV="1">
-            <a:off x="4724400" y="3466259"/>
-            <a:ext cx="776412" cy="491061"/>
-          </a:xfrm>
-          <a:prstGeom prst="line">
-            <a:avLst/>
-          </a:prstGeom>
-          <a:ln w="12700">
-            <a:solidFill>
-              <a:schemeClr val="tx1"/>
-            </a:solidFill>
-          </a:ln>
-        </p:spPr>
-        <p:style>
-          <a:lnRef idx="1">
-            <a:schemeClr val="accent1"/>
-          </a:lnRef>
-          <a:fillRef idx="0">
-            <a:schemeClr val="accent1"/>
-          </a:fillRef>
-          <a:effectRef idx="0">
-            <a:schemeClr val="accent1"/>
-          </a:effectRef>
-          <a:fontRef idx="minor">
-            <a:schemeClr val="tx1"/>
-          </a:fontRef>
-        </p:style>
-      </p:cxnSp>
-      <p:cxnSp>
-        <p:nvCxnSpPr>
-          <p:cNvPr id="67" name="直線コネクタ 66">
-            <a:extLst>
-              <a:ext uri="{FF2B5EF4-FFF2-40B4-BE49-F238E27FC236}">
-                <a16:creationId xmlns:a16="http://schemas.microsoft.com/office/drawing/2014/main" id="{BA17DB01-6E4E-894A-BCDD-7B9FC615F489}"/>
-              </a:ext>
-            </a:extLst>
-          </p:cNvPr>
-          <p:cNvCxnSpPr>
-            <a:stCxn id="51" idx="6"/>
-            <a:endCxn id="52" idx="3"/>
-          </p:cNvCxnSpPr>
-          <p:nvPr/>
-        </p:nvCxnSpPr>
-        <p:spPr>
-          <a:xfrm flipV="1">
-            <a:off x="5821680" y="2775379"/>
-            <a:ext cx="918652" cy="572341"/>
-          </a:xfrm>
-          <a:prstGeom prst="line">
-            <a:avLst/>
-          </a:prstGeom>
-          <a:ln w="12700">
-            <a:solidFill>
-              <a:schemeClr val="tx1"/>
-            </a:solidFill>
-          </a:ln>
-        </p:spPr>
-        <p:style>
-          <a:lnRef idx="1">
-            <a:schemeClr val="accent1"/>
-          </a:lnRef>
-          <a:fillRef idx="0">
-            <a:schemeClr val="accent1"/>
-          </a:fillRef>
-          <a:effectRef idx="0">
-            <a:schemeClr val="accent1"/>
-          </a:effectRef>
-          <a:fontRef idx="minor">
-            <a:schemeClr val="tx1"/>
-          </a:fontRef>
-        </p:style>
-      </p:cxnSp>
-      <p:cxnSp>
-        <p:nvCxnSpPr>
-          <p:cNvPr id="69" name="直線コネクタ 68">
-            <a:extLst>
-              <a:ext uri="{FF2B5EF4-FFF2-40B4-BE49-F238E27FC236}">
-                <a16:creationId xmlns:a16="http://schemas.microsoft.com/office/drawing/2014/main" id="{A474C5F1-5DCF-024C-A19D-36E3C0B51CAF}"/>
-              </a:ext>
-            </a:extLst>
-          </p:cNvPr>
-          <p:cNvCxnSpPr>
-            <a:stCxn id="39" idx="6"/>
-            <a:endCxn id="48" idx="1"/>
-          </p:cNvCxnSpPr>
-          <p:nvPr/>
-        </p:nvCxnSpPr>
-        <p:spPr>
-          <a:xfrm>
-            <a:off x="3566160" y="1935480"/>
-            <a:ext cx="837372" cy="552021"/>
-          </a:xfrm>
-          <a:prstGeom prst="line">
-            <a:avLst/>
-          </a:prstGeom>
-          <a:ln w="12700">
-            <a:solidFill>
-              <a:schemeClr val="tx1"/>
-            </a:solidFill>
-          </a:ln>
-        </p:spPr>
-        <p:style>
-          <a:lnRef idx="1">
-            <a:schemeClr val="accent1"/>
-          </a:lnRef>
-          <a:fillRef idx="0">
-            <a:schemeClr val="accent1"/>
-          </a:fillRef>
-          <a:effectRef idx="0">
-            <a:schemeClr val="accent1"/>
-          </a:effectRef>
-          <a:fontRef idx="minor">
-            <a:schemeClr val="tx1"/>
-          </a:fontRef>
-        </p:style>
-      </p:cxnSp>
-      <p:cxnSp>
-        <p:nvCxnSpPr>
-          <p:cNvPr id="71" name="直線コネクタ 70">
-            <a:extLst>
-              <a:ext uri="{FF2B5EF4-FFF2-40B4-BE49-F238E27FC236}">
-                <a16:creationId xmlns:a16="http://schemas.microsoft.com/office/drawing/2014/main" id="{6EEDBE19-327A-9846-AE2E-4BB22E595191}"/>
-              </a:ext>
-            </a:extLst>
-          </p:cNvPr>
-          <p:cNvCxnSpPr>
-            <a:cxnSpLocks/>
-            <a:stCxn id="46" idx="7"/>
-            <a:endCxn id="48" idx="3"/>
-          </p:cNvCxnSpPr>
-          <p:nvPr/>
-        </p:nvCxnSpPr>
-        <p:spPr>
-          <a:xfrm flipV="1">
-            <a:off x="3511108" y="2724579"/>
-            <a:ext cx="892424" cy="524922"/>
-          </a:xfrm>
-          <a:prstGeom prst="line">
-            <a:avLst/>
-          </a:prstGeom>
-          <a:ln w="12700">
-            <a:solidFill>
-              <a:schemeClr val="tx1"/>
-            </a:solidFill>
-          </a:ln>
-        </p:spPr>
-        <p:style>
-          <a:lnRef idx="1">
-            <a:schemeClr val="accent1"/>
-          </a:lnRef>
-          <a:fillRef idx="0">
-            <a:schemeClr val="accent1"/>
-          </a:fillRef>
-          <a:effectRef idx="0">
-            <a:schemeClr val="accent1"/>
-          </a:effectRef>
-          <a:fontRef idx="minor">
-            <a:schemeClr val="tx1"/>
-          </a:fontRef>
-        </p:style>
-      </p:cxnSp>
-      <p:cxnSp>
-        <p:nvCxnSpPr>
-          <p:cNvPr id="74" name="直線コネクタ 73">
-            <a:extLst>
-              <a:ext uri="{FF2B5EF4-FFF2-40B4-BE49-F238E27FC236}">
-                <a16:creationId xmlns:a16="http://schemas.microsoft.com/office/drawing/2014/main" id="{A01E2220-65FF-8C43-AF39-3650269F82FE}"/>
-              </a:ext>
-            </a:extLst>
-          </p:cNvPr>
-          <p:cNvCxnSpPr>
-            <a:stCxn id="48" idx="7"/>
-            <a:endCxn id="50" idx="3"/>
-          </p:cNvCxnSpPr>
-          <p:nvPr/>
-        </p:nvCxnSpPr>
-        <p:spPr>
-          <a:xfrm flipV="1">
-            <a:off x="4669348" y="2033699"/>
-            <a:ext cx="831464" cy="453802"/>
-          </a:xfrm>
-          <a:prstGeom prst="line">
-            <a:avLst/>
-          </a:prstGeom>
-          <a:ln w="12700">
-            <a:solidFill>
-              <a:schemeClr val="tx1"/>
-            </a:solidFill>
-          </a:ln>
-        </p:spPr>
-        <p:style>
-          <a:lnRef idx="1">
-            <a:schemeClr val="accent1"/>
-          </a:lnRef>
-          <a:fillRef idx="0">
-            <a:schemeClr val="accent1"/>
-          </a:fillRef>
-          <a:effectRef idx="0">
-            <a:schemeClr val="accent1"/>
-          </a:effectRef>
-          <a:fontRef idx="minor">
-            <a:schemeClr val="tx1"/>
-          </a:fontRef>
-        </p:style>
-      </p:cxnSp>
-      <p:cxnSp>
-        <p:nvCxnSpPr>
-          <p:cNvPr id="76" name="直線コネクタ 75">
-            <a:extLst>
-              <a:ext uri="{FF2B5EF4-FFF2-40B4-BE49-F238E27FC236}">
-                <a16:creationId xmlns:a16="http://schemas.microsoft.com/office/drawing/2014/main" id="{4C529988-150B-1549-A9AD-7CDAA7622ECF}"/>
-              </a:ext>
-            </a:extLst>
-          </p:cNvPr>
-          <p:cNvCxnSpPr>
-            <a:stCxn id="48" idx="5"/>
-            <a:endCxn id="51" idx="1"/>
-          </p:cNvCxnSpPr>
-          <p:nvPr/>
-        </p:nvCxnSpPr>
-        <p:spPr>
-          <a:xfrm>
-            <a:off x="4669348" y="2724579"/>
-            <a:ext cx="831464" cy="504602"/>
-          </a:xfrm>
-          <a:prstGeom prst="line">
-            <a:avLst/>
-          </a:prstGeom>
-          <a:ln w="12700">
-            <a:solidFill>
-              <a:schemeClr val="tx1"/>
-            </a:solidFill>
-          </a:ln>
-        </p:spPr>
-        <p:style>
-          <a:lnRef idx="1">
-            <a:schemeClr val="accent1"/>
-          </a:lnRef>
-          <a:fillRef idx="0">
-            <a:schemeClr val="accent1"/>
-          </a:fillRef>
-          <a:effectRef idx="0">
-            <a:schemeClr val="accent1"/>
-          </a:effectRef>
-          <a:fontRef idx="minor">
-            <a:schemeClr val="tx1"/>
-          </a:fontRef>
-        </p:style>
-      </p:cxnSp>
-      <p:sp>
-        <p:nvSpPr>
-          <p:cNvPr id="77" name="テキスト ボックス 76">
-            <a:extLst>
-              <a:ext uri="{FF2B5EF4-FFF2-40B4-BE49-F238E27FC236}">
-                <a16:creationId xmlns:a16="http://schemas.microsoft.com/office/drawing/2014/main" id="{6120C16B-304E-4747-8EB7-07A4F402DE11}"/>
-              </a:ext>
-            </a:extLst>
-          </p:cNvPr>
-          <p:cNvSpPr txBox="1"/>
-          <p:nvPr/>
-        </p:nvSpPr>
-        <p:spPr>
-          <a:xfrm>
-            <a:off x="2631440" y="1940560"/>
-            <a:ext cx="301686" cy="369332"/>
-          </a:xfrm>
-          <a:prstGeom prst="rect">
-            <a:avLst/>
-          </a:prstGeom>
-          <a:noFill/>
-        </p:spPr>
-        <p:txBody>
-          <a:bodyPr wrap="none" rtlCol="0">
-            <a:spAutoFit/>
-          </a:bodyPr>
-          <a:lstStyle/>
-          <a:p>
-            <a:r>
-              <a:rPr kumimoji="1" lang="en-US" altLang="ja-JP"/>
-              <a:t>2</a:t>
-            </a:r>
-            <a:endParaRPr kumimoji="1" lang="ja-JP" altLang="en-US"/>
-          </a:p>
-        </p:txBody>
-      </p:sp>
-      <p:sp>
-        <p:nvSpPr>
-          <p:cNvPr id="78" name="テキスト ボックス 77">
-            <a:extLst>
-              <a:ext uri="{FF2B5EF4-FFF2-40B4-BE49-F238E27FC236}">
-                <a16:creationId xmlns:a16="http://schemas.microsoft.com/office/drawing/2014/main" id="{14A05397-2BC9-6944-9DE0-798AC41DDC0F}"/>
-              </a:ext>
-            </a:extLst>
-          </p:cNvPr>
-          <p:cNvSpPr txBox="1"/>
-          <p:nvPr/>
-        </p:nvSpPr>
-        <p:spPr>
-          <a:xfrm>
-            <a:off x="2600960" y="3048000"/>
-            <a:ext cx="301686" cy="369332"/>
-          </a:xfrm>
-          <a:prstGeom prst="rect">
-            <a:avLst/>
-          </a:prstGeom>
-          <a:noFill/>
-        </p:spPr>
-        <p:txBody>
-          <a:bodyPr wrap="none" rtlCol="0">
-            <a:spAutoFit/>
-          </a:bodyPr>
-          <a:lstStyle/>
-          <a:p>
-            <a:r>
-              <a:rPr kumimoji="1" lang="en-US" altLang="ja-JP"/>
-              <a:t>7</a:t>
-            </a:r>
-            <a:endParaRPr kumimoji="1" lang="ja-JP" altLang="en-US"/>
-          </a:p>
-        </p:txBody>
-      </p:sp>
-      <p:sp>
-        <p:nvSpPr>
-          <p:cNvPr id="79" name="テキスト ボックス 78">
-            <a:extLst>
-              <a:ext uri="{FF2B5EF4-FFF2-40B4-BE49-F238E27FC236}">
-                <a16:creationId xmlns:a16="http://schemas.microsoft.com/office/drawing/2014/main" id="{4EBB9032-34DD-8347-853A-A53D4A8E8C75}"/>
-              </a:ext>
-            </a:extLst>
-          </p:cNvPr>
-          <p:cNvSpPr txBox="1"/>
-          <p:nvPr/>
-        </p:nvSpPr>
-        <p:spPr>
-          <a:xfrm>
-            <a:off x="3708400" y="1209040"/>
-            <a:ext cx="301686" cy="369332"/>
-          </a:xfrm>
-          <a:prstGeom prst="rect">
-            <a:avLst/>
-          </a:prstGeom>
-          <a:noFill/>
-        </p:spPr>
-        <p:txBody>
-          <a:bodyPr wrap="none" rtlCol="0">
-            <a:spAutoFit/>
-          </a:bodyPr>
-          <a:lstStyle/>
-          <a:p>
-            <a:r>
-              <a:rPr kumimoji="1" lang="en-US" altLang="ja-JP"/>
-              <a:t>8</a:t>
-            </a:r>
-            <a:endParaRPr kumimoji="1" lang="ja-JP" altLang="en-US"/>
-          </a:p>
-        </p:txBody>
-      </p:sp>
-      <p:sp>
-        <p:nvSpPr>
-          <p:cNvPr id="80" name="テキスト ボックス 79">
-            <a:extLst>
-              <a:ext uri="{FF2B5EF4-FFF2-40B4-BE49-F238E27FC236}">
-                <a16:creationId xmlns:a16="http://schemas.microsoft.com/office/drawing/2014/main" id="{E3FAC8E8-A265-744B-96AD-761E6AC37960}"/>
-              </a:ext>
-            </a:extLst>
-          </p:cNvPr>
-          <p:cNvSpPr txBox="1"/>
-          <p:nvPr/>
-        </p:nvSpPr>
-        <p:spPr>
-          <a:xfrm>
-            <a:off x="3921760" y="1930400"/>
-            <a:ext cx="301686" cy="369332"/>
-          </a:xfrm>
-          <a:prstGeom prst="rect">
-            <a:avLst/>
-          </a:prstGeom>
-          <a:noFill/>
-        </p:spPr>
-        <p:txBody>
-          <a:bodyPr wrap="none" rtlCol="0">
-            <a:spAutoFit/>
-          </a:bodyPr>
-          <a:lstStyle/>
-          <a:p>
-            <a:r>
-              <a:rPr kumimoji="1" lang="en-US" altLang="ja-JP"/>
-              <a:t>1</a:t>
-            </a:r>
-            <a:endParaRPr kumimoji="1" lang="ja-JP" altLang="en-US"/>
-          </a:p>
-        </p:txBody>
-      </p:sp>
-      <p:sp>
-        <p:nvSpPr>
-          <p:cNvPr id="81" name="テキスト ボックス 80">
-            <a:extLst>
-              <a:ext uri="{FF2B5EF4-FFF2-40B4-BE49-F238E27FC236}">
-                <a16:creationId xmlns:a16="http://schemas.microsoft.com/office/drawing/2014/main" id="{7C279A76-7D63-E54E-8351-D7DEBC6DA368}"/>
-              </a:ext>
-            </a:extLst>
-          </p:cNvPr>
-          <p:cNvSpPr txBox="1"/>
-          <p:nvPr/>
-        </p:nvSpPr>
-        <p:spPr>
-          <a:xfrm>
-            <a:off x="3759200" y="2702560"/>
-            <a:ext cx="301686" cy="369332"/>
-          </a:xfrm>
-          <a:prstGeom prst="rect">
-            <a:avLst/>
-          </a:prstGeom>
-          <a:noFill/>
-        </p:spPr>
-        <p:txBody>
-          <a:bodyPr wrap="none" rtlCol="0">
-            <a:spAutoFit/>
-          </a:bodyPr>
-          <a:lstStyle/>
-          <a:p>
-            <a:r>
-              <a:rPr kumimoji="1" lang="en-US" altLang="ja-JP"/>
-              <a:t>2</a:t>
-            </a:r>
-            <a:endParaRPr kumimoji="1" lang="ja-JP" altLang="en-US"/>
-          </a:p>
-        </p:txBody>
-      </p:sp>
-      <p:sp>
-        <p:nvSpPr>
-          <p:cNvPr id="82" name="テキスト ボックス 81">
-            <a:extLst>
-              <a:ext uri="{FF2B5EF4-FFF2-40B4-BE49-F238E27FC236}">
-                <a16:creationId xmlns:a16="http://schemas.microsoft.com/office/drawing/2014/main" id="{744FB53E-6E00-DB48-BFA4-A1623306695E}"/>
-              </a:ext>
-            </a:extLst>
-          </p:cNvPr>
-          <p:cNvSpPr txBox="1"/>
-          <p:nvPr/>
-        </p:nvSpPr>
-        <p:spPr>
-          <a:xfrm>
-            <a:off x="3769360" y="3688080"/>
-            <a:ext cx="301686" cy="369332"/>
-          </a:xfrm>
-          <a:prstGeom prst="rect">
-            <a:avLst/>
-          </a:prstGeom>
-          <a:noFill/>
-        </p:spPr>
-        <p:txBody>
-          <a:bodyPr wrap="none" rtlCol="0">
-            <a:spAutoFit/>
-          </a:bodyPr>
-          <a:lstStyle/>
-          <a:p>
-            <a:r>
-              <a:rPr kumimoji="1" lang="en-US" altLang="ja-JP"/>
-              <a:t>3</a:t>
-            </a:r>
-            <a:endParaRPr kumimoji="1" lang="ja-JP" altLang="en-US"/>
-          </a:p>
-        </p:txBody>
-      </p:sp>
-      <p:sp>
-        <p:nvSpPr>
-          <p:cNvPr id="83" name="テキスト ボックス 82">
-            <a:extLst>
-              <a:ext uri="{FF2B5EF4-FFF2-40B4-BE49-F238E27FC236}">
-                <a16:creationId xmlns:a16="http://schemas.microsoft.com/office/drawing/2014/main" id="{E241C17A-70EF-9A4E-B150-F4FF58463A3C}"/>
-              </a:ext>
-            </a:extLst>
-          </p:cNvPr>
-          <p:cNvSpPr txBox="1"/>
-          <p:nvPr/>
-        </p:nvSpPr>
-        <p:spPr>
-          <a:xfrm>
-            <a:off x="5222240" y="1239520"/>
-            <a:ext cx="418704" cy="369332"/>
-          </a:xfrm>
-          <a:prstGeom prst="rect">
-            <a:avLst/>
-          </a:prstGeom>
-          <a:noFill/>
-        </p:spPr>
-        <p:txBody>
-          <a:bodyPr wrap="none" rtlCol="0">
-            <a:spAutoFit/>
-          </a:bodyPr>
-          <a:lstStyle/>
-          <a:p>
-            <a:r>
-              <a:rPr kumimoji="1" lang="en-US" altLang="ja-JP"/>
-              <a:t>15</a:t>
-            </a:r>
-            <a:endParaRPr kumimoji="1" lang="ja-JP" altLang="en-US"/>
-          </a:p>
-        </p:txBody>
-      </p:sp>
-      <p:sp>
-        <p:nvSpPr>
-          <p:cNvPr id="84" name="テキスト ボックス 83">
-            <a:extLst>
-              <a:ext uri="{FF2B5EF4-FFF2-40B4-BE49-F238E27FC236}">
-                <a16:creationId xmlns:a16="http://schemas.microsoft.com/office/drawing/2014/main" id="{4984DFF0-1CF3-4F40-8355-6EF933C153A3}"/>
-              </a:ext>
-            </a:extLst>
-          </p:cNvPr>
-          <p:cNvSpPr txBox="1"/>
-          <p:nvPr/>
-        </p:nvSpPr>
-        <p:spPr>
-          <a:xfrm>
-            <a:off x="5008880" y="2255520"/>
-            <a:ext cx="301686" cy="369332"/>
-          </a:xfrm>
-          <a:prstGeom prst="rect">
-            <a:avLst/>
-          </a:prstGeom>
-          <a:noFill/>
-        </p:spPr>
-        <p:txBody>
-          <a:bodyPr wrap="none" rtlCol="0">
-            <a:spAutoFit/>
-          </a:bodyPr>
-          <a:lstStyle/>
-          <a:p>
-            <a:r>
-              <a:rPr lang="en-US" altLang="ja-JP"/>
-              <a:t>9</a:t>
-            </a:r>
-            <a:endParaRPr kumimoji="1" lang="ja-JP" altLang="en-US"/>
-          </a:p>
-        </p:txBody>
-      </p:sp>
-      <p:sp>
-        <p:nvSpPr>
-          <p:cNvPr id="85" name="テキスト ボックス 84">
-            <a:extLst>
-              <a:ext uri="{FF2B5EF4-FFF2-40B4-BE49-F238E27FC236}">
-                <a16:creationId xmlns:a16="http://schemas.microsoft.com/office/drawing/2014/main" id="{52A88DCC-D11C-9F4C-8B6A-C7AC45DBF0E1}"/>
-              </a:ext>
-            </a:extLst>
-          </p:cNvPr>
-          <p:cNvSpPr txBox="1"/>
-          <p:nvPr/>
-        </p:nvSpPr>
-        <p:spPr>
-          <a:xfrm>
-            <a:off x="4775200" y="2915920"/>
-            <a:ext cx="418704" cy="369332"/>
-          </a:xfrm>
-          <a:prstGeom prst="rect">
-            <a:avLst/>
-          </a:prstGeom>
-          <a:noFill/>
-        </p:spPr>
-        <p:txBody>
-          <a:bodyPr wrap="none" rtlCol="0">
-            <a:spAutoFit/>
-          </a:bodyPr>
-          <a:lstStyle/>
-          <a:p>
-            <a:r>
-              <a:rPr lang="en-US" altLang="ja-JP"/>
-              <a:t>12</a:t>
-            </a:r>
-            <a:endParaRPr kumimoji="1" lang="ja-JP" altLang="en-US"/>
-          </a:p>
-        </p:txBody>
-      </p:sp>
-      <p:sp>
-        <p:nvSpPr>
-          <p:cNvPr id="86" name="テキスト ボックス 85">
-            <a:extLst>
-              <a:ext uri="{FF2B5EF4-FFF2-40B4-BE49-F238E27FC236}">
-                <a16:creationId xmlns:a16="http://schemas.microsoft.com/office/drawing/2014/main" id="{5FB2B90C-ABCD-694B-AFF2-20370E0A4539}"/>
-              </a:ext>
-            </a:extLst>
-          </p:cNvPr>
-          <p:cNvSpPr txBox="1"/>
-          <p:nvPr/>
-        </p:nvSpPr>
-        <p:spPr>
-          <a:xfrm>
-            <a:off x="6289040" y="1960880"/>
-            <a:ext cx="301686" cy="369332"/>
-          </a:xfrm>
-          <a:prstGeom prst="rect">
-            <a:avLst/>
-          </a:prstGeom>
-          <a:noFill/>
-        </p:spPr>
-        <p:txBody>
-          <a:bodyPr wrap="none" rtlCol="0">
-            <a:spAutoFit/>
-          </a:bodyPr>
-          <a:lstStyle/>
-          <a:p>
-            <a:r>
-              <a:rPr lang="en-US" altLang="ja-JP"/>
-              <a:t>4</a:t>
-            </a:r>
-            <a:endParaRPr kumimoji="1" lang="ja-JP" altLang="en-US"/>
-          </a:p>
-        </p:txBody>
-      </p:sp>
-      <p:sp>
-        <p:nvSpPr>
-          <p:cNvPr id="87" name="テキスト ボックス 86">
-            <a:extLst>
-              <a:ext uri="{FF2B5EF4-FFF2-40B4-BE49-F238E27FC236}">
-                <a16:creationId xmlns:a16="http://schemas.microsoft.com/office/drawing/2014/main" id="{74D674A7-CBBF-D943-8487-56E3E2E48457}"/>
-              </a:ext>
-            </a:extLst>
-          </p:cNvPr>
-          <p:cNvSpPr txBox="1"/>
-          <p:nvPr/>
-        </p:nvSpPr>
-        <p:spPr>
-          <a:xfrm>
-            <a:off x="5008880" y="3677920"/>
-            <a:ext cx="301686" cy="369332"/>
-          </a:xfrm>
-          <a:prstGeom prst="rect">
-            <a:avLst/>
-          </a:prstGeom>
-          <a:noFill/>
-        </p:spPr>
-        <p:txBody>
-          <a:bodyPr wrap="none" rtlCol="0">
-            <a:spAutoFit/>
-          </a:bodyPr>
-          <a:lstStyle/>
-          <a:p>
-            <a:r>
-              <a:rPr lang="en-US" altLang="ja-JP"/>
-              <a:t>3</a:t>
-            </a:r>
-            <a:endParaRPr kumimoji="1" lang="ja-JP" altLang="en-US"/>
-          </a:p>
-        </p:txBody>
-      </p:sp>
-      <p:sp>
-        <p:nvSpPr>
-          <p:cNvPr id="88" name="テキスト ボックス 87">
-            <a:extLst>
-              <a:ext uri="{FF2B5EF4-FFF2-40B4-BE49-F238E27FC236}">
-                <a16:creationId xmlns:a16="http://schemas.microsoft.com/office/drawing/2014/main" id="{03F16161-FDF9-0E49-B590-F5E60A37B1A2}"/>
-              </a:ext>
-            </a:extLst>
-          </p:cNvPr>
-          <p:cNvSpPr txBox="1"/>
-          <p:nvPr/>
-        </p:nvSpPr>
-        <p:spPr>
-          <a:xfrm>
-            <a:off x="6258560" y="3088640"/>
-            <a:ext cx="301686" cy="369332"/>
-          </a:xfrm>
-          <a:prstGeom prst="rect">
-            <a:avLst/>
-          </a:prstGeom>
-          <a:noFill/>
-        </p:spPr>
-        <p:txBody>
-          <a:bodyPr wrap="none" rtlCol="0">
-            <a:spAutoFit/>
-          </a:bodyPr>
-          <a:lstStyle/>
-          <a:p>
-            <a:r>
-              <a:rPr lang="en-US" altLang="ja-JP"/>
-              <a:t>2</a:t>
-            </a:r>
-            <a:endParaRPr kumimoji="1" lang="ja-JP" altLang="en-US"/>
-          </a:p>
-        </p:txBody>
-      </p:sp>
-      <p:sp>
-        <p:nvSpPr>
-          <p:cNvPr id="89" name="円/楕円 88">
-            <a:extLst>
-              <a:ext uri="{FF2B5EF4-FFF2-40B4-BE49-F238E27FC236}">
-                <a16:creationId xmlns:a16="http://schemas.microsoft.com/office/drawing/2014/main" id="{3DEFAD7B-A29D-924A-82C5-43E96B104C01}"/>
-              </a:ext>
-            </a:extLst>
-          </p:cNvPr>
-          <p:cNvSpPr/>
-          <p:nvPr/>
-        </p:nvSpPr>
-        <p:spPr>
-          <a:xfrm>
-            <a:off x="2895600" y="4426466"/>
-            <a:ext cx="375920" cy="335280"/>
-          </a:xfrm>
-          <a:prstGeom prst="ellipse">
-            <a:avLst/>
-          </a:prstGeom>
-          <a:solidFill>
-            <a:srgbClr val="FF0000"/>
-          </a:solidFill>
-          <a:ln>
-            <a:solidFill>
-              <a:schemeClr val="tx1"/>
-            </a:solidFill>
-          </a:ln>
-        </p:spPr>
-        <p:style>
-          <a:lnRef idx="2">
-            <a:schemeClr val="accent1">
-              <a:shade val="50000"/>
-            </a:schemeClr>
-          </a:lnRef>
-          <a:fillRef idx="1">
-            <a:schemeClr val="accent1"/>
-          </a:fillRef>
-          <a:effectRef idx="0">
-            <a:schemeClr val="accent1"/>
-          </a:effectRef>
-          <a:fontRef idx="minor">
-            <a:schemeClr val="lt1"/>
-          </a:fontRef>
-        </p:style>
-        <p:txBody>
-          <a:bodyPr rtlCol="0" anchor="ctr"/>
-          <a:lstStyle/>
-          <a:p>
-            <a:pPr algn="ctr"/>
-            <a:r>
-              <a:rPr kumimoji="1" lang="en-US" altLang="ja-JP">
-                <a:solidFill>
-                  <a:schemeClr val="tx1"/>
-                </a:solidFill>
-              </a:rPr>
-              <a:t>A</a:t>
-            </a:r>
-            <a:endParaRPr kumimoji="1" lang="ja-JP" altLang="en-US">
-              <a:solidFill>
-                <a:schemeClr val="tx1"/>
-              </a:solidFill>
-            </a:endParaRPr>
-          </a:p>
-        </p:txBody>
-      </p:sp>
-      <p:sp>
-        <p:nvSpPr>
-          <p:cNvPr id="90" name="円/楕円 89">
-            <a:extLst>
-              <a:ext uri="{FF2B5EF4-FFF2-40B4-BE49-F238E27FC236}">
-                <a16:creationId xmlns:a16="http://schemas.microsoft.com/office/drawing/2014/main" id="{3046352A-F558-FD43-B7C5-5D96ED854A84}"/>
-              </a:ext>
-            </a:extLst>
-          </p:cNvPr>
-          <p:cNvSpPr/>
-          <p:nvPr/>
-        </p:nvSpPr>
-        <p:spPr>
-          <a:xfrm>
-            <a:off x="3911600" y="4426466"/>
-            <a:ext cx="375920" cy="335280"/>
-          </a:xfrm>
-          <a:prstGeom prst="ellipse">
-            <a:avLst/>
-          </a:prstGeom>
-          <a:solidFill>
-            <a:schemeClr val="accent1"/>
-          </a:solidFill>
-          <a:ln>
-            <a:solidFill>
-              <a:schemeClr val="tx1"/>
-            </a:solidFill>
-          </a:ln>
-        </p:spPr>
-        <p:style>
-          <a:lnRef idx="2">
-            <a:schemeClr val="accent1">
-              <a:shade val="50000"/>
-            </a:schemeClr>
-          </a:lnRef>
-          <a:fillRef idx="1">
-            <a:schemeClr val="accent1"/>
-          </a:fillRef>
-          <a:effectRef idx="0">
-            <a:schemeClr val="accent1"/>
-          </a:effectRef>
-          <a:fontRef idx="minor">
-            <a:schemeClr val="lt1"/>
-          </a:fontRef>
-        </p:style>
-        <p:txBody>
-          <a:bodyPr rtlCol="0" anchor="ctr"/>
-          <a:lstStyle/>
-          <a:p>
-            <a:pPr algn="ctr"/>
-            <a:r>
-              <a:rPr kumimoji="1" lang="en-US" altLang="ja-JP">
-                <a:solidFill>
-                  <a:schemeClr val="tx1"/>
-                </a:solidFill>
-              </a:rPr>
-              <a:t>I</a:t>
-            </a:r>
-            <a:endParaRPr kumimoji="1" lang="ja-JP" altLang="en-US">
-              <a:solidFill>
-                <a:schemeClr val="tx1"/>
-              </a:solidFill>
-            </a:endParaRPr>
-          </a:p>
-        </p:txBody>
-      </p:sp>
-      <p:sp>
-        <p:nvSpPr>
-          <p:cNvPr id="91" name="テキスト ボックス 90">
-            <a:extLst>
-              <a:ext uri="{FF2B5EF4-FFF2-40B4-BE49-F238E27FC236}">
-                <a16:creationId xmlns:a16="http://schemas.microsoft.com/office/drawing/2014/main" id="{0FBCDE8E-9E67-C340-A74D-297E7B41FA8F}"/>
-              </a:ext>
-            </a:extLst>
-          </p:cNvPr>
-          <p:cNvSpPr txBox="1"/>
-          <p:nvPr/>
-        </p:nvSpPr>
-        <p:spPr>
-          <a:xfrm>
-            <a:off x="3291840" y="4409440"/>
-            <a:ext cx="646331" cy="369332"/>
-          </a:xfrm>
-          <a:prstGeom prst="rect">
-            <a:avLst/>
-          </a:prstGeom>
-          <a:noFill/>
-        </p:spPr>
-        <p:txBody>
-          <a:bodyPr wrap="none" rtlCol="0">
-            <a:spAutoFit/>
-          </a:bodyPr>
-          <a:lstStyle/>
-          <a:p>
-            <a:r>
-              <a:rPr kumimoji="1" lang="ja-JP" altLang="en-US"/>
-              <a:t>から</a:t>
-            </a:r>
-          </a:p>
-        </p:txBody>
-      </p:sp>
-      <p:sp>
-        <p:nvSpPr>
-          <p:cNvPr id="92" name="テキスト ボックス 91">
-            <a:extLst>
-              <a:ext uri="{FF2B5EF4-FFF2-40B4-BE49-F238E27FC236}">
-                <a16:creationId xmlns:a16="http://schemas.microsoft.com/office/drawing/2014/main" id="{5ADC4E2D-A0DE-5E4A-B099-4F642F8F4EDE}"/>
-              </a:ext>
-            </a:extLst>
-          </p:cNvPr>
-          <p:cNvSpPr txBox="1"/>
-          <p:nvPr/>
-        </p:nvSpPr>
-        <p:spPr>
-          <a:xfrm>
-            <a:off x="4348480" y="4409440"/>
-            <a:ext cx="1569660" cy="369332"/>
-          </a:xfrm>
-          <a:prstGeom prst="rect">
-            <a:avLst/>
-          </a:prstGeom>
-          <a:noFill/>
-        </p:spPr>
-        <p:txBody>
-          <a:bodyPr wrap="none" rtlCol="0">
-            <a:spAutoFit/>
-          </a:bodyPr>
-          <a:lstStyle/>
-          <a:p>
-            <a:r>
-              <a:rPr kumimoji="1" lang="ja-JP" altLang="en-US"/>
-              <a:t>まで行きたい</a:t>
-            </a:r>
-            <a:endParaRPr kumimoji="1" lang="en-US" altLang="ja-JP"/>
-          </a:p>
-        </p:txBody>
-      </p:sp>
-      <p:sp>
-        <p:nvSpPr>
-          <p:cNvPr id="93" name="正方形/長方形 92">
-            <a:extLst>
-              <a:ext uri="{FF2B5EF4-FFF2-40B4-BE49-F238E27FC236}">
-                <a16:creationId xmlns:a16="http://schemas.microsoft.com/office/drawing/2014/main" id="{52E2D32F-DD46-EF49-ADE8-D0F51E637D71}"/>
-              </a:ext>
-            </a:extLst>
-          </p:cNvPr>
-          <p:cNvSpPr/>
-          <p:nvPr/>
-        </p:nvSpPr>
-        <p:spPr>
-          <a:xfrm>
-            <a:off x="2256279" y="4869934"/>
-            <a:ext cx="4570482" cy="369332"/>
-          </a:xfrm>
-          <a:prstGeom prst="rect">
-            <a:avLst/>
-          </a:prstGeom>
-        </p:spPr>
-        <p:txBody>
-          <a:bodyPr wrap="none">
-            <a:spAutoFit/>
-          </a:bodyPr>
-          <a:lstStyle/>
-          <a:p>
-            <a:r>
               <a:rPr lang="ja-JP" altLang="en-US"/>
-              <a:t>その際、辺のコストの合計を最小にしたい</a:t>
-            </a:r>
+              <a:t>・スーパーで買い物をする</a:t>
+            </a:r>
+            <a:endParaRPr lang="en-US" altLang="ja-JP"/>
+          </a:p>
+          <a:p>
+            <a:r>
+              <a:rPr lang="ja-JP" altLang="en-US"/>
+              <a:t>・図書館に本を返却する</a:t>
+            </a:r>
+            <a:endParaRPr lang="en-US" altLang="ja-JP"/>
+          </a:p>
+          <a:p>
+            <a:r>
+              <a:rPr lang="ja-JP" altLang="en-US"/>
+              <a:t>・郵便局で手紙を出す</a:t>
+            </a:r>
+            <a:endParaRPr lang="en-US" altLang="ja-JP"/>
           </a:p>
         </p:txBody>
       </p:sp>
     </p:spTree>
     <p:extLst>
       <p:ext uri="{BB962C8B-B14F-4D97-AF65-F5344CB8AC3E}">
-        <p14:creationId xmlns:p14="http://schemas.microsoft.com/office/powerpoint/2010/main" val="2272938287"/>
+        <p14:creationId xmlns:p14="http://schemas.microsoft.com/office/powerpoint/2010/main" val="881856801"/>
       </p:ext>
     </p:extLst>
   </p:cSld>
@@ -2622,6 +973,1858 @@
       </p:grpSpPr>
       <p:sp>
         <p:nvSpPr>
+          <p:cNvPr id="6" name="テキスト ボックス 5">
+            <a:extLst>
+              <a:ext uri="{FF2B5EF4-FFF2-40B4-BE49-F238E27FC236}">
+                <a16:creationId xmlns:a16="http://schemas.microsoft.com/office/drawing/2014/main" id="{F3BD10D2-8413-3441-ADCA-8A7537E92220}"/>
+              </a:ext>
+            </a:extLst>
+          </p:cNvPr>
+          <p:cNvSpPr txBox="1"/>
+          <p:nvPr/>
+        </p:nvSpPr>
+        <p:spPr>
+          <a:xfrm>
+            <a:off x="3474720" y="314960"/>
+            <a:ext cx="2082621" cy="400110"/>
+          </a:xfrm>
+          <a:prstGeom prst="rect">
+            <a:avLst/>
+          </a:prstGeom>
+          <a:noFill/>
+        </p:spPr>
+        <p:txBody>
+          <a:bodyPr wrap="none" rtlCol="0">
+            <a:spAutoFit/>
+          </a:bodyPr>
+          <a:lstStyle/>
+          <a:p>
+            <a:r>
+              <a:rPr kumimoji="1" lang="ja-JP" altLang="en-US"/>
+              <a:t>最短経路探索</a:t>
+            </a:r>
+            <a:r>
+              <a:rPr kumimoji="1" lang="ja-JP" altLang="en-US" sz="2000"/>
+              <a:t>問題</a:t>
+            </a:r>
+            <a:endParaRPr kumimoji="1" lang="ja-JP" altLang="en-US"/>
+          </a:p>
+        </p:txBody>
+      </p:sp>
+      <p:sp>
+        <p:nvSpPr>
+          <p:cNvPr id="7" name="円/楕円 6">
+            <a:extLst>
+              <a:ext uri="{FF2B5EF4-FFF2-40B4-BE49-F238E27FC236}">
+                <a16:creationId xmlns:a16="http://schemas.microsoft.com/office/drawing/2014/main" id="{0E415F5E-F632-0944-83AD-E6D233AAFA7F}"/>
+              </a:ext>
+            </a:extLst>
+          </p:cNvPr>
+          <p:cNvSpPr/>
+          <p:nvPr/>
+        </p:nvSpPr>
+        <p:spPr>
+          <a:xfrm>
+            <a:off x="2082800" y="2509520"/>
+            <a:ext cx="375920" cy="335280"/>
+          </a:xfrm>
+          <a:prstGeom prst="ellipse">
+            <a:avLst/>
+          </a:prstGeom>
+          <a:solidFill>
+            <a:srgbClr val="FF0000"/>
+          </a:solidFill>
+          <a:ln>
+            <a:solidFill>
+              <a:schemeClr val="tx1"/>
+            </a:solidFill>
+          </a:ln>
+        </p:spPr>
+        <p:style>
+          <a:lnRef idx="2">
+            <a:schemeClr val="accent1">
+              <a:shade val="50000"/>
+            </a:schemeClr>
+          </a:lnRef>
+          <a:fillRef idx="1">
+            <a:schemeClr val="accent1"/>
+          </a:fillRef>
+          <a:effectRef idx="0">
+            <a:schemeClr val="accent1"/>
+          </a:effectRef>
+          <a:fontRef idx="minor">
+            <a:schemeClr val="lt1"/>
+          </a:fontRef>
+        </p:style>
+        <p:txBody>
+          <a:bodyPr rtlCol="0" anchor="ctr"/>
+          <a:lstStyle/>
+          <a:p>
+            <a:pPr algn="ctr"/>
+            <a:r>
+              <a:rPr kumimoji="1" lang="en-US" altLang="ja-JP">
+                <a:solidFill>
+                  <a:schemeClr val="tx1"/>
+                </a:solidFill>
+              </a:rPr>
+              <a:t>A</a:t>
+            </a:r>
+            <a:endParaRPr kumimoji="1" lang="ja-JP" altLang="en-US">
+              <a:solidFill>
+                <a:schemeClr val="tx1"/>
+              </a:solidFill>
+            </a:endParaRPr>
+          </a:p>
+        </p:txBody>
+      </p:sp>
+      <p:sp>
+        <p:nvSpPr>
+          <p:cNvPr id="39" name="円/楕円 38">
+            <a:extLst>
+              <a:ext uri="{FF2B5EF4-FFF2-40B4-BE49-F238E27FC236}">
+                <a16:creationId xmlns:a16="http://schemas.microsoft.com/office/drawing/2014/main" id="{BB3F5A8A-039A-E84A-AE65-E832B9702E40}"/>
+              </a:ext>
+            </a:extLst>
+          </p:cNvPr>
+          <p:cNvSpPr/>
+          <p:nvPr/>
+        </p:nvSpPr>
+        <p:spPr>
+          <a:xfrm>
+            <a:off x="3190240" y="1767840"/>
+            <a:ext cx="375920" cy="335280"/>
+          </a:xfrm>
+          <a:prstGeom prst="ellipse">
+            <a:avLst/>
+          </a:prstGeom>
+          <a:noFill/>
+          <a:ln>
+            <a:solidFill>
+              <a:schemeClr val="tx1"/>
+            </a:solidFill>
+          </a:ln>
+        </p:spPr>
+        <p:style>
+          <a:lnRef idx="2">
+            <a:schemeClr val="accent1">
+              <a:shade val="50000"/>
+            </a:schemeClr>
+          </a:lnRef>
+          <a:fillRef idx="1">
+            <a:schemeClr val="accent1"/>
+          </a:fillRef>
+          <a:effectRef idx="0">
+            <a:schemeClr val="accent1"/>
+          </a:effectRef>
+          <a:fontRef idx="minor">
+            <a:schemeClr val="lt1"/>
+          </a:fontRef>
+        </p:style>
+        <p:txBody>
+          <a:bodyPr rtlCol="0" anchor="ctr"/>
+          <a:lstStyle/>
+          <a:p>
+            <a:pPr algn="ctr"/>
+            <a:r>
+              <a:rPr kumimoji="1" lang="en-US" altLang="ja-JP">
+                <a:solidFill>
+                  <a:schemeClr val="tx1"/>
+                </a:solidFill>
+              </a:rPr>
+              <a:t>B</a:t>
+            </a:r>
+            <a:endParaRPr kumimoji="1" lang="ja-JP" altLang="en-US">
+              <a:solidFill>
+                <a:schemeClr val="tx1"/>
+              </a:solidFill>
+            </a:endParaRPr>
+          </a:p>
+        </p:txBody>
+      </p:sp>
+      <p:sp>
+        <p:nvSpPr>
+          <p:cNvPr id="46" name="円/楕円 45">
+            <a:extLst>
+              <a:ext uri="{FF2B5EF4-FFF2-40B4-BE49-F238E27FC236}">
+                <a16:creationId xmlns:a16="http://schemas.microsoft.com/office/drawing/2014/main" id="{5A18CD47-9BB9-B94E-9D4F-A113665A6FE7}"/>
+              </a:ext>
+            </a:extLst>
+          </p:cNvPr>
+          <p:cNvSpPr/>
+          <p:nvPr/>
+        </p:nvSpPr>
+        <p:spPr>
+          <a:xfrm>
+            <a:off x="3190240" y="3200400"/>
+            <a:ext cx="375920" cy="335280"/>
+          </a:xfrm>
+          <a:prstGeom prst="ellipse">
+            <a:avLst/>
+          </a:prstGeom>
+          <a:noFill/>
+          <a:ln>
+            <a:solidFill>
+              <a:schemeClr val="tx1"/>
+            </a:solidFill>
+          </a:ln>
+        </p:spPr>
+        <p:style>
+          <a:lnRef idx="2">
+            <a:schemeClr val="accent1">
+              <a:shade val="50000"/>
+            </a:schemeClr>
+          </a:lnRef>
+          <a:fillRef idx="1">
+            <a:schemeClr val="accent1"/>
+          </a:fillRef>
+          <a:effectRef idx="0">
+            <a:schemeClr val="accent1"/>
+          </a:effectRef>
+          <a:fontRef idx="minor">
+            <a:schemeClr val="lt1"/>
+          </a:fontRef>
+        </p:style>
+        <p:txBody>
+          <a:bodyPr rtlCol="0" anchor="ctr"/>
+          <a:lstStyle/>
+          <a:p>
+            <a:pPr algn="ctr"/>
+            <a:r>
+              <a:rPr kumimoji="1" lang="en-US" altLang="ja-JP">
+                <a:solidFill>
+                  <a:schemeClr val="tx1"/>
+                </a:solidFill>
+              </a:rPr>
+              <a:t>C</a:t>
+            </a:r>
+            <a:endParaRPr kumimoji="1" lang="ja-JP" altLang="en-US">
+              <a:solidFill>
+                <a:schemeClr val="tx1"/>
+              </a:solidFill>
+            </a:endParaRPr>
+          </a:p>
+        </p:txBody>
+      </p:sp>
+      <p:sp>
+        <p:nvSpPr>
+          <p:cNvPr id="47" name="円/楕円 46">
+            <a:extLst>
+              <a:ext uri="{FF2B5EF4-FFF2-40B4-BE49-F238E27FC236}">
+                <a16:creationId xmlns:a16="http://schemas.microsoft.com/office/drawing/2014/main" id="{5A05C399-86D2-E344-9F9A-58ED297D3B16}"/>
+              </a:ext>
+            </a:extLst>
+          </p:cNvPr>
+          <p:cNvSpPr/>
+          <p:nvPr/>
+        </p:nvSpPr>
+        <p:spPr>
+          <a:xfrm>
+            <a:off x="4348480" y="1005840"/>
+            <a:ext cx="375920" cy="335280"/>
+          </a:xfrm>
+          <a:prstGeom prst="ellipse">
+            <a:avLst/>
+          </a:prstGeom>
+          <a:noFill/>
+          <a:ln>
+            <a:solidFill>
+              <a:schemeClr val="tx1"/>
+            </a:solidFill>
+          </a:ln>
+        </p:spPr>
+        <p:style>
+          <a:lnRef idx="2">
+            <a:schemeClr val="accent1">
+              <a:shade val="50000"/>
+            </a:schemeClr>
+          </a:lnRef>
+          <a:fillRef idx="1">
+            <a:schemeClr val="accent1"/>
+          </a:fillRef>
+          <a:effectRef idx="0">
+            <a:schemeClr val="accent1"/>
+          </a:effectRef>
+          <a:fontRef idx="minor">
+            <a:schemeClr val="lt1"/>
+          </a:fontRef>
+        </p:style>
+        <p:txBody>
+          <a:bodyPr rtlCol="0" anchor="ctr"/>
+          <a:lstStyle/>
+          <a:p>
+            <a:pPr algn="ctr"/>
+            <a:r>
+              <a:rPr kumimoji="1" lang="en-US" altLang="ja-JP">
+                <a:solidFill>
+                  <a:schemeClr val="tx1"/>
+                </a:solidFill>
+              </a:rPr>
+              <a:t>D</a:t>
+            </a:r>
+            <a:endParaRPr kumimoji="1" lang="ja-JP" altLang="en-US">
+              <a:solidFill>
+                <a:schemeClr val="tx1"/>
+              </a:solidFill>
+            </a:endParaRPr>
+          </a:p>
+        </p:txBody>
+      </p:sp>
+      <p:sp>
+        <p:nvSpPr>
+          <p:cNvPr id="48" name="円/楕円 47">
+            <a:extLst>
+              <a:ext uri="{FF2B5EF4-FFF2-40B4-BE49-F238E27FC236}">
+                <a16:creationId xmlns:a16="http://schemas.microsoft.com/office/drawing/2014/main" id="{E6392A16-07C2-1543-ACB5-BEA7A1E9F41D}"/>
+              </a:ext>
+            </a:extLst>
+          </p:cNvPr>
+          <p:cNvSpPr/>
+          <p:nvPr/>
+        </p:nvSpPr>
+        <p:spPr>
+          <a:xfrm>
+            <a:off x="4348480" y="2438400"/>
+            <a:ext cx="375920" cy="335280"/>
+          </a:xfrm>
+          <a:prstGeom prst="ellipse">
+            <a:avLst/>
+          </a:prstGeom>
+          <a:noFill/>
+          <a:ln>
+            <a:solidFill>
+              <a:schemeClr val="tx1"/>
+            </a:solidFill>
+          </a:ln>
+        </p:spPr>
+        <p:style>
+          <a:lnRef idx="2">
+            <a:schemeClr val="accent1">
+              <a:shade val="50000"/>
+            </a:schemeClr>
+          </a:lnRef>
+          <a:fillRef idx="1">
+            <a:schemeClr val="accent1"/>
+          </a:fillRef>
+          <a:effectRef idx="0">
+            <a:schemeClr val="accent1"/>
+          </a:effectRef>
+          <a:fontRef idx="minor">
+            <a:schemeClr val="lt1"/>
+          </a:fontRef>
+        </p:style>
+        <p:txBody>
+          <a:bodyPr rtlCol="0" anchor="ctr"/>
+          <a:lstStyle/>
+          <a:p>
+            <a:pPr algn="ctr"/>
+            <a:r>
+              <a:rPr kumimoji="1" lang="en-US" altLang="ja-JP">
+                <a:solidFill>
+                  <a:schemeClr val="tx1"/>
+                </a:solidFill>
+              </a:rPr>
+              <a:t>E</a:t>
+            </a:r>
+            <a:endParaRPr kumimoji="1" lang="ja-JP" altLang="en-US">
+              <a:solidFill>
+                <a:schemeClr val="tx1"/>
+              </a:solidFill>
+            </a:endParaRPr>
+          </a:p>
+        </p:txBody>
+      </p:sp>
+      <p:sp>
+        <p:nvSpPr>
+          <p:cNvPr id="49" name="円/楕円 48">
+            <a:extLst>
+              <a:ext uri="{FF2B5EF4-FFF2-40B4-BE49-F238E27FC236}">
+                <a16:creationId xmlns:a16="http://schemas.microsoft.com/office/drawing/2014/main" id="{BE5C878F-6EA5-294F-A021-FCAA83CE5837}"/>
+              </a:ext>
+            </a:extLst>
+          </p:cNvPr>
+          <p:cNvSpPr/>
+          <p:nvPr/>
+        </p:nvSpPr>
+        <p:spPr>
+          <a:xfrm>
+            <a:off x="4348480" y="3789680"/>
+            <a:ext cx="375920" cy="335280"/>
+          </a:xfrm>
+          <a:prstGeom prst="ellipse">
+            <a:avLst/>
+          </a:prstGeom>
+          <a:noFill/>
+          <a:ln>
+            <a:solidFill>
+              <a:schemeClr val="tx1"/>
+            </a:solidFill>
+          </a:ln>
+        </p:spPr>
+        <p:style>
+          <a:lnRef idx="2">
+            <a:schemeClr val="accent1">
+              <a:shade val="50000"/>
+            </a:schemeClr>
+          </a:lnRef>
+          <a:fillRef idx="1">
+            <a:schemeClr val="accent1"/>
+          </a:fillRef>
+          <a:effectRef idx="0">
+            <a:schemeClr val="accent1"/>
+          </a:effectRef>
+          <a:fontRef idx="minor">
+            <a:schemeClr val="lt1"/>
+          </a:fontRef>
+        </p:style>
+        <p:txBody>
+          <a:bodyPr rtlCol="0" anchor="ctr"/>
+          <a:lstStyle/>
+          <a:p>
+            <a:pPr algn="ctr"/>
+            <a:r>
+              <a:rPr lang="en-US" altLang="ja-JP">
+                <a:solidFill>
+                  <a:schemeClr val="tx1"/>
+                </a:solidFill>
+              </a:rPr>
+              <a:t>F</a:t>
+            </a:r>
+            <a:endParaRPr kumimoji="1" lang="ja-JP" altLang="en-US">
+              <a:solidFill>
+                <a:schemeClr val="tx1"/>
+              </a:solidFill>
+            </a:endParaRPr>
+          </a:p>
+        </p:txBody>
+      </p:sp>
+      <p:sp>
+        <p:nvSpPr>
+          <p:cNvPr id="50" name="円/楕円 49">
+            <a:extLst>
+              <a:ext uri="{FF2B5EF4-FFF2-40B4-BE49-F238E27FC236}">
+                <a16:creationId xmlns:a16="http://schemas.microsoft.com/office/drawing/2014/main" id="{C145A07F-63F1-4A4F-BBD8-CB7E0A64913B}"/>
+              </a:ext>
+            </a:extLst>
+          </p:cNvPr>
+          <p:cNvSpPr/>
+          <p:nvPr/>
+        </p:nvSpPr>
+        <p:spPr>
+          <a:xfrm>
+            <a:off x="5445760" y="1747520"/>
+            <a:ext cx="375920" cy="335280"/>
+          </a:xfrm>
+          <a:prstGeom prst="ellipse">
+            <a:avLst/>
+          </a:prstGeom>
+          <a:noFill/>
+          <a:ln>
+            <a:solidFill>
+              <a:schemeClr val="tx1"/>
+            </a:solidFill>
+          </a:ln>
+        </p:spPr>
+        <p:style>
+          <a:lnRef idx="2">
+            <a:schemeClr val="accent1">
+              <a:shade val="50000"/>
+            </a:schemeClr>
+          </a:lnRef>
+          <a:fillRef idx="1">
+            <a:schemeClr val="accent1"/>
+          </a:fillRef>
+          <a:effectRef idx="0">
+            <a:schemeClr val="accent1"/>
+          </a:effectRef>
+          <a:fontRef idx="minor">
+            <a:schemeClr val="lt1"/>
+          </a:fontRef>
+        </p:style>
+        <p:txBody>
+          <a:bodyPr rtlCol="0" anchor="ctr"/>
+          <a:lstStyle/>
+          <a:p>
+            <a:pPr algn="ctr"/>
+            <a:r>
+              <a:rPr kumimoji="1" lang="en-US" altLang="ja-JP">
+                <a:solidFill>
+                  <a:schemeClr val="tx1"/>
+                </a:solidFill>
+              </a:rPr>
+              <a:t>G</a:t>
+            </a:r>
+            <a:endParaRPr kumimoji="1" lang="ja-JP" altLang="en-US">
+              <a:solidFill>
+                <a:schemeClr val="tx1"/>
+              </a:solidFill>
+            </a:endParaRPr>
+          </a:p>
+        </p:txBody>
+      </p:sp>
+      <p:sp>
+        <p:nvSpPr>
+          <p:cNvPr id="51" name="円/楕円 50">
+            <a:extLst>
+              <a:ext uri="{FF2B5EF4-FFF2-40B4-BE49-F238E27FC236}">
+                <a16:creationId xmlns:a16="http://schemas.microsoft.com/office/drawing/2014/main" id="{55B08A19-11EA-394A-8011-5677DCB4670E}"/>
+              </a:ext>
+            </a:extLst>
+          </p:cNvPr>
+          <p:cNvSpPr/>
+          <p:nvPr/>
+        </p:nvSpPr>
+        <p:spPr>
+          <a:xfrm>
+            <a:off x="5445760" y="3180080"/>
+            <a:ext cx="375920" cy="335280"/>
+          </a:xfrm>
+          <a:prstGeom prst="ellipse">
+            <a:avLst/>
+          </a:prstGeom>
+          <a:noFill/>
+          <a:ln>
+            <a:solidFill>
+              <a:schemeClr val="tx1"/>
+            </a:solidFill>
+          </a:ln>
+        </p:spPr>
+        <p:style>
+          <a:lnRef idx="2">
+            <a:schemeClr val="accent1">
+              <a:shade val="50000"/>
+            </a:schemeClr>
+          </a:lnRef>
+          <a:fillRef idx="1">
+            <a:schemeClr val="accent1"/>
+          </a:fillRef>
+          <a:effectRef idx="0">
+            <a:schemeClr val="accent1"/>
+          </a:effectRef>
+          <a:fontRef idx="minor">
+            <a:schemeClr val="lt1"/>
+          </a:fontRef>
+        </p:style>
+        <p:txBody>
+          <a:bodyPr rtlCol="0" anchor="ctr"/>
+          <a:lstStyle/>
+          <a:p>
+            <a:pPr algn="ctr"/>
+            <a:r>
+              <a:rPr kumimoji="1" lang="en-US" altLang="ja-JP">
+                <a:solidFill>
+                  <a:schemeClr val="tx1"/>
+                </a:solidFill>
+              </a:rPr>
+              <a:t>H</a:t>
+            </a:r>
+            <a:endParaRPr kumimoji="1" lang="ja-JP" altLang="en-US">
+              <a:solidFill>
+                <a:schemeClr val="tx1"/>
+              </a:solidFill>
+            </a:endParaRPr>
+          </a:p>
+        </p:txBody>
+      </p:sp>
+      <p:sp>
+        <p:nvSpPr>
+          <p:cNvPr id="52" name="円/楕円 51">
+            <a:extLst>
+              <a:ext uri="{FF2B5EF4-FFF2-40B4-BE49-F238E27FC236}">
+                <a16:creationId xmlns:a16="http://schemas.microsoft.com/office/drawing/2014/main" id="{27560531-80BF-8743-A0C1-498A3F0BA814}"/>
+              </a:ext>
+            </a:extLst>
+          </p:cNvPr>
+          <p:cNvSpPr/>
+          <p:nvPr/>
+        </p:nvSpPr>
+        <p:spPr>
+          <a:xfrm>
+            <a:off x="6685280" y="2489200"/>
+            <a:ext cx="375920" cy="335280"/>
+          </a:xfrm>
+          <a:prstGeom prst="ellipse">
+            <a:avLst/>
+          </a:prstGeom>
+          <a:solidFill>
+            <a:schemeClr val="accent1"/>
+          </a:solidFill>
+          <a:ln>
+            <a:solidFill>
+              <a:schemeClr val="tx1"/>
+            </a:solidFill>
+          </a:ln>
+        </p:spPr>
+        <p:style>
+          <a:lnRef idx="2">
+            <a:schemeClr val="accent1">
+              <a:shade val="50000"/>
+            </a:schemeClr>
+          </a:lnRef>
+          <a:fillRef idx="1">
+            <a:schemeClr val="accent1"/>
+          </a:fillRef>
+          <a:effectRef idx="0">
+            <a:schemeClr val="accent1"/>
+          </a:effectRef>
+          <a:fontRef idx="minor">
+            <a:schemeClr val="lt1"/>
+          </a:fontRef>
+        </p:style>
+        <p:txBody>
+          <a:bodyPr rtlCol="0" anchor="ctr"/>
+          <a:lstStyle/>
+          <a:p>
+            <a:pPr algn="ctr"/>
+            <a:r>
+              <a:rPr kumimoji="1" lang="en-US" altLang="ja-JP">
+                <a:solidFill>
+                  <a:schemeClr val="tx1"/>
+                </a:solidFill>
+              </a:rPr>
+              <a:t>I</a:t>
+            </a:r>
+            <a:endParaRPr kumimoji="1" lang="ja-JP" altLang="en-US">
+              <a:solidFill>
+                <a:schemeClr val="tx1"/>
+              </a:solidFill>
+            </a:endParaRPr>
+          </a:p>
+        </p:txBody>
+      </p:sp>
+      <p:cxnSp>
+        <p:nvCxnSpPr>
+          <p:cNvPr id="9" name="直線コネクタ 8">
+            <a:extLst>
+              <a:ext uri="{FF2B5EF4-FFF2-40B4-BE49-F238E27FC236}">
+                <a16:creationId xmlns:a16="http://schemas.microsoft.com/office/drawing/2014/main" id="{33ABDCB3-8709-A144-875A-BE4A4E41AC20}"/>
+              </a:ext>
+            </a:extLst>
+          </p:cNvPr>
+          <p:cNvCxnSpPr>
+            <a:cxnSpLocks/>
+            <a:stCxn id="7" idx="7"/>
+            <a:endCxn id="39" idx="2"/>
+          </p:cNvCxnSpPr>
+          <p:nvPr/>
+        </p:nvCxnSpPr>
+        <p:spPr>
+          <a:xfrm flipV="1">
+            <a:off x="2403668" y="1935480"/>
+            <a:ext cx="786572" cy="623141"/>
+          </a:xfrm>
+          <a:prstGeom prst="line">
+            <a:avLst/>
+          </a:prstGeom>
+          <a:ln w="12700">
+            <a:solidFill>
+              <a:schemeClr val="tx1"/>
+            </a:solidFill>
+          </a:ln>
+        </p:spPr>
+        <p:style>
+          <a:lnRef idx="1">
+            <a:schemeClr val="accent1"/>
+          </a:lnRef>
+          <a:fillRef idx="0">
+            <a:schemeClr val="accent1"/>
+          </a:fillRef>
+          <a:effectRef idx="0">
+            <a:schemeClr val="accent1"/>
+          </a:effectRef>
+          <a:fontRef idx="minor">
+            <a:schemeClr val="tx1"/>
+          </a:fontRef>
+        </p:style>
+      </p:cxnSp>
+      <p:cxnSp>
+        <p:nvCxnSpPr>
+          <p:cNvPr id="11" name="直線コネクタ 10">
+            <a:extLst>
+              <a:ext uri="{FF2B5EF4-FFF2-40B4-BE49-F238E27FC236}">
+                <a16:creationId xmlns:a16="http://schemas.microsoft.com/office/drawing/2014/main" id="{5DAADE34-D95B-B747-B753-A3F7D36530F3}"/>
+              </a:ext>
+            </a:extLst>
+          </p:cNvPr>
+          <p:cNvCxnSpPr>
+            <a:cxnSpLocks/>
+            <a:stCxn id="39" idx="7"/>
+            <a:endCxn id="47" idx="2"/>
+          </p:cNvCxnSpPr>
+          <p:nvPr/>
+        </p:nvCxnSpPr>
+        <p:spPr>
+          <a:xfrm flipV="1">
+            <a:off x="3511108" y="1173480"/>
+            <a:ext cx="837372" cy="643461"/>
+          </a:xfrm>
+          <a:prstGeom prst="line">
+            <a:avLst/>
+          </a:prstGeom>
+          <a:ln w="12700">
+            <a:solidFill>
+              <a:schemeClr val="tx1"/>
+            </a:solidFill>
+          </a:ln>
+        </p:spPr>
+        <p:style>
+          <a:lnRef idx="1">
+            <a:schemeClr val="accent1"/>
+          </a:lnRef>
+          <a:fillRef idx="0">
+            <a:schemeClr val="accent1"/>
+          </a:fillRef>
+          <a:effectRef idx="0">
+            <a:schemeClr val="accent1"/>
+          </a:effectRef>
+          <a:fontRef idx="minor">
+            <a:schemeClr val="tx1"/>
+          </a:fontRef>
+        </p:style>
+      </p:cxnSp>
+      <p:cxnSp>
+        <p:nvCxnSpPr>
+          <p:cNvPr id="30" name="直線コネクタ 29">
+            <a:extLst>
+              <a:ext uri="{FF2B5EF4-FFF2-40B4-BE49-F238E27FC236}">
+                <a16:creationId xmlns:a16="http://schemas.microsoft.com/office/drawing/2014/main" id="{496B43E6-C0A4-BD43-BEAB-46CB0341AC04}"/>
+              </a:ext>
+            </a:extLst>
+          </p:cNvPr>
+          <p:cNvCxnSpPr>
+            <a:cxnSpLocks/>
+            <a:stCxn id="47" idx="6"/>
+            <a:endCxn id="50" idx="1"/>
+          </p:cNvCxnSpPr>
+          <p:nvPr/>
+        </p:nvCxnSpPr>
+        <p:spPr>
+          <a:xfrm>
+            <a:off x="4724400" y="1173480"/>
+            <a:ext cx="776412" cy="623141"/>
+          </a:xfrm>
+          <a:prstGeom prst="line">
+            <a:avLst/>
+          </a:prstGeom>
+          <a:ln w="12700">
+            <a:solidFill>
+              <a:schemeClr val="tx1"/>
+            </a:solidFill>
+          </a:ln>
+        </p:spPr>
+        <p:style>
+          <a:lnRef idx="1">
+            <a:schemeClr val="accent1"/>
+          </a:lnRef>
+          <a:fillRef idx="0">
+            <a:schemeClr val="accent1"/>
+          </a:fillRef>
+          <a:effectRef idx="0">
+            <a:schemeClr val="accent1"/>
+          </a:effectRef>
+          <a:fontRef idx="minor">
+            <a:schemeClr val="tx1"/>
+          </a:fontRef>
+        </p:style>
+      </p:cxnSp>
+      <p:cxnSp>
+        <p:nvCxnSpPr>
+          <p:cNvPr id="55" name="直線コネクタ 54">
+            <a:extLst>
+              <a:ext uri="{FF2B5EF4-FFF2-40B4-BE49-F238E27FC236}">
+                <a16:creationId xmlns:a16="http://schemas.microsoft.com/office/drawing/2014/main" id="{982F76F0-1AC1-AE4E-9C22-3F982C8850DB}"/>
+              </a:ext>
+            </a:extLst>
+          </p:cNvPr>
+          <p:cNvCxnSpPr>
+            <a:cxnSpLocks/>
+            <a:stCxn id="50" idx="6"/>
+            <a:endCxn id="52" idx="1"/>
+          </p:cNvCxnSpPr>
+          <p:nvPr/>
+        </p:nvCxnSpPr>
+        <p:spPr>
+          <a:xfrm>
+            <a:off x="5821680" y="1915160"/>
+            <a:ext cx="918652" cy="623141"/>
+          </a:xfrm>
+          <a:prstGeom prst="line">
+            <a:avLst/>
+          </a:prstGeom>
+          <a:ln w="12700">
+            <a:solidFill>
+              <a:schemeClr val="tx1"/>
+            </a:solidFill>
+          </a:ln>
+        </p:spPr>
+        <p:style>
+          <a:lnRef idx="1">
+            <a:schemeClr val="accent1"/>
+          </a:lnRef>
+          <a:fillRef idx="0">
+            <a:schemeClr val="accent1"/>
+          </a:fillRef>
+          <a:effectRef idx="0">
+            <a:schemeClr val="accent1"/>
+          </a:effectRef>
+          <a:fontRef idx="minor">
+            <a:schemeClr val="tx1"/>
+          </a:fontRef>
+        </p:style>
+      </p:cxnSp>
+      <p:cxnSp>
+        <p:nvCxnSpPr>
+          <p:cNvPr id="61" name="直線コネクタ 60">
+            <a:extLst>
+              <a:ext uri="{FF2B5EF4-FFF2-40B4-BE49-F238E27FC236}">
+                <a16:creationId xmlns:a16="http://schemas.microsoft.com/office/drawing/2014/main" id="{B99ED5AF-D6AB-8A42-B79C-523FEF534A45}"/>
+              </a:ext>
+            </a:extLst>
+          </p:cNvPr>
+          <p:cNvCxnSpPr>
+            <a:stCxn id="7" idx="5"/>
+            <a:endCxn id="46" idx="2"/>
+          </p:cNvCxnSpPr>
+          <p:nvPr/>
+        </p:nvCxnSpPr>
+        <p:spPr>
+          <a:xfrm>
+            <a:off x="2403668" y="2795699"/>
+            <a:ext cx="786572" cy="572341"/>
+          </a:xfrm>
+          <a:prstGeom prst="line">
+            <a:avLst/>
+          </a:prstGeom>
+          <a:ln w="12700">
+            <a:solidFill>
+              <a:schemeClr val="tx1"/>
+            </a:solidFill>
+          </a:ln>
+        </p:spPr>
+        <p:style>
+          <a:lnRef idx="1">
+            <a:schemeClr val="accent1"/>
+          </a:lnRef>
+          <a:fillRef idx="0">
+            <a:schemeClr val="accent1"/>
+          </a:fillRef>
+          <a:effectRef idx="0">
+            <a:schemeClr val="accent1"/>
+          </a:effectRef>
+          <a:fontRef idx="minor">
+            <a:schemeClr val="tx1"/>
+          </a:fontRef>
+        </p:style>
+      </p:cxnSp>
+      <p:cxnSp>
+        <p:nvCxnSpPr>
+          <p:cNvPr id="63" name="直線コネクタ 62">
+            <a:extLst>
+              <a:ext uri="{FF2B5EF4-FFF2-40B4-BE49-F238E27FC236}">
+                <a16:creationId xmlns:a16="http://schemas.microsoft.com/office/drawing/2014/main" id="{8EB52833-AF8C-D94C-9697-207362256D08}"/>
+              </a:ext>
+            </a:extLst>
+          </p:cNvPr>
+          <p:cNvCxnSpPr>
+            <a:stCxn id="46" idx="5"/>
+            <a:endCxn id="49" idx="2"/>
+          </p:cNvCxnSpPr>
+          <p:nvPr/>
+        </p:nvCxnSpPr>
+        <p:spPr>
+          <a:xfrm>
+            <a:off x="3511108" y="3486579"/>
+            <a:ext cx="837372" cy="470741"/>
+          </a:xfrm>
+          <a:prstGeom prst="line">
+            <a:avLst/>
+          </a:prstGeom>
+          <a:ln w="12700">
+            <a:solidFill>
+              <a:schemeClr val="tx1"/>
+            </a:solidFill>
+          </a:ln>
+        </p:spPr>
+        <p:style>
+          <a:lnRef idx="1">
+            <a:schemeClr val="accent1"/>
+          </a:lnRef>
+          <a:fillRef idx="0">
+            <a:schemeClr val="accent1"/>
+          </a:fillRef>
+          <a:effectRef idx="0">
+            <a:schemeClr val="accent1"/>
+          </a:effectRef>
+          <a:fontRef idx="minor">
+            <a:schemeClr val="tx1"/>
+          </a:fontRef>
+        </p:style>
+      </p:cxnSp>
+      <p:cxnSp>
+        <p:nvCxnSpPr>
+          <p:cNvPr id="65" name="直線コネクタ 64">
+            <a:extLst>
+              <a:ext uri="{FF2B5EF4-FFF2-40B4-BE49-F238E27FC236}">
+                <a16:creationId xmlns:a16="http://schemas.microsoft.com/office/drawing/2014/main" id="{FBA65CFD-B716-4A4F-8511-1905D7692CBC}"/>
+              </a:ext>
+            </a:extLst>
+          </p:cNvPr>
+          <p:cNvCxnSpPr>
+            <a:stCxn id="49" idx="6"/>
+            <a:endCxn id="51" idx="3"/>
+          </p:cNvCxnSpPr>
+          <p:nvPr/>
+        </p:nvCxnSpPr>
+        <p:spPr>
+          <a:xfrm flipV="1">
+            <a:off x="4724400" y="3466259"/>
+            <a:ext cx="776412" cy="491061"/>
+          </a:xfrm>
+          <a:prstGeom prst="line">
+            <a:avLst/>
+          </a:prstGeom>
+          <a:ln w="12700">
+            <a:solidFill>
+              <a:schemeClr val="tx1"/>
+            </a:solidFill>
+          </a:ln>
+        </p:spPr>
+        <p:style>
+          <a:lnRef idx="1">
+            <a:schemeClr val="accent1"/>
+          </a:lnRef>
+          <a:fillRef idx="0">
+            <a:schemeClr val="accent1"/>
+          </a:fillRef>
+          <a:effectRef idx="0">
+            <a:schemeClr val="accent1"/>
+          </a:effectRef>
+          <a:fontRef idx="minor">
+            <a:schemeClr val="tx1"/>
+          </a:fontRef>
+        </p:style>
+      </p:cxnSp>
+      <p:cxnSp>
+        <p:nvCxnSpPr>
+          <p:cNvPr id="67" name="直線コネクタ 66">
+            <a:extLst>
+              <a:ext uri="{FF2B5EF4-FFF2-40B4-BE49-F238E27FC236}">
+                <a16:creationId xmlns:a16="http://schemas.microsoft.com/office/drawing/2014/main" id="{BA17DB01-6E4E-894A-BCDD-7B9FC615F489}"/>
+              </a:ext>
+            </a:extLst>
+          </p:cNvPr>
+          <p:cNvCxnSpPr>
+            <a:stCxn id="51" idx="6"/>
+            <a:endCxn id="52" idx="3"/>
+          </p:cNvCxnSpPr>
+          <p:nvPr/>
+        </p:nvCxnSpPr>
+        <p:spPr>
+          <a:xfrm flipV="1">
+            <a:off x="5821680" y="2775379"/>
+            <a:ext cx="918652" cy="572341"/>
+          </a:xfrm>
+          <a:prstGeom prst="line">
+            <a:avLst/>
+          </a:prstGeom>
+          <a:ln w="12700">
+            <a:solidFill>
+              <a:schemeClr val="tx1"/>
+            </a:solidFill>
+          </a:ln>
+        </p:spPr>
+        <p:style>
+          <a:lnRef idx="1">
+            <a:schemeClr val="accent1"/>
+          </a:lnRef>
+          <a:fillRef idx="0">
+            <a:schemeClr val="accent1"/>
+          </a:fillRef>
+          <a:effectRef idx="0">
+            <a:schemeClr val="accent1"/>
+          </a:effectRef>
+          <a:fontRef idx="minor">
+            <a:schemeClr val="tx1"/>
+          </a:fontRef>
+        </p:style>
+      </p:cxnSp>
+      <p:cxnSp>
+        <p:nvCxnSpPr>
+          <p:cNvPr id="69" name="直線コネクタ 68">
+            <a:extLst>
+              <a:ext uri="{FF2B5EF4-FFF2-40B4-BE49-F238E27FC236}">
+                <a16:creationId xmlns:a16="http://schemas.microsoft.com/office/drawing/2014/main" id="{A474C5F1-5DCF-024C-A19D-36E3C0B51CAF}"/>
+              </a:ext>
+            </a:extLst>
+          </p:cNvPr>
+          <p:cNvCxnSpPr>
+            <a:stCxn id="39" idx="6"/>
+            <a:endCxn id="48" idx="1"/>
+          </p:cNvCxnSpPr>
+          <p:nvPr/>
+        </p:nvCxnSpPr>
+        <p:spPr>
+          <a:xfrm>
+            <a:off x="3566160" y="1935480"/>
+            <a:ext cx="837372" cy="552021"/>
+          </a:xfrm>
+          <a:prstGeom prst="line">
+            <a:avLst/>
+          </a:prstGeom>
+          <a:ln w="12700">
+            <a:solidFill>
+              <a:schemeClr val="tx1"/>
+            </a:solidFill>
+          </a:ln>
+        </p:spPr>
+        <p:style>
+          <a:lnRef idx="1">
+            <a:schemeClr val="accent1"/>
+          </a:lnRef>
+          <a:fillRef idx="0">
+            <a:schemeClr val="accent1"/>
+          </a:fillRef>
+          <a:effectRef idx="0">
+            <a:schemeClr val="accent1"/>
+          </a:effectRef>
+          <a:fontRef idx="minor">
+            <a:schemeClr val="tx1"/>
+          </a:fontRef>
+        </p:style>
+      </p:cxnSp>
+      <p:cxnSp>
+        <p:nvCxnSpPr>
+          <p:cNvPr id="71" name="直線コネクタ 70">
+            <a:extLst>
+              <a:ext uri="{FF2B5EF4-FFF2-40B4-BE49-F238E27FC236}">
+                <a16:creationId xmlns:a16="http://schemas.microsoft.com/office/drawing/2014/main" id="{6EEDBE19-327A-9846-AE2E-4BB22E595191}"/>
+              </a:ext>
+            </a:extLst>
+          </p:cNvPr>
+          <p:cNvCxnSpPr>
+            <a:cxnSpLocks/>
+            <a:stCxn id="46" idx="7"/>
+            <a:endCxn id="48" idx="3"/>
+          </p:cNvCxnSpPr>
+          <p:nvPr/>
+        </p:nvCxnSpPr>
+        <p:spPr>
+          <a:xfrm flipV="1">
+            <a:off x="3511108" y="2724579"/>
+            <a:ext cx="892424" cy="524922"/>
+          </a:xfrm>
+          <a:prstGeom prst="line">
+            <a:avLst/>
+          </a:prstGeom>
+          <a:ln w="12700">
+            <a:solidFill>
+              <a:schemeClr val="tx1"/>
+            </a:solidFill>
+          </a:ln>
+        </p:spPr>
+        <p:style>
+          <a:lnRef idx="1">
+            <a:schemeClr val="accent1"/>
+          </a:lnRef>
+          <a:fillRef idx="0">
+            <a:schemeClr val="accent1"/>
+          </a:fillRef>
+          <a:effectRef idx="0">
+            <a:schemeClr val="accent1"/>
+          </a:effectRef>
+          <a:fontRef idx="minor">
+            <a:schemeClr val="tx1"/>
+          </a:fontRef>
+        </p:style>
+      </p:cxnSp>
+      <p:cxnSp>
+        <p:nvCxnSpPr>
+          <p:cNvPr id="74" name="直線コネクタ 73">
+            <a:extLst>
+              <a:ext uri="{FF2B5EF4-FFF2-40B4-BE49-F238E27FC236}">
+                <a16:creationId xmlns:a16="http://schemas.microsoft.com/office/drawing/2014/main" id="{A01E2220-65FF-8C43-AF39-3650269F82FE}"/>
+              </a:ext>
+            </a:extLst>
+          </p:cNvPr>
+          <p:cNvCxnSpPr>
+            <a:stCxn id="48" idx="7"/>
+            <a:endCxn id="50" idx="3"/>
+          </p:cNvCxnSpPr>
+          <p:nvPr/>
+        </p:nvCxnSpPr>
+        <p:spPr>
+          <a:xfrm flipV="1">
+            <a:off x="4669348" y="2033699"/>
+            <a:ext cx="831464" cy="453802"/>
+          </a:xfrm>
+          <a:prstGeom prst="line">
+            <a:avLst/>
+          </a:prstGeom>
+          <a:ln w="12700">
+            <a:solidFill>
+              <a:schemeClr val="tx1"/>
+            </a:solidFill>
+          </a:ln>
+        </p:spPr>
+        <p:style>
+          <a:lnRef idx="1">
+            <a:schemeClr val="accent1"/>
+          </a:lnRef>
+          <a:fillRef idx="0">
+            <a:schemeClr val="accent1"/>
+          </a:fillRef>
+          <a:effectRef idx="0">
+            <a:schemeClr val="accent1"/>
+          </a:effectRef>
+          <a:fontRef idx="minor">
+            <a:schemeClr val="tx1"/>
+          </a:fontRef>
+        </p:style>
+      </p:cxnSp>
+      <p:cxnSp>
+        <p:nvCxnSpPr>
+          <p:cNvPr id="76" name="直線コネクタ 75">
+            <a:extLst>
+              <a:ext uri="{FF2B5EF4-FFF2-40B4-BE49-F238E27FC236}">
+                <a16:creationId xmlns:a16="http://schemas.microsoft.com/office/drawing/2014/main" id="{4C529988-150B-1549-A9AD-7CDAA7622ECF}"/>
+              </a:ext>
+            </a:extLst>
+          </p:cNvPr>
+          <p:cNvCxnSpPr>
+            <a:stCxn id="48" idx="5"/>
+            <a:endCxn id="51" idx="1"/>
+          </p:cNvCxnSpPr>
+          <p:nvPr/>
+        </p:nvCxnSpPr>
+        <p:spPr>
+          <a:xfrm>
+            <a:off x="4669348" y="2724579"/>
+            <a:ext cx="831464" cy="504602"/>
+          </a:xfrm>
+          <a:prstGeom prst="line">
+            <a:avLst/>
+          </a:prstGeom>
+          <a:ln w="12700">
+            <a:solidFill>
+              <a:schemeClr val="tx1"/>
+            </a:solidFill>
+          </a:ln>
+        </p:spPr>
+        <p:style>
+          <a:lnRef idx="1">
+            <a:schemeClr val="accent1"/>
+          </a:lnRef>
+          <a:fillRef idx="0">
+            <a:schemeClr val="accent1"/>
+          </a:fillRef>
+          <a:effectRef idx="0">
+            <a:schemeClr val="accent1"/>
+          </a:effectRef>
+          <a:fontRef idx="minor">
+            <a:schemeClr val="tx1"/>
+          </a:fontRef>
+        </p:style>
+      </p:cxnSp>
+      <p:sp>
+        <p:nvSpPr>
+          <p:cNvPr id="77" name="テキスト ボックス 76">
+            <a:extLst>
+              <a:ext uri="{FF2B5EF4-FFF2-40B4-BE49-F238E27FC236}">
+                <a16:creationId xmlns:a16="http://schemas.microsoft.com/office/drawing/2014/main" id="{6120C16B-304E-4747-8EB7-07A4F402DE11}"/>
+              </a:ext>
+            </a:extLst>
+          </p:cNvPr>
+          <p:cNvSpPr txBox="1"/>
+          <p:nvPr/>
+        </p:nvSpPr>
+        <p:spPr>
+          <a:xfrm>
+            <a:off x="2631440" y="1940560"/>
+            <a:ext cx="301686" cy="369332"/>
+          </a:xfrm>
+          <a:prstGeom prst="rect">
+            <a:avLst/>
+          </a:prstGeom>
+          <a:noFill/>
+        </p:spPr>
+        <p:txBody>
+          <a:bodyPr wrap="none" rtlCol="0">
+            <a:spAutoFit/>
+          </a:bodyPr>
+          <a:lstStyle/>
+          <a:p>
+            <a:r>
+              <a:rPr kumimoji="1" lang="en-US" altLang="ja-JP"/>
+              <a:t>2</a:t>
+            </a:r>
+            <a:endParaRPr kumimoji="1" lang="ja-JP" altLang="en-US"/>
+          </a:p>
+        </p:txBody>
+      </p:sp>
+      <p:sp>
+        <p:nvSpPr>
+          <p:cNvPr id="78" name="テキスト ボックス 77">
+            <a:extLst>
+              <a:ext uri="{FF2B5EF4-FFF2-40B4-BE49-F238E27FC236}">
+                <a16:creationId xmlns:a16="http://schemas.microsoft.com/office/drawing/2014/main" id="{14A05397-2BC9-6944-9DE0-798AC41DDC0F}"/>
+              </a:ext>
+            </a:extLst>
+          </p:cNvPr>
+          <p:cNvSpPr txBox="1"/>
+          <p:nvPr/>
+        </p:nvSpPr>
+        <p:spPr>
+          <a:xfrm>
+            <a:off x="2600960" y="3048000"/>
+            <a:ext cx="301686" cy="369332"/>
+          </a:xfrm>
+          <a:prstGeom prst="rect">
+            <a:avLst/>
+          </a:prstGeom>
+          <a:noFill/>
+        </p:spPr>
+        <p:txBody>
+          <a:bodyPr wrap="none" rtlCol="0">
+            <a:spAutoFit/>
+          </a:bodyPr>
+          <a:lstStyle/>
+          <a:p>
+            <a:r>
+              <a:rPr kumimoji="1" lang="en-US" altLang="ja-JP"/>
+              <a:t>7</a:t>
+            </a:r>
+            <a:endParaRPr kumimoji="1" lang="ja-JP" altLang="en-US"/>
+          </a:p>
+        </p:txBody>
+      </p:sp>
+      <p:sp>
+        <p:nvSpPr>
+          <p:cNvPr id="79" name="テキスト ボックス 78">
+            <a:extLst>
+              <a:ext uri="{FF2B5EF4-FFF2-40B4-BE49-F238E27FC236}">
+                <a16:creationId xmlns:a16="http://schemas.microsoft.com/office/drawing/2014/main" id="{4EBB9032-34DD-8347-853A-A53D4A8E8C75}"/>
+              </a:ext>
+            </a:extLst>
+          </p:cNvPr>
+          <p:cNvSpPr txBox="1"/>
+          <p:nvPr/>
+        </p:nvSpPr>
+        <p:spPr>
+          <a:xfrm>
+            <a:off x="3708400" y="1209040"/>
+            <a:ext cx="301686" cy="369332"/>
+          </a:xfrm>
+          <a:prstGeom prst="rect">
+            <a:avLst/>
+          </a:prstGeom>
+          <a:noFill/>
+        </p:spPr>
+        <p:txBody>
+          <a:bodyPr wrap="none" rtlCol="0">
+            <a:spAutoFit/>
+          </a:bodyPr>
+          <a:lstStyle/>
+          <a:p>
+            <a:r>
+              <a:rPr kumimoji="1" lang="en-US" altLang="ja-JP"/>
+              <a:t>8</a:t>
+            </a:r>
+            <a:endParaRPr kumimoji="1" lang="ja-JP" altLang="en-US"/>
+          </a:p>
+        </p:txBody>
+      </p:sp>
+      <p:sp>
+        <p:nvSpPr>
+          <p:cNvPr id="80" name="テキスト ボックス 79">
+            <a:extLst>
+              <a:ext uri="{FF2B5EF4-FFF2-40B4-BE49-F238E27FC236}">
+                <a16:creationId xmlns:a16="http://schemas.microsoft.com/office/drawing/2014/main" id="{E3FAC8E8-A265-744B-96AD-761E6AC37960}"/>
+              </a:ext>
+            </a:extLst>
+          </p:cNvPr>
+          <p:cNvSpPr txBox="1"/>
+          <p:nvPr/>
+        </p:nvSpPr>
+        <p:spPr>
+          <a:xfrm>
+            <a:off x="3921760" y="1930400"/>
+            <a:ext cx="301686" cy="369332"/>
+          </a:xfrm>
+          <a:prstGeom prst="rect">
+            <a:avLst/>
+          </a:prstGeom>
+          <a:noFill/>
+        </p:spPr>
+        <p:txBody>
+          <a:bodyPr wrap="none" rtlCol="0">
+            <a:spAutoFit/>
+          </a:bodyPr>
+          <a:lstStyle/>
+          <a:p>
+            <a:r>
+              <a:rPr kumimoji="1" lang="en-US" altLang="ja-JP"/>
+              <a:t>1</a:t>
+            </a:r>
+            <a:endParaRPr kumimoji="1" lang="ja-JP" altLang="en-US"/>
+          </a:p>
+        </p:txBody>
+      </p:sp>
+      <p:sp>
+        <p:nvSpPr>
+          <p:cNvPr id="81" name="テキスト ボックス 80">
+            <a:extLst>
+              <a:ext uri="{FF2B5EF4-FFF2-40B4-BE49-F238E27FC236}">
+                <a16:creationId xmlns:a16="http://schemas.microsoft.com/office/drawing/2014/main" id="{7C279A76-7D63-E54E-8351-D7DEBC6DA368}"/>
+              </a:ext>
+            </a:extLst>
+          </p:cNvPr>
+          <p:cNvSpPr txBox="1"/>
+          <p:nvPr/>
+        </p:nvSpPr>
+        <p:spPr>
+          <a:xfrm>
+            <a:off x="3759200" y="2702560"/>
+            <a:ext cx="301686" cy="369332"/>
+          </a:xfrm>
+          <a:prstGeom prst="rect">
+            <a:avLst/>
+          </a:prstGeom>
+          <a:noFill/>
+        </p:spPr>
+        <p:txBody>
+          <a:bodyPr wrap="none" rtlCol="0">
+            <a:spAutoFit/>
+          </a:bodyPr>
+          <a:lstStyle/>
+          <a:p>
+            <a:r>
+              <a:rPr kumimoji="1" lang="en-US" altLang="ja-JP"/>
+              <a:t>2</a:t>
+            </a:r>
+            <a:endParaRPr kumimoji="1" lang="ja-JP" altLang="en-US"/>
+          </a:p>
+        </p:txBody>
+      </p:sp>
+      <p:sp>
+        <p:nvSpPr>
+          <p:cNvPr id="82" name="テキスト ボックス 81">
+            <a:extLst>
+              <a:ext uri="{FF2B5EF4-FFF2-40B4-BE49-F238E27FC236}">
+                <a16:creationId xmlns:a16="http://schemas.microsoft.com/office/drawing/2014/main" id="{744FB53E-6E00-DB48-BFA4-A1623306695E}"/>
+              </a:ext>
+            </a:extLst>
+          </p:cNvPr>
+          <p:cNvSpPr txBox="1"/>
+          <p:nvPr/>
+        </p:nvSpPr>
+        <p:spPr>
+          <a:xfrm>
+            <a:off x="3769360" y="3688080"/>
+            <a:ext cx="301686" cy="369332"/>
+          </a:xfrm>
+          <a:prstGeom prst="rect">
+            <a:avLst/>
+          </a:prstGeom>
+          <a:noFill/>
+        </p:spPr>
+        <p:txBody>
+          <a:bodyPr wrap="none" rtlCol="0">
+            <a:spAutoFit/>
+          </a:bodyPr>
+          <a:lstStyle/>
+          <a:p>
+            <a:r>
+              <a:rPr kumimoji="1" lang="en-US" altLang="ja-JP"/>
+              <a:t>3</a:t>
+            </a:r>
+            <a:endParaRPr kumimoji="1" lang="ja-JP" altLang="en-US"/>
+          </a:p>
+        </p:txBody>
+      </p:sp>
+      <p:sp>
+        <p:nvSpPr>
+          <p:cNvPr id="83" name="テキスト ボックス 82">
+            <a:extLst>
+              <a:ext uri="{FF2B5EF4-FFF2-40B4-BE49-F238E27FC236}">
+                <a16:creationId xmlns:a16="http://schemas.microsoft.com/office/drawing/2014/main" id="{E241C17A-70EF-9A4E-B150-F4FF58463A3C}"/>
+              </a:ext>
+            </a:extLst>
+          </p:cNvPr>
+          <p:cNvSpPr txBox="1"/>
+          <p:nvPr/>
+        </p:nvSpPr>
+        <p:spPr>
+          <a:xfrm>
+            <a:off x="5222240" y="1239520"/>
+            <a:ext cx="418704" cy="369332"/>
+          </a:xfrm>
+          <a:prstGeom prst="rect">
+            <a:avLst/>
+          </a:prstGeom>
+          <a:noFill/>
+        </p:spPr>
+        <p:txBody>
+          <a:bodyPr wrap="none" rtlCol="0">
+            <a:spAutoFit/>
+          </a:bodyPr>
+          <a:lstStyle/>
+          <a:p>
+            <a:r>
+              <a:rPr kumimoji="1" lang="en-US" altLang="ja-JP"/>
+              <a:t>15</a:t>
+            </a:r>
+            <a:endParaRPr kumimoji="1" lang="ja-JP" altLang="en-US"/>
+          </a:p>
+        </p:txBody>
+      </p:sp>
+      <p:sp>
+        <p:nvSpPr>
+          <p:cNvPr id="84" name="テキスト ボックス 83">
+            <a:extLst>
+              <a:ext uri="{FF2B5EF4-FFF2-40B4-BE49-F238E27FC236}">
+                <a16:creationId xmlns:a16="http://schemas.microsoft.com/office/drawing/2014/main" id="{4984DFF0-1CF3-4F40-8355-6EF933C153A3}"/>
+              </a:ext>
+            </a:extLst>
+          </p:cNvPr>
+          <p:cNvSpPr txBox="1"/>
+          <p:nvPr/>
+        </p:nvSpPr>
+        <p:spPr>
+          <a:xfrm>
+            <a:off x="5008880" y="2255520"/>
+            <a:ext cx="418704" cy="369332"/>
+          </a:xfrm>
+          <a:prstGeom prst="rect">
+            <a:avLst/>
+          </a:prstGeom>
+          <a:noFill/>
+        </p:spPr>
+        <p:txBody>
+          <a:bodyPr wrap="none" rtlCol="0">
+            <a:spAutoFit/>
+          </a:bodyPr>
+          <a:lstStyle/>
+          <a:p>
+            <a:r>
+              <a:rPr lang="en-US" altLang="ja-JP"/>
+              <a:t>10</a:t>
+            </a:r>
+            <a:endParaRPr kumimoji="1" lang="ja-JP" altLang="en-US"/>
+          </a:p>
+        </p:txBody>
+      </p:sp>
+      <p:sp>
+        <p:nvSpPr>
+          <p:cNvPr id="85" name="テキスト ボックス 84">
+            <a:extLst>
+              <a:ext uri="{FF2B5EF4-FFF2-40B4-BE49-F238E27FC236}">
+                <a16:creationId xmlns:a16="http://schemas.microsoft.com/office/drawing/2014/main" id="{52A88DCC-D11C-9F4C-8B6A-C7AC45DBF0E1}"/>
+              </a:ext>
+            </a:extLst>
+          </p:cNvPr>
+          <p:cNvSpPr txBox="1"/>
+          <p:nvPr/>
+        </p:nvSpPr>
+        <p:spPr>
+          <a:xfrm>
+            <a:off x="4775200" y="2915920"/>
+            <a:ext cx="418704" cy="369332"/>
+          </a:xfrm>
+          <a:prstGeom prst="rect">
+            <a:avLst/>
+          </a:prstGeom>
+          <a:noFill/>
+        </p:spPr>
+        <p:txBody>
+          <a:bodyPr wrap="none" rtlCol="0">
+            <a:spAutoFit/>
+          </a:bodyPr>
+          <a:lstStyle/>
+          <a:p>
+            <a:r>
+              <a:rPr lang="en-US" altLang="ja-JP"/>
+              <a:t>12</a:t>
+            </a:r>
+            <a:endParaRPr kumimoji="1" lang="ja-JP" altLang="en-US"/>
+          </a:p>
+        </p:txBody>
+      </p:sp>
+      <p:sp>
+        <p:nvSpPr>
+          <p:cNvPr id="86" name="テキスト ボックス 85">
+            <a:extLst>
+              <a:ext uri="{FF2B5EF4-FFF2-40B4-BE49-F238E27FC236}">
+                <a16:creationId xmlns:a16="http://schemas.microsoft.com/office/drawing/2014/main" id="{5FB2B90C-ABCD-694B-AFF2-20370E0A4539}"/>
+              </a:ext>
+            </a:extLst>
+          </p:cNvPr>
+          <p:cNvSpPr txBox="1"/>
+          <p:nvPr/>
+        </p:nvSpPr>
+        <p:spPr>
+          <a:xfrm>
+            <a:off x="6289040" y="1960880"/>
+            <a:ext cx="301686" cy="369332"/>
+          </a:xfrm>
+          <a:prstGeom prst="rect">
+            <a:avLst/>
+          </a:prstGeom>
+          <a:noFill/>
+        </p:spPr>
+        <p:txBody>
+          <a:bodyPr wrap="none" rtlCol="0">
+            <a:spAutoFit/>
+          </a:bodyPr>
+          <a:lstStyle/>
+          <a:p>
+            <a:r>
+              <a:rPr lang="en-US" altLang="ja-JP"/>
+              <a:t>1</a:t>
+            </a:r>
+            <a:endParaRPr kumimoji="1" lang="ja-JP" altLang="en-US"/>
+          </a:p>
+        </p:txBody>
+      </p:sp>
+      <p:sp>
+        <p:nvSpPr>
+          <p:cNvPr id="87" name="テキスト ボックス 86">
+            <a:extLst>
+              <a:ext uri="{FF2B5EF4-FFF2-40B4-BE49-F238E27FC236}">
+                <a16:creationId xmlns:a16="http://schemas.microsoft.com/office/drawing/2014/main" id="{74D674A7-CBBF-D943-8487-56E3E2E48457}"/>
+              </a:ext>
+            </a:extLst>
+          </p:cNvPr>
+          <p:cNvSpPr txBox="1"/>
+          <p:nvPr/>
+        </p:nvSpPr>
+        <p:spPr>
+          <a:xfrm>
+            <a:off x="5008880" y="3677920"/>
+            <a:ext cx="301686" cy="369332"/>
+          </a:xfrm>
+          <a:prstGeom prst="rect">
+            <a:avLst/>
+          </a:prstGeom>
+          <a:noFill/>
+        </p:spPr>
+        <p:txBody>
+          <a:bodyPr wrap="none" rtlCol="0">
+            <a:spAutoFit/>
+          </a:bodyPr>
+          <a:lstStyle/>
+          <a:p>
+            <a:r>
+              <a:rPr lang="en-US" altLang="ja-JP"/>
+              <a:t>3</a:t>
+            </a:r>
+            <a:endParaRPr kumimoji="1" lang="ja-JP" altLang="en-US"/>
+          </a:p>
+        </p:txBody>
+      </p:sp>
+      <p:sp>
+        <p:nvSpPr>
+          <p:cNvPr id="88" name="テキスト ボックス 87">
+            <a:extLst>
+              <a:ext uri="{FF2B5EF4-FFF2-40B4-BE49-F238E27FC236}">
+                <a16:creationId xmlns:a16="http://schemas.microsoft.com/office/drawing/2014/main" id="{03F16161-FDF9-0E49-B590-F5E60A37B1A2}"/>
+              </a:ext>
+            </a:extLst>
+          </p:cNvPr>
+          <p:cNvSpPr txBox="1"/>
+          <p:nvPr/>
+        </p:nvSpPr>
+        <p:spPr>
+          <a:xfrm>
+            <a:off x="6258560" y="3088640"/>
+            <a:ext cx="301686" cy="369332"/>
+          </a:xfrm>
+          <a:prstGeom prst="rect">
+            <a:avLst/>
+          </a:prstGeom>
+          <a:noFill/>
+        </p:spPr>
+        <p:txBody>
+          <a:bodyPr wrap="none" rtlCol="0">
+            <a:spAutoFit/>
+          </a:bodyPr>
+          <a:lstStyle/>
+          <a:p>
+            <a:r>
+              <a:rPr lang="en-US" altLang="ja-JP"/>
+              <a:t>2</a:t>
+            </a:r>
+            <a:endParaRPr kumimoji="1" lang="ja-JP" altLang="en-US"/>
+          </a:p>
+        </p:txBody>
+      </p:sp>
+      <p:sp>
+        <p:nvSpPr>
+          <p:cNvPr id="89" name="円/楕円 88">
+            <a:extLst>
+              <a:ext uri="{FF2B5EF4-FFF2-40B4-BE49-F238E27FC236}">
+                <a16:creationId xmlns:a16="http://schemas.microsoft.com/office/drawing/2014/main" id="{3DEFAD7B-A29D-924A-82C5-43E96B104C01}"/>
+              </a:ext>
+            </a:extLst>
+          </p:cNvPr>
+          <p:cNvSpPr/>
+          <p:nvPr/>
+        </p:nvSpPr>
+        <p:spPr>
+          <a:xfrm>
+            <a:off x="2895600" y="4426466"/>
+            <a:ext cx="375920" cy="335280"/>
+          </a:xfrm>
+          <a:prstGeom prst="ellipse">
+            <a:avLst/>
+          </a:prstGeom>
+          <a:solidFill>
+            <a:srgbClr val="FF0000"/>
+          </a:solidFill>
+          <a:ln>
+            <a:solidFill>
+              <a:schemeClr val="tx1"/>
+            </a:solidFill>
+          </a:ln>
+        </p:spPr>
+        <p:style>
+          <a:lnRef idx="2">
+            <a:schemeClr val="accent1">
+              <a:shade val="50000"/>
+            </a:schemeClr>
+          </a:lnRef>
+          <a:fillRef idx="1">
+            <a:schemeClr val="accent1"/>
+          </a:fillRef>
+          <a:effectRef idx="0">
+            <a:schemeClr val="accent1"/>
+          </a:effectRef>
+          <a:fontRef idx="minor">
+            <a:schemeClr val="lt1"/>
+          </a:fontRef>
+        </p:style>
+        <p:txBody>
+          <a:bodyPr rtlCol="0" anchor="ctr"/>
+          <a:lstStyle/>
+          <a:p>
+            <a:pPr algn="ctr"/>
+            <a:r>
+              <a:rPr kumimoji="1" lang="en-US" altLang="ja-JP">
+                <a:solidFill>
+                  <a:schemeClr val="tx1"/>
+                </a:solidFill>
+              </a:rPr>
+              <a:t>A</a:t>
+            </a:r>
+            <a:endParaRPr kumimoji="1" lang="ja-JP" altLang="en-US">
+              <a:solidFill>
+                <a:schemeClr val="tx1"/>
+              </a:solidFill>
+            </a:endParaRPr>
+          </a:p>
+        </p:txBody>
+      </p:sp>
+      <p:sp>
+        <p:nvSpPr>
+          <p:cNvPr id="90" name="円/楕円 89">
+            <a:extLst>
+              <a:ext uri="{FF2B5EF4-FFF2-40B4-BE49-F238E27FC236}">
+                <a16:creationId xmlns:a16="http://schemas.microsoft.com/office/drawing/2014/main" id="{3046352A-F558-FD43-B7C5-5D96ED854A84}"/>
+              </a:ext>
+            </a:extLst>
+          </p:cNvPr>
+          <p:cNvSpPr/>
+          <p:nvPr/>
+        </p:nvSpPr>
+        <p:spPr>
+          <a:xfrm>
+            <a:off x="3911600" y="4426466"/>
+            <a:ext cx="375920" cy="335280"/>
+          </a:xfrm>
+          <a:prstGeom prst="ellipse">
+            <a:avLst/>
+          </a:prstGeom>
+          <a:solidFill>
+            <a:schemeClr val="accent1"/>
+          </a:solidFill>
+          <a:ln>
+            <a:solidFill>
+              <a:schemeClr val="tx1"/>
+            </a:solidFill>
+          </a:ln>
+        </p:spPr>
+        <p:style>
+          <a:lnRef idx="2">
+            <a:schemeClr val="accent1">
+              <a:shade val="50000"/>
+            </a:schemeClr>
+          </a:lnRef>
+          <a:fillRef idx="1">
+            <a:schemeClr val="accent1"/>
+          </a:fillRef>
+          <a:effectRef idx="0">
+            <a:schemeClr val="accent1"/>
+          </a:effectRef>
+          <a:fontRef idx="minor">
+            <a:schemeClr val="lt1"/>
+          </a:fontRef>
+        </p:style>
+        <p:txBody>
+          <a:bodyPr rtlCol="0" anchor="ctr"/>
+          <a:lstStyle/>
+          <a:p>
+            <a:pPr algn="ctr"/>
+            <a:r>
+              <a:rPr kumimoji="1" lang="en-US" altLang="ja-JP">
+                <a:solidFill>
+                  <a:schemeClr val="tx1"/>
+                </a:solidFill>
+              </a:rPr>
+              <a:t>I</a:t>
+            </a:r>
+            <a:endParaRPr kumimoji="1" lang="ja-JP" altLang="en-US">
+              <a:solidFill>
+                <a:schemeClr val="tx1"/>
+              </a:solidFill>
+            </a:endParaRPr>
+          </a:p>
+        </p:txBody>
+      </p:sp>
+      <p:sp>
+        <p:nvSpPr>
+          <p:cNvPr id="91" name="テキスト ボックス 90">
+            <a:extLst>
+              <a:ext uri="{FF2B5EF4-FFF2-40B4-BE49-F238E27FC236}">
+                <a16:creationId xmlns:a16="http://schemas.microsoft.com/office/drawing/2014/main" id="{0FBCDE8E-9E67-C340-A74D-297E7B41FA8F}"/>
+              </a:ext>
+            </a:extLst>
+          </p:cNvPr>
+          <p:cNvSpPr txBox="1"/>
+          <p:nvPr/>
+        </p:nvSpPr>
+        <p:spPr>
+          <a:xfrm>
+            <a:off x="3291840" y="4409440"/>
+            <a:ext cx="646331" cy="369332"/>
+          </a:xfrm>
+          <a:prstGeom prst="rect">
+            <a:avLst/>
+          </a:prstGeom>
+          <a:noFill/>
+        </p:spPr>
+        <p:txBody>
+          <a:bodyPr wrap="none" rtlCol="0">
+            <a:spAutoFit/>
+          </a:bodyPr>
+          <a:lstStyle/>
+          <a:p>
+            <a:r>
+              <a:rPr kumimoji="1" lang="ja-JP" altLang="en-US"/>
+              <a:t>から</a:t>
+            </a:r>
+          </a:p>
+        </p:txBody>
+      </p:sp>
+      <p:sp>
+        <p:nvSpPr>
+          <p:cNvPr id="92" name="テキスト ボックス 91">
+            <a:extLst>
+              <a:ext uri="{FF2B5EF4-FFF2-40B4-BE49-F238E27FC236}">
+                <a16:creationId xmlns:a16="http://schemas.microsoft.com/office/drawing/2014/main" id="{5ADC4E2D-A0DE-5E4A-B099-4F642F8F4EDE}"/>
+              </a:ext>
+            </a:extLst>
+          </p:cNvPr>
+          <p:cNvSpPr txBox="1"/>
+          <p:nvPr/>
+        </p:nvSpPr>
+        <p:spPr>
+          <a:xfrm>
+            <a:off x="4348480" y="4409440"/>
+            <a:ext cx="1569660" cy="369332"/>
+          </a:xfrm>
+          <a:prstGeom prst="rect">
+            <a:avLst/>
+          </a:prstGeom>
+          <a:noFill/>
+        </p:spPr>
+        <p:txBody>
+          <a:bodyPr wrap="none" rtlCol="0">
+            <a:spAutoFit/>
+          </a:bodyPr>
+          <a:lstStyle/>
+          <a:p>
+            <a:r>
+              <a:rPr kumimoji="1" lang="ja-JP" altLang="en-US"/>
+              <a:t>まで行きたい</a:t>
+            </a:r>
+            <a:endParaRPr kumimoji="1" lang="en-US" altLang="ja-JP"/>
+          </a:p>
+        </p:txBody>
+      </p:sp>
+      <p:sp>
+        <p:nvSpPr>
+          <p:cNvPr id="93" name="正方形/長方形 92">
+            <a:extLst>
+              <a:ext uri="{FF2B5EF4-FFF2-40B4-BE49-F238E27FC236}">
+                <a16:creationId xmlns:a16="http://schemas.microsoft.com/office/drawing/2014/main" id="{52E2D32F-DD46-EF49-ADE8-D0F51E637D71}"/>
+              </a:ext>
+            </a:extLst>
+          </p:cNvPr>
+          <p:cNvSpPr/>
+          <p:nvPr/>
+        </p:nvSpPr>
+        <p:spPr>
+          <a:xfrm>
+            <a:off x="2256279" y="4869934"/>
+            <a:ext cx="4570482" cy="369332"/>
+          </a:xfrm>
+          <a:prstGeom prst="rect">
+            <a:avLst/>
+          </a:prstGeom>
+        </p:spPr>
+        <p:txBody>
+          <a:bodyPr wrap="none">
+            <a:spAutoFit/>
+          </a:bodyPr>
+          <a:lstStyle/>
+          <a:p>
+            <a:r>
+              <a:rPr lang="ja-JP" altLang="en-US"/>
+              <a:t>その際、辺のコストの合計を最小にしたい</a:t>
+            </a:r>
+          </a:p>
+        </p:txBody>
+      </p:sp>
+    </p:spTree>
+    <p:extLst>
+      <p:ext uri="{BB962C8B-B14F-4D97-AF65-F5344CB8AC3E}">
+        <p14:creationId xmlns:p14="http://schemas.microsoft.com/office/powerpoint/2010/main" val="2272938287"/>
+      </p:ext>
+    </p:extLst>
+  </p:cSld>
+  <p:clrMapOvr>
+    <a:masterClrMapping/>
+  </p:clrMapOvr>
+</p:sld>
+</file>
+
+<file path=ppt/slides/slide4.xml><?xml version="1.0" encoding="utf-8"?>
+<p:sld xmlns:a="http://schemas.openxmlformats.org/drawingml/2006/main" xmlns:r="http://schemas.openxmlformats.org/officeDocument/2006/relationships" xmlns:p="http://schemas.openxmlformats.org/presentationml/2006/main">
+  <p:cSld>
+    <p:spTree>
+      <p:nvGrpSpPr>
+        <p:cNvPr id="1" name=""/>
+        <p:cNvGrpSpPr/>
+        <p:nvPr/>
+      </p:nvGrpSpPr>
+      <p:grpSpPr>
+        <a:xfrm>
+          <a:off x="0" y="0"/>
+          <a:ext cx="0" cy="0"/>
+          <a:chOff x="0" y="0"/>
+          <a:chExt cx="0" cy="0"/>
+        </a:xfrm>
+      </p:grpSpPr>
+      <p:sp>
+        <p:nvSpPr>
           <p:cNvPr id="2" name="テキスト ボックス 1">
             <a:extLst>
               <a:ext uri="{FF2B5EF4-FFF2-40B4-BE49-F238E27FC236}">
@@ -4040,7 +4243,7 @@
         <p:spPr>
           <a:xfrm>
             <a:off x="5008880" y="2255520"/>
-            <a:ext cx="301686" cy="369332"/>
+            <a:ext cx="418704" cy="369332"/>
           </a:xfrm>
           <a:prstGeom prst="rect">
             <a:avLst/>
@@ -4055,7 +4258,7 @@
           <a:p>
             <a:r>
               <a:rPr lang="en-US" altLang="ja-JP"/>
-              <a:t>9</a:t>
+              <a:t>10</a:t>
             </a:r>
             <a:endParaRPr kumimoji="1" lang="ja-JP" altLang="en-US"/>
           </a:p>
@@ -4127,7 +4330,7 @@
           <a:p>
             <a:r>
               <a:rPr lang="en-US" altLang="ja-JP"/>
-              <a:t>4</a:t>
+              <a:t>1</a:t>
             </a:r>
             <a:endParaRPr kumimoji="1" lang="ja-JP" altLang="en-US"/>
           </a:p>
@@ -4298,6 +4501,1612 @@
     <p:extLst>
       <p:ext uri="{BB962C8B-B14F-4D97-AF65-F5344CB8AC3E}">
         <p14:creationId xmlns:p14="http://schemas.microsoft.com/office/powerpoint/2010/main" val="3166457427"/>
+      </p:ext>
+    </p:extLst>
+  </p:cSld>
+  <p:clrMapOvr>
+    <a:masterClrMapping/>
+  </p:clrMapOvr>
+</p:sld>
+</file>
+
+<file path=ppt/slides/slide5.xml><?xml version="1.0" encoding="utf-8"?>
+<p:sld xmlns:a="http://schemas.openxmlformats.org/drawingml/2006/main" xmlns:r="http://schemas.openxmlformats.org/officeDocument/2006/relationships" xmlns:p="http://schemas.openxmlformats.org/presentationml/2006/main">
+  <p:cSld>
+    <p:spTree>
+      <p:nvGrpSpPr>
+        <p:cNvPr id="1" name=""/>
+        <p:cNvGrpSpPr/>
+        <p:nvPr/>
+      </p:nvGrpSpPr>
+      <p:grpSpPr>
+        <a:xfrm>
+          <a:off x="0" y="0"/>
+          <a:ext cx="0" cy="0"/>
+          <a:chOff x="0" y="0"/>
+          <a:chExt cx="0" cy="0"/>
+        </a:xfrm>
+      </p:grpSpPr>
+      <p:sp>
+        <p:nvSpPr>
+          <p:cNvPr id="37" name="フリーフォーム 36">
+            <a:extLst>
+              <a:ext uri="{FF2B5EF4-FFF2-40B4-BE49-F238E27FC236}">
+                <a16:creationId xmlns:a16="http://schemas.microsoft.com/office/drawing/2014/main" id="{1C4B2578-5B4E-D043-97B6-CEBCB4D8EC0F}"/>
+              </a:ext>
+            </a:extLst>
+          </p:cNvPr>
+          <p:cNvSpPr/>
+          <p:nvPr/>
+        </p:nvSpPr>
+        <p:spPr>
+          <a:xfrm>
+            <a:off x="2265680" y="1787954"/>
+            <a:ext cx="2204720" cy="752046"/>
+          </a:xfrm>
+          <a:custGeom>
+            <a:avLst/>
+            <a:gdLst>
+              <a:gd name="connsiteX0" fmla="*/ 0 w 2286000"/>
+              <a:gd name="connsiteY0" fmla="*/ 782526 h 782526"/>
+              <a:gd name="connsiteX1" fmla="*/ 1229360 w 2286000"/>
+              <a:gd name="connsiteY1" fmla="*/ 206 h 782526"/>
+              <a:gd name="connsiteX2" fmla="*/ 2286000 w 2286000"/>
+              <a:gd name="connsiteY2" fmla="*/ 721566 h 782526"/>
+            </a:gdLst>
+            <a:ahLst/>
+            <a:cxnLst>
+              <a:cxn ang="0">
+                <a:pos x="connsiteX0" y="connsiteY0"/>
+              </a:cxn>
+              <a:cxn ang="0">
+                <a:pos x="connsiteX1" y="connsiteY1"/>
+              </a:cxn>
+              <a:cxn ang="0">
+                <a:pos x="connsiteX2" y="connsiteY2"/>
+              </a:cxn>
+            </a:cxnLst>
+            <a:rect l="l" t="t" r="r" b="b"/>
+            <a:pathLst>
+              <a:path w="2286000" h="782526">
+                <a:moveTo>
+                  <a:pt x="0" y="782526"/>
+                </a:moveTo>
+                <a:cubicBezTo>
+                  <a:pt x="424180" y="396446"/>
+                  <a:pt x="848360" y="10366"/>
+                  <a:pt x="1229360" y="206"/>
+                </a:cubicBezTo>
+                <a:cubicBezTo>
+                  <a:pt x="1610360" y="-9954"/>
+                  <a:pt x="1948180" y="355806"/>
+                  <a:pt x="2286000" y="721566"/>
+                </a:cubicBezTo>
+              </a:path>
+            </a:pathLst>
+          </a:custGeom>
+          <a:noFill/>
+          <a:ln w="38100">
+            <a:solidFill>
+              <a:srgbClr val="FF0000"/>
+            </a:solidFill>
+          </a:ln>
+        </p:spPr>
+        <p:style>
+          <a:lnRef idx="2">
+            <a:schemeClr val="accent1">
+              <a:shade val="50000"/>
+            </a:schemeClr>
+          </a:lnRef>
+          <a:fillRef idx="1">
+            <a:schemeClr val="accent1"/>
+          </a:fillRef>
+          <a:effectRef idx="0">
+            <a:schemeClr val="accent1"/>
+          </a:effectRef>
+          <a:fontRef idx="minor">
+            <a:schemeClr val="lt1"/>
+          </a:fontRef>
+        </p:style>
+        <p:txBody>
+          <a:bodyPr rtlCol="0" anchor="ctr"/>
+          <a:lstStyle/>
+          <a:p>
+            <a:pPr algn="ctr"/>
+            <a:endParaRPr kumimoji="1" lang="ja-JP" altLang="en-US"/>
+          </a:p>
+        </p:txBody>
+      </p:sp>
+      <p:sp>
+        <p:nvSpPr>
+          <p:cNvPr id="38" name="フリーフォーム 37">
+            <a:extLst>
+              <a:ext uri="{FF2B5EF4-FFF2-40B4-BE49-F238E27FC236}">
+                <a16:creationId xmlns:a16="http://schemas.microsoft.com/office/drawing/2014/main" id="{708A623A-699C-C745-BFBA-DB87EBC5360E}"/>
+              </a:ext>
+            </a:extLst>
+          </p:cNvPr>
+          <p:cNvSpPr/>
+          <p:nvPr/>
+        </p:nvSpPr>
+        <p:spPr>
+          <a:xfrm>
+            <a:off x="4561840" y="1777794"/>
+            <a:ext cx="2245360" cy="843486"/>
+          </a:xfrm>
+          <a:custGeom>
+            <a:avLst/>
+            <a:gdLst>
+              <a:gd name="connsiteX0" fmla="*/ 0 w 2286000"/>
+              <a:gd name="connsiteY0" fmla="*/ 782526 h 782526"/>
+              <a:gd name="connsiteX1" fmla="*/ 1229360 w 2286000"/>
+              <a:gd name="connsiteY1" fmla="*/ 206 h 782526"/>
+              <a:gd name="connsiteX2" fmla="*/ 2286000 w 2286000"/>
+              <a:gd name="connsiteY2" fmla="*/ 721566 h 782526"/>
+            </a:gdLst>
+            <a:ahLst/>
+            <a:cxnLst>
+              <a:cxn ang="0">
+                <a:pos x="connsiteX0" y="connsiteY0"/>
+              </a:cxn>
+              <a:cxn ang="0">
+                <a:pos x="connsiteX1" y="connsiteY1"/>
+              </a:cxn>
+              <a:cxn ang="0">
+                <a:pos x="connsiteX2" y="connsiteY2"/>
+              </a:cxn>
+            </a:cxnLst>
+            <a:rect l="l" t="t" r="r" b="b"/>
+            <a:pathLst>
+              <a:path w="2286000" h="782526">
+                <a:moveTo>
+                  <a:pt x="0" y="782526"/>
+                </a:moveTo>
+                <a:cubicBezTo>
+                  <a:pt x="424180" y="396446"/>
+                  <a:pt x="848360" y="10366"/>
+                  <a:pt x="1229360" y="206"/>
+                </a:cubicBezTo>
+                <a:cubicBezTo>
+                  <a:pt x="1610360" y="-9954"/>
+                  <a:pt x="1948180" y="355806"/>
+                  <a:pt x="2286000" y="721566"/>
+                </a:cubicBezTo>
+              </a:path>
+            </a:pathLst>
+          </a:custGeom>
+          <a:noFill/>
+          <a:ln w="38100">
+            <a:solidFill>
+              <a:schemeClr val="tx1"/>
+            </a:solidFill>
+            <a:prstDash val="sysDash"/>
+          </a:ln>
+        </p:spPr>
+        <p:style>
+          <a:lnRef idx="2">
+            <a:schemeClr val="accent1">
+              <a:shade val="50000"/>
+            </a:schemeClr>
+          </a:lnRef>
+          <a:fillRef idx="1">
+            <a:schemeClr val="accent1"/>
+          </a:fillRef>
+          <a:effectRef idx="0">
+            <a:schemeClr val="accent1"/>
+          </a:effectRef>
+          <a:fontRef idx="minor">
+            <a:schemeClr val="lt1"/>
+          </a:fontRef>
+        </p:style>
+        <p:txBody>
+          <a:bodyPr rtlCol="0" anchor="ctr"/>
+          <a:lstStyle/>
+          <a:p>
+            <a:pPr algn="ctr"/>
+            <a:endParaRPr kumimoji="1" lang="ja-JP" altLang="en-US"/>
+          </a:p>
+        </p:txBody>
+      </p:sp>
+      <p:sp>
+        <p:nvSpPr>
+          <p:cNvPr id="39" name="フリーフォーム 38">
+            <a:extLst>
+              <a:ext uri="{FF2B5EF4-FFF2-40B4-BE49-F238E27FC236}">
+                <a16:creationId xmlns:a16="http://schemas.microsoft.com/office/drawing/2014/main" id="{7669D91D-848E-E14F-AFA3-6DB87EC8DFC3}"/>
+              </a:ext>
+            </a:extLst>
+          </p:cNvPr>
+          <p:cNvSpPr/>
+          <p:nvPr/>
+        </p:nvSpPr>
+        <p:spPr>
+          <a:xfrm rot="10800000">
+            <a:off x="2296160" y="2773474"/>
+            <a:ext cx="2204720" cy="752046"/>
+          </a:xfrm>
+          <a:custGeom>
+            <a:avLst/>
+            <a:gdLst>
+              <a:gd name="connsiteX0" fmla="*/ 0 w 2286000"/>
+              <a:gd name="connsiteY0" fmla="*/ 782526 h 782526"/>
+              <a:gd name="connsiteX1" fmla="*/ 1229360 w 2286000"/>
+              <a:gd name="connsiteY1" fmla="*/ 206 h 782526"/>
+              <a:gd name="connsiteX2" fmla="*/ 2286000 w 2286000"/>
+              <a:gd name="connsiteY2" fmla="*/ 721566 h 782526"/>
+            </a:gdLst>
+            <a:ahLst/>
+            <a:cxnLst>
+              <a:cxn ang="0">
+                <a:pos x="connsiteX0" y="connsiteY0"/>
+              </a:cxn>
+              <a:cxn ang="0">
+                <a:pos x="connsiteX1" y="connsiteY1"/>
+              </a:cxn>
+              <a:cxn ang="0">
+                <a:pos x="connsiteX2" y="connsiteY2"/>
+              </a:cxn>
+            </a:cxnLst>
+            <a:rect l="l" t="t" r="r" b="b"/>
+            <a:pathLst>
+              <a:path w="2286000" h="782526">
+                <a:moveTo>
+                  <a:pt x="0" y="782526"/>
+                </a:moveTo>
+                <a:cubicBezTo>
+                  <a:pt x="424180" y="396446"/>
+                  <a:pt x="848360" y="10366"/>
+                  <a:pt x="1229360" y="206"/>
+                </a:cubicBezTo>
+                <a:cubicBezTo>
+                  <a:pt x="1610360" y="-9954"/>
+                  <a:pt x="1948180" y="355806"/>
+                  <a:pt x="2286000" y="721566"/>
+                </a:cubicBezTo>
+              </a:path>
+            </a:pathLst>
+          </a:custGeom>
+          <a:noFill/>
+          <a:ln w="38100">
+            <a:solidFill>
+              <a:schemeClr val="tx1"/>
+            </a:solidFill>
+            <a:prstDash val="sysDash"/>
+          </a:ln>
+        </p:spPr>
+        <p:style>
+          <a:lnRef idx="2">
+            <a:schemeClr val="accent1">
+              <a:shade val="50000"/>
+            </a:schemeClr>
+          </a:lnRef>
+          <a:fillRef idx="1">
+            <a:schemeClr val="accent1"/>
+          </a:fillRef>
+          <a:effectRef idx="0">
+            <a:schemeClr val="accent1"/>
+          </a:effectRef>
+          <a:fontRef idx="minor">
+            <a:schemeClr val="lt1"/>
+          </a:fontRef>
+        </p:style>
+        <p:txBody>
+          <a:bodyPr rtlCol="0" anchor="ctr"/>
+          <a:lstStyle/>
+          <a:p>
+            <a:pPr algn="ctr"/>
+            <a:endParaRPr kumimoji="1" lang="ja-JP" altLang="en-US"/>
+          </a:p>
+        </p:txBody>
+      </p:sp>
+      <p:sp>
+        <p:nvSpPr>
+          <p:cNvPr id="40" name="フリーフォーム 39">
+            <a:extLst>
+              <a:ext uri="{FF2B5EF4-FFF2-40B4-BE49-F238E27FC236}">
+                <a16:creationId xmlns:a16="http://schemas.microsoft.com/office/drawing/2014/main" id="{C526472F-A1EA-C043-8989-3297802C5A21}"/>
+              </a:ext>
+            </a:extLst>
+          </p:cNvPr>
+          <p:cNvSpPr/>
+          <p:nvPr/>
+        </p:nvSpPr>
+        <p:spPr>
+          <a:xfrm rot="10800000">
+            <a:off x="4602480" y="2702354"/>
+            <a:ext cx="2245360" cy="843486"/>
+          </a:xfrm>
+          <a:custGeom>
+            <a:avLst/>
+            <a:gdLst>
+              <a:gd name="connsiteX0" fmla="*/ 0 w 2286000"/>
+              <a:gd name="connsiteY0" fmla="*/ 782526 h 782526"/>
+              <a:gd name="connsiteX1" fmla="*/ 1229360 w 2286000"/>
+              <a:gd name="connsiteY1" fmla="*/ 206 h 782526"/>
+              <a:gd name="connsiteX2" fmla="*/ 2286000 w 2286000"/>
+              <a:gd name="connsiteY2" fmla="*/ 721566 h 782526"/>
+            </a:gdLst>
+            <a:ahLst/>
+            <a:cxnLst>
+              <a:cxn ang="0">
+                <a:pos x="connsiteX0" y="connsiteY0"/>
+              </a:cxn>
+              <a:cxn ang="0">
+                <a:pos x="connsiteX1" y="connsiteY1"/>
+              </a:cxn>
+              <a:cxn ang="0">
+                <a:pos x="connsiteX2" y="connsiteY2"/>
+              </a:cxn>
+            </a:cxnLst>
+            <a:rect l="l" t="t" r="r" b="b"/>
+            <a:pathLst>
+              <a:path w="2286000" h="782526">
+                <a:moveTo>
+                  <a:pt x="0" y="782526"/>
+                </a:moveTo>
+                <a:cubicBezTo>
+                  <a:pt x="424180" y="396446"/>
+                  <a:pt x="848360" y="10366"/>
+                  <a:pt x="1229360" y="206"/>
+                </a:cubicBezTo>
+                <a:cubicBezTo>
+                  <a:pt x="1610360" y="-9954"/>
+                  <a:pt x="1948180" y="355806"/>
+                  <a:pt x="2286000" y="721566"/>
+                </a:cubicBezTo>
+              </a:path>
+            </a:pathLst>
+          </a:custGeom>
+          <a:noFill/>
+          <a:ln w="38100">
+            <a:solidFill>
+              <a:srgbClr val="FF0000"/>
+            </a:solidFill>
+          </a:ln>
+        </p:spPr>
+        <p:style>
+          <a:lnRef idx="2">
+            <a:schemeClr val="accent1">
+              <a:shade val="50000"/>
+            </a:schemeClr>
+          </a:lnRef>
+          <a:fillRef idx="1">
+            <a:schemeClr val="accent1"/>
+          </a:fillRef>
+          <a:effectRef idx="0">
+            <a:schemeClr val="accent1"/>
+          </a:effectRef>
+          <a:fontRef idx="minor">
+            <a:schemeClr val="lt1"/>
+          </a:fontRef>
+        </p:style>
+        <p:txBody>
+          <a:bodyPr rtlCol="0" anchor="ctr"/>
+          <a:lstStyle/>
+          <a:p>
+            <a:pPr algn="ctr"/>
+            <a:endParaRPr kumimoji="1" lang="ja-JP" altLang="en-US"/>
+          </a:p>
+        </p:txBody>
+      </p:sp>
+      <p:sp>
+        <p:nvSpPr>
+          <p:cNvPr id="2" name="円/楕円 1">
+            <a:extLst>
+              <a:ext uri="{FF2B5EF4-FFF2-40B4-BE49-F238E27FC236}">
+                <a16:creationId xmlns:a16="http://schemas.microsoft.com/office/drawing/2014/main" id="{AF953D13-2078-A849-9395-D86F75192821}"/>
+              </a:ext>
+            </a:extLst>
+          </p:cNvPr>
+          <p:cNvSpPr/>
+          <p:nvPr/>
+        </p:nvSpPr>
+        <p:spPr>
+          <a:xfrm>
+            <a:off x="2082800" y="2509520"/>
+            <a:ext cx="375920" cy="335280"/>
+          </a:xfrm>
+          <a:prstGeom prst="ellipse">
+            <a:avLst/>
+          </a:prstGeom>
+          <a:solidFill>
+            <a:srgbClr val="FF0000"/>
+          </a:solidFill>
+          <a:ln>
+            <a:solidFill>
+              <a:schemeClr val="tx1"/>
+            </a:solidFill>
+          </a:ln>
+        </p:spPr>
+        <p:style>
+          <a:lnRef idx="2">
+            <a:schemeClr val="accent1">
+              <a:shade val="50000"/>
+            </a:schemeClr>
+          </a:lnRef>
+          <a:fillRef idx="1">
+            <a:schemeClr val="accent1"/>
+          </a:fillRef>
+          <a:effectRef idx="0">
+            <a:schemeClr val="accent1"/>
+          </a:effectRef>
+          <a:fontRef idx="minor">
+            <a:schemeClr val="lt1"/>
+          </a:fontRef>
+        </p:style>
+        <p:txBody>
+          <a:bodyPr rtlCol="0" anchor="ctr"/>
+          <a:lstStyle/>
+          <a:p>
+            <a:pPr algn="ctr"/>
+            <a:r>
+              <a:rPr kumimoji="1" lang="en-US" altLang="ja-JP">
+                <a:solidFill>
+                  <a:schemeClr val="tx1"/>
+                </a:solidFill>
+              </a:rPr>
+              <a:t>A</a:t>
+            </a:r>
+            <a:endParaRPr kumimoji="1" lang="ja-JP" altLang="en-US">
+              <a:solidFill>
+                <a:schemeClr val="tx1"/>
+              </a:solidFill>
+            </a:endParaRPr>
+          </a:p>
+        </p:txBody>
+      </p:sp>
+      <p:sp>
+        <p:nvSpPr>
+          <p:cNvPr id="6" name="円/楕円 5">
+            <a:extLst>
+              <a:ext uri="{FF2B5EF4-FFF2-40B4-BE49-F238E27FC236}">
+                <a16:creationId xmlns:a16="http://schemas.microsoft.com/office/drawing/2014/main" id="{F8CF50CD-DF04-5646-B6D8-53168FA5ADDE}"/>
+              </a:ext>
+            </a:extLst>
+          </p:cNvPr>
+          <p:cNvSpPr/>
+          <p:nvPr/>
+        </p:nvSpPr>
+        <p:spPr>
+          <a:xfrm>
+            <a:off x="4348480" y="2438400"/>
+            <a:ext cx="375920" cy="335280"/>
+          </a:xfrm>
+          <a:prstGeom prst="ellipse">
+            <a:avLst/>
+          </a:prstGeom>
+          <a:solidFill>
+            <a:schemeClr val="bg1"/>
+          </a:solidFill>
+          <a:ln>
+            <a:solidFill>
+              <a:schemeClr val="tx1"/>
+            </a:solidFill>
+          </a:ln>
+        </p:spPr>
+        <p:style>
+          <a:lnRef idx="2">
+            <a:schemeClr val="accent1">
+              <a:shade val="50000"/>
+            </a:schemeClr>
+          </a:lnRef>
+          <a:fillRef idx="1">
+            <a:schemeClr val="accent1"/>
+          </a:fillRef>
+          <a:effectRef idx="0">
+            <a:schemeClr val="accent1"/>
+          </a:effectRef>
+          <a:fontRef idx="minor">
+            <a:schemeClr val="lt1"/>
+          </a:fontRef>
+        </p:style>
+        <p:txBody>
+          <a:bodyPr rtlCol="0" anchor="ctr"/>
+          <a:lstStyle/>
+          <a:p>
+            <a:pPr algn="ctr"/>
+            <a:r>
+              <a:rPr kumimoji="1" lang="en-US" altLang="ja-JP">
+                <a:solidFill>
+                  <a:schemeClr val="tx1"/>
+                </a:solidFill>
+              </a:rPr>
+              <a:t>E</a:t>
+            </a:r>
+            <a:endParaRPr kumimoji="1" lang="ja-JP" altLang="en-US">
+              <a:solidFill>
+                <a:schemeClr val="tx1"/>
+              </a:solidFill>
+            </a:endParaRPr>
+          </a:p>
+        </p:txBody>
+      </p:sp>
+      <p:sp>
+        <p:nvSpPr>
+          <p:cNvPr id="10" name="円/楕円 9">
+            <a:extLst>
+              <a:ext uri="{FF2B5EF4-FFF2-40B4-BE49-F238E27FC236}">
+                <a16:creationId xmlns:a16="http://schemas.microsoft.com/office/drawing/2014/main" id="{59FA4133-1791-CA48-99FB-ECB23929E555}"/>
+              </a:ext>
+            </a:extLst>
+          </p:cNvPr>
+          <p:cNvSpPr/>
+          <p:nvPr/>
+        </p:nvSpPr>
+        <p:spPr>
+          <a:xfrm>
+            <a:off x="6685280" y="2489200"/>
+            <a:ext cx="375920" cy="335280"/>
+          </a:xfrm>
+          <a:prstGeom prst="ellipse">
+            <a:avLst/>
+          </a:prstGeom>
+          <a:solidFill>
+            <a:schemeClr val="accent1"/>
+          </a:solidFill>
+          <a:ln>
+            <a:solidFill>
+              <a:schemeClr val="tx1"/>
+            </a:solidFill>
+          </a:ln>
+        </p:spPr>
+        <p:style>
+          <a:lnRef idx="2">
+            <a:schemeClr val="accent1">
+              <a:shade val="50000"/>
+            </a:schemeClr>
+          </a:lnRef>
+          <a:fillRef idx="1">
+            <a:schemeClr val="accent1"/>
+          </a:fillRef>
+          <a:effectRef idx="0">
+            <a:schemeClr val="accent1"/>
+          </a:effectRef>
+          <a:fontRef idx="minor">
+            <a:schemeClr val="lt1"/>
+          </a:fontRef>
+        </p:style>
+        <p:txBody>
+          <a:bodyPr rtlCol="0" anchor="ctr"/>
+          <a:lstStyle/>
+          <a:p>
+            <a:pPr algn="ctr"/>
+            <a:r>
+              <a:rPr kumimoji="1" lang="en-US" altLang="ja-JP">
+                <a:solidFill>
+                  <a:schemeClr val="tx1"/>
+                </a:solidFill>
+              </a:rPr>
+              <a:t>I</a:t>
+            </a:r>
+            <a:endParaRPr kumimoji="1" lang="ja-JP" altLang="en-US">
+              <a:solidFill>
+                <a:schemeClr val="tx1"/>
+              </a:solidFill>
+            </a:endParaRPr>
+          </a:p>
+        </p:txBody>
+      </p:sp>
+      <p:sp>
+        <p:nvSpPr>
+          <p:cNvPr id="41" name="テキスト ボックス 40">
+            <a:extLst>
+              <a:ext uri="{FF2B5EF4-FFF2-40B4-BE49-F238E27FC236}">
+                <a16:creationId xmlns:a16="http://schemas.microsoft.com/office/drawing/2014/main" id="{2E0C10C2-C2B4-AF4F-900D-8093589B5EC1}"/>
+              </a:ext>
+            </a:extLst>
+          </p:cNvPr>
+          <p:cNvSpPr txBox="1"/>
+          <p:nvPr/>
+        </p:nvSpPr>
+        <p:spPr>
+          <a:xfrm>
+            <a:off x="2580640" y="3870960"/>
+            <a:ext cx="4086503" cy="646331"/>
+          </a:xfrm>
+          <a:prstGeom prst="rect">
+            <a:avLst/>
+          </a:prstGeom>
+          <a:noFill/>
+        </p:spPr>
+        <p:txBody>
+          <a:bodyPr wrap="none" rtlCol="0">
+            <a:spAutoFit/>
+          </a:bodyPr>
+          <a:lstStyle/>
+          <a:p>
+            <a:r>
+              <a:rPr kumimoji="1" lang="ja-JP" altLang="en-US"/>
+              <a:t>最短パスが</a:t>
+            </a:r>
+            <a:r>
+              <a:rPr kumimoji="1" lang="en-US" altLang="ja-JP"/>
+              <a:t>A-E-I</a:t>
+            </a:r>
+            <a:r>
+              <a:rPr kumimoji="1" lang="ja-JP" altLang="en-US"/>
+              <a:t>という経路であれば、</a:t>
+            </a:r>
+            <a:endParaRPr kumimoji="1" lang="en-US" altLang="ja-JP"/>
+          </a:p>
+          <a:p>
+            <a:r>
+              <a:rPr lang="en-US" altLang="ja-JP"/>
+              <a:t>A-E</a:t>
+            </a:r>
+            <a:r>
+              <a:rPr lang="ja-JP" altLang="en-US"/>
+              <a:t>のパス、</a:t>
+            </a:r>
+            <a:r>
+              <a:rPr lang="en-US" altLang="ja-JP"/>
+              <a:t>E-I</a:t>
+            </a:r>
+            <a:r>
+              <a:rPr lang="ja-JP" altLang="en-US"/>
+              <a:t>のパスも最短である</a:t>
+            </a:r>
+            <a:endParaRPr kumimoji="1" lang="ja-JP" altLang="en-US"/>
+          </a:p>
+        </p:txBody>
+      </p:sp>
+      <p:sp>
+        <p:nvSpPr>
+          <p:cNvPr id="42" name="テキスト ボックス 41">
+            <a:extLst>
+              <a:ext uri="{FF2B5EF4-FFF2-40B4-BE49-F238E27FC236}">
+                <a16:creationId xmlns:a16="http://schemas.microsoft.com/office/drawing/2014/main" id="{03233C18-241D-534A-A9E4-34F10BAD9F33}"/>
+              </a:ext>
+            </a:extLst>
+          </p:cNvPr>
+          <p:cNvSpPr txBox="1"/>
+          <p:nvPr/>
+        </p:nvSpPr>
+        <p:spPr>
+          <a:xfrm>
+            <a:off x="2834640" y="721360"/>
+            <a:ext cx="3518912" cy="400110"/>
+          </a:xfrm>
+          <a:prstGeom prst="rect">
+            <a:avLst/>
+          </a:prstGeom>
+          <a:noFill/>
+        </p:spPr>
+        <p:txBody>
+          <a:bodyPr wrap="none" rtlCol="0">
+            <a:spAutoFit/>
+          </a:bodyPr>
+          <a:lstStyle/>
+          <a:p>
+            <a:r>
+              <a:rPr kumimoji="1" lang="ja-JP" altLang="en-US" sz="2000"/>
+              <a:t>最短経路探索問題の部分問題</a:t>
+            </a:r>
+          </a:p>
+        </p:txBody>
+      </p:sp>
+      <p:sp>
+        <p:nvSpPr>
+          <p:cNvPr id="43" name="テキスト ボックス 42">
+            <a:extLst>
+              <a:ext uri="{FF2B5EF4-FFF2-40B4-BE49-F238E27FC236}">
+                <a16:creationId xmlns:a16="http://schemas.microsoft.com/office/drawing/2014/main" id="{633D3656-CE45-3346-8E93-2604103E18E1}"/>
+              </a:ext>
+            </a:extLst>
+          </p:cNvPr>
+          <p:cNvSpPr txBox="1"/>
+          <p:nvPr/>
+        </p:nvSpPr>
+        <p:spPr>
+          <a:xfrm>
+            <a:off x="3251200" y="1402080"/>
+            <a:ext cx="301686" cy="369332"/>
+          </a:xfrm>
+          <a:prstGeom prst="rect">
+            <a:avLst/>
+          </a:prstGeom>
+          <a:noFill/>
+        </p:spPr>
+        <p:txBody>
+          <a:bodyPr wrap="none" rtlCol="0">
+            <a:spAutoFit/>
+          </a:bodyPr>
+          <a:lstStyle/>
+          <a:p>
+            <a:r>
+              <a:rPr kumimoji="1" lang="en-US" altLang="ja-JP"/>
+              <a:t>3</a:t>
+            </a:r>
+            <a:endParaRPr kumimoji="1" lang="ja-JP" altLang="en-US"/>
+          </a:p>
+        </p:txBody>
+      </p:sp>
+      <p:sp>
+        <p:nvSpPr>
+          <p:cNvPr id="44" name="テキスト ボックス 43">
+            <a:extLst>
+              <a:ext uri="{FF2B5EF4-FFF2-40B4-BE49-F238E27FC236}">
+                <a16:creationId xmlns:a16="http://schemas.microsoft.com/office/drawing/2014/main" id="{F5E3E0AC-F048-2849-8769-2ACCD77EE88D}"/>
+              </a:ext>
+            </a:extLst>
+          </p:cNvPr>
+          <p:cNvSpPr txBox="1"/>
+          <p:nvPr/>
+        </p:nvSpPr>
+        <p:spPr>
+          <a:xfrm>
+            <a:off x="5496560" y="3129280"/>
+            <a:ext cx="418704" cy="369332"/>
+          </a:xfrm>
+          <a:prstGeom prst="rect">
+            <a:avLst/>
+          </a:prstGeom>
+          <a:noFill/>
+        </p:spPr>
+        <p:txBody>
+          <a:bodyPr wrap="none" rtlCol="0">
+            <a:spAutoFit/>
+          </a:bodyPr>
+          <a:lstStyle/>
+          <a:p>
+            <a:r>
+              <a:rPr kumimoji="1" lang="en-US" altLang="ja-JP"/>
+              <a:t>10</a:t>
+            </a:r>
+            <a:endParaRPr kumimoji="1" lang="ja-JP" altLang="en-US"/>
+          </a:p>
+        </p:txBody>
+      </p:sp>
+    </p:spTree>
+    <p:extLst>
+      <p:ext uri="{BB962C8B-B14F-4D97-AF65-F5344CB8AC3E}">
+        <p14:creationId xmlns:p14="http://schemas.microsoft.com/office/powerpoint/2010/main" val="4062902195"/>
+      </p:ext>
+    </p:extLst>
+  </p:cSld>
+  <p:clrMapOvr>
+    <a:masterClrMapping/>
+  </p:clrMapOvr>
+</p:sld>
+</file>
+
+<file path=ppt/slides/slide6.xml><?xml version="1.0" encoding="utf-8"?>
+<p:sld xmlns:a="http://schemas.openxmlformats.org/drawingml/2006/main" xmlns:r="http://schemas.openxmlformats.org/officeDocument/2006/relationships" xmlns:p="http://schemas.openxmlformats.org/presentationml/2006/main">
+  <p:cSld>
+    <p:spTree>
+      <p:nvGrpSpPr>
+        <p:cNvPr id="1" name=""/>
+        <p:cNvGrpSpPr/>
+        <p:nvPr/>
+      </p:nvGrpSpPr>
+      <p:grpSpPr>
+        <a:xfrm>
+          <a:off x="0" y="0"/>
+          <a:ext cx="0" cy="0"/>
+          <a:chOff x="0" y="0"/>
+          <a:chExt cx="0" cy="0"/>
+        </a:xfrm>
+      </p:grpSpPr>
+      <p:sp>
+        <p:nvSpPr>
+          <p:cNvPr id="3" name="円/楕円 2">
+            <a:extLst>
+              <a:ext uri="{FF2B5EF4-FFF2-40B4-BE49-F238E27FC236}">
+                <a16:creationId xmlns:a16="http://schemas.microsoft.com/office/drawing/2014/main" id="{E3099D6A-5E54-624C-BE6F-C0765C1A2CAD}"/>
+              </a:ext>
+            </a:extLst>
+          </p:cNvPr>
+          <p:cNvSpPr/>
+          <p:nvPr/>
+        </p:nvSpPr>
+        <p:spPr>
+          <a:xfrm>
+            <a:off x="2082800" y="2722880"/>
+            <a:ext cx="375920" cy="335280"/>
+          </a:xfrm>
+          <a:prstGeom prst="ellipse">
+            <a:avLst/>
+          </a:prstGeom>
+          <a:solidFill>
+            <a:srgbClr val="FF0000"/>
+          </a:solidFill>
+          <a:ln>
+            <a:solidFill>
+              <a:schemeClr val="tx1"/>
+            </a:solidFill>
+          </a:ln>
+        </p:spPr>
+        <p:style>
+          <a:lnRef idx="2">
+            <a:schemeClr val="accent1">
+              <a:shade val="50000"/>
+            </a:schemeClr>
+          </a:lnRef>
+          <a:fillRef idx="1">
+            <a:schemeClr val="accent1"/>
+          </a:fillRef>
+          <a:effectRef idx="0">
+            <a:schemeClr val="accent1"/>
+          </a:effectRef>
+          <a:fontRef idx="minor">
+            <a:schemeClr val="lt1"/>
+          </a:fontRef>
+        </p:style>
+        <p:txBody>
+          <a:bodyPr rtlCol="0" anchor="ctr"/>
+          <a:lstStyle/>
+          <a:p>
+            <a:pPr algn="ctr"/>
+            <a:r>
+              <a:rPr kumimoji="1" lang="en-US" altLang="ja-JP">
+                <a:solidFill>
+                  <a:schemeClr val="tx1"/>
+                </a:solidFill>
+              </a:rPr>
+              <a:t>A</a:t>
+            </a:r>
+            <a:endParaRPr kumimoji="1" lang="ja-JP" altLang="en-US">
+              <a:solidFill>
+                <a:schemeClr val="tx1"/>
+              </a:solidFill>
+            </a:endParaRPr>
+          </a:p>
+        </p:txBody>
+      </p:sp>
+      <p:sp>
+        <p:nvSpPr>
+          <p:cNvPr id="4" name="円/楕円 3">
+            <a:extLst>
+              <a:ext uri="{FF2B5EF4-FFF2-40B4-BE49-F238E27FC236}">
+                <a16:creationId xmlns:a16="http://schemas.microsoft.com/office/drawing/2014/main" id="{6F160F01-CB2E-5F4C-8348-7B94A0C5F12A}"/>
+              </a:ext>
+            </a:extLst>
+          </p:cNvPr>
+          <p:cNvSpPr/>
+          <p:nvPr/>
+        </p:nvSpPr>
+        <p:spPr>
+          <a:xfrm>
+            <a:off x="5445760" y="1960880"/>
+            <a:ext cx="375920" cy="335280"/>
+          </a:xfrm>
+          <a:prstGeom prst="ellipse">
+            <a:avLst/>
+          </a:prstGeom>
+          <a:noFill/>
+          <a:ln>
+            <a:solidFill>
+              <a:schemeClr val="tx1"/>
+            </a:solidFill>
+          </a:ln>
+        </p:spPr>
+        <p:style>
+          <a:lnRef idx="2">
+            <a:schemeClr val="accent1">
+              <a:shade val="50000"/>
+            </a:schemeClr>
+          </a:lnRef>
+          <a:fillRef idx="1">
+            <a:schemeClr val="accent1"/>
+          </a:fillRef>
+          <a:effectRef idx="0">
+            <a:schemeClr val="accent1"/>
+          </a:effectRef>
+          <a:fontRef idx="minor">
+            <a:schemeClr val="lt1"/>
+          </a:fontRef>
+        </p:style>
+        <p:txBody>
+          <a:bodyPr rtlCol="0" anchor="ctr"/>
+          <a:lstStyle/>
+          <a:p>
+            <a:pPr algn="ctr"/>
+            <a:r>
+              <a:rPr kumimoji="1" lang="en-US" altLang="ja-JP">
+                <a:solidFill>
+                  <a:schemeClr val="tx1"/>
+                </a:solidFill>
+              </a:rPr>
+              <a:t>G</a:t>
+            </a:r>
+            <a:endParaRPr kumimoji="1" lang="ja-JP" altLang="en-US">
+              <a:solidFill>
+                <a:schemeClr val="tx1"/>
+              </a:solidFill>
+            </a:endParaRPr>
+          </a:p>
+        </p:txBody>
+      </p:sp>
+      <p:sp>
+        <p:nvSpPr>
+          <p:cNvPr id="6" name="円/楕円 5">
+            <a:extLst>
+              <a:ext uri="{FF2B5EF4-FFF2-40B4-BE49-F238E27FC236}">
+                <a16:creationId xmlns:a16="http://schemas.microsoft.com/office/drawing/2014/main" id="{7B4CF4EE-5B54-044C-BA87-014E24F6A1EE}"/>
+              </a:ext>
+            </a:extLst>
+          </p:cNvPr>
+          <p:cNvSpPr/>
+          <p:nvPr/>
+        </p:nvSpPr>
+        <p:spPr>
+          <a:xfrm>
+            <a:off x="6685280" y="2702560"/>
+            <a:ext cx="375920" cy="335280"/>
+          </a:xfrm>
+          <a:prstGeom prst="ellipse">
+            <a:avLst/>
+          </a:prstGeom>
+          <a:solidFill>
+            <a:schemeClr val="accent1"/>
+          </a:solidFill>
+          <a:ln>
+            <a:solidFill>
+              <a:schemeClr val="tx1"/>
+            </a:solidFill>
+          </a:ln>
+        </p:spPr>
+        <p:style>
+          <a:lnRef idx="2">
+            <a:schemeClr val="accent1">
+              <a:shade val="50000"/>
+            </a:schemeClr>
+          </a:lnRef>
+          <a:fillRef idx="1">
+            <a:schemeClr val="accent1"/>
+          </a:fillRef>
+          <a:effectRef idx="0">
+            <a:schemeClr val="accent1"/>
+          </a:effectRef>
+          <a:fontRef idx="minor">
+            <a:schemeClr val="lt1"/>
+          </a:fontRef>
+        </p:style>
+        <p:txBody>
+          <a:bodyPr rtlCol="0" anchor="ctr"/>
+          <a:lstStyle/>
+          <a:p>
+            <a:pPr algn="ctr"/>
+            <a:r>
+              <a:rPr kumimoji="1" lang="en-US" altLang="ja-JP">
+                <a:solidFill>
+                  <a:schemeClr val="tx1"/>
+                </a:solidFill>
+              </a:rPr>
+              <a:t>I</a:t>
+            </a:r>
+            <a:endParaRPr kumimoji="1" lang="ja-JP" altLang="en-US">
+              <a:solidFill>
+                <a:schemeClr val="tx1"/>
+              </a:solidFill>
+            </a:endParaRPr>
+          </a:p>
+        </p:txBody>
+      </p:sp>
+      <p:cxnSp>
+        <p:nvCxnSpPr>
+          <p:cNvPr id="10" name="直線コネクタ 9">
+            <a:extLst>
+              <a:ext uri="{FF2B5EF4-FFF2-40B4-BE49-F238E27FC236}">
+                <a16:creationId xmlns:a16="http://schemas.microsoft.com/office/drawing/2014/main" id="{E2BE652F-E035-7042-A6A9-77FA73E18BA1}"/>
+              </a:ext>
+            </a:extLst>
+          </p:cNvPr>
+          <p:cNvCxnSpPr>
+            <a:cxnSpLocks/>
+          </p:cNvCxnSpPr>
+          <p:nvPr/>
+        </p:nvCxnSpPr>
+        <p:spPr>
+          <a:xfrm>
+            <a:off x="5821680" y="2128520"/>
+            <a:ext cx="918652" cy="623141"/>
+          </a:xfrm>
+          <a:prstGeom prst="line">
+            <a:avLst/>
+          </a:prstGeom>
+          <a:ln w="12700">
+            <a:solidFill>
+              <a:schemeClr val="tx1"/>
+            </a:solidFill>
+          </a:ln>
+        </p:spPr>
+        <p:style>
+          <a:lnRef idx="1">
+            <a:schemeClr val="accent1"/>
+          </a:lnRef>
+          <a:fillRef idx="0">
+            <a:schemeClr val="accent1"/>
+          </a:fillRef>
+          <a:effectRef idx="0">
+            <a:schemeClr val="accent1"/>
+          </a:effectRef>
+          <a:fontRef idx="minor">
+            <a:schemeClr val="tx1"/>
+          </a:fontRef>
+        </p:style>
+      </p:cxnSp>
+      <p:cxnSp>
+        <p:nvCxnSpPr>
+          <p:cNvPr id="11" name="直線コネクタ 10">
+            <a:extLst>
+              <a:ext uri="{FF2B5EF4-FFF2-40B4-BE49-F238E27FC236}">
+                <a16:creationId xmlns:a16="http://schemas.microsoft.com/office/drawing/2014/main" id="{190F81DD-D824-1440-870A-CE5954CF4099}"/>
+              </a:ext>
+            </a:extLst>
+          </p:cNvPr>
+          <p:cNvCxnSpPr/>
+          <p:nvPr/>
+        </p:nvCxnSpPr>
+        <p:spPr>
+          <a:xfrm flipV="1">
+            <a:off x="5821680" y="2988739"/>
+            <a:ext cx="918652" cy="572341"/>
+          </a:xfrm>
+          <a:prstGeom prst="line">
+            <a:avLst/>
+          </a:prstGeom>
+          <a:ln w="12700">
+            <a:solidFill>
+              <a:schemeClr val="tx1"/>
+            </a:solidFill>
+          </a:ln>
+        </p:spPr>
+        <p:style>
+          <a:lnRef idx="1">
+            <a:schemeClr val="accent1"/>
+          </a:lnRef>
+          <a:fillRef idx="0">
+            <a:schemeClr val="accent1"/>
+          </a:fillRef>
+          <a:effectRef idx="0">
+            <a:schemeClr val="accent1"/>
+          </a:effectRef>
+          <a:fontRef idx="minor">
+            <a:schemeClr val="tx1"/>
+          </a:fontRef>
+        </p:style>
+      </p:cxnSp>
+      <p:sp>
+        <p:nvSpPr>
+          <p:cNvPr id="12" name="テキスト ボックス 11">
+            <a:extLst>
+              <a:ext uri="{FF2B5EF4-FFF2-40B4-BE49-F238E27FC236}">
+                <a16:creationId xmlns:a16="http://schemas.microsoft.com/office/drawing/2014/main" id="{8E6ED50A-2210-1B46-933A-661648A476BB}"/>
+              </a:ext>
+            </a:extLst>
+          </p:cNvPr>
+          <p:cNvSpPr txBox="1"/>
+          <p:nvPr/>
+        </p:nvSpPr>
+        <p:spPr>
+          <a:xfrm>
+            <a:off x="6289040" y="2174240"/>
+            <a:ext cx="301686" cy="369332"/>
+          </a:xfrm>
+          <a:prstGeom prst="rect">
+            <a:avLst/>
+          </a:prstGeom>
+          <a:noFill/>
+        </p:spPr>
+        <p:txBody>
+          <a:bodyPr wrap="none" rtlCol="0">
+            <a:spAutoFit/>
+          </a:bodyPr>
+          <a:lstStyle/>
+          <a:p>
+            <a:r>
+              <a:rPr lang="en-US" altLang="ja-JP"/>
+              <a:t>1</a:t>
+            </a:r>
+            <a:endParaRPr kumimoji="1" lang="ja-JP" altLang="en-US"/>
+          </a:p>
+        </p:txBody>
+      </p:sp>
+      <p:sp>
+        <p:nvSpPr>
+          <p:cNvPr id="13" name="テキスト ボックス 12">
+            <a:extLst>
+              <a:ext uri="{FF2B5EF4-FFF2-40B4-BE49-F238E27FC236}">
+                <a16:creationId xmlns:a16="http://schemas.microsoft.com/office/drawing/2014/main" id="{CB54A81E-681E-A847-BCD0-97E7EB3F48D4}"/>
+              </a:ext>
+            </a:extLst>
+          </p:cNvPr>
+          <p:cNvSpPr txBox="1"/>
+          <p:nvPr/>
+        </p:nvSpPr>
+        <p:spPr>
+          <a:xfrm>
+            <a:off x="6258560" y="3302000"/>
+            <a:ext cx="301686" cy="369332"/>
+          </a:xfrm>
+          <a:prstGeom prst="rect">
+            <a:avLst/>
+          </a:prstGeom>
+          <a:noFill/>
+        </p:spPr>
+        <p:txBody>
+          <a:bodyPr wrap="none" rtlCol="0">
+            <a:spAutoFit/>
+          </a:bodyPr>
+          <a:lstStyle/>
+          <a:p>
+            <a:r>
+              <a:rPr lang="en-US" altLang="ja-JP"/>
+              <a:t>2</a:t>
+            </a:r>
+            <a:endParaRPr kumimoji="1" lang="ja-JP" altLang="en-US"/>
+          </a:p>
+        </p:txBody>
+      </p:sp>
+      <p:sp>
+        <p:nvSpPr>
+          <p:cNvPr id="14" name="テキスト ボックス 13">
+            <a:extLst>
+              <a:ext uri="{FF2B5EF4-FFF2-40B4-BE49-F238E27FC236}">
+                <a16:creationId xmlns:a16="http://schemas.microsoft.com/office/drawing/2014/main" id="{B5BA96B6-E0DF-0943-B9B6-A22F3E6079A7}"/>
+              </a:ext>
+            </a:extLst>
+          </p:cNvPr>
+          <p:cNvSpPr txBox="1"/>
+          <p:nvPr/>
+        </p:nvSpPr>
+        <p:spPr>
+          <a:xfrm>
+            <a:off x="3840480" y="2052320"/>
+            <a:ext cx="418704" cy="369332"/>
+          </a:xfrm>
+          <a:prstGeom prst="rect">
+            <a:avLst/>
+          </a:prstGeom>
+          <a:noFill/>
+        </p:spPr>
+        <p:txBody>
+          <a:bodyPr wrap="none" rtlCol="0">
+            <a:spAutoFit/>
+          </a:bodyPr>
+          <a:lstStyle/>
+          <a:p>
+            <a:r>
+              <a:rPr kumimoji="1" lang="en-US" altLang="ja-JP"/>
+              <a:t>13</a:t>
+            </a:r>
+            <a:endParaRPr kumimoji="1" lang="ja-JP" altLang="en-US"/>
+          </a:p>
+        </p:txBody>
+      </p:sp>
+      <p:sp>
+        <p:nvSpPr>
+          <p:cNvPr id="15" name="テキスト ボックス 14">
+            <a:extLst>
+              <a:ext uri="{FF2B5EF4-FFF2-40B4-BE49-F238E27FC236}">
+                <a16:creationId xmlns:a16="http://schemas.microsoft.com/office/drawing/2014/main" id="{8DCFDC02-F357-4F4E-B151-82755314FEEC}"/>
+              </a:ext>
+            </a:extLst>
+          </p:cNvPr>
+          <p:cNvSpPr txBox="1"/>
+          <p:nvPr/>
+        </p:nvSpPr>
+        <p:spPr>
+          <a:xfrm>
+            <a:off x="1727200" y="843280"/>
+            <a:ext cx="5314275" cy="400110"/>
+          </a:xfrm>
+          <a:prstGeom prst="rect">
+            <a:avLst/>
+          </a:prstGeom>
+          <a:noFill/>
+        </p:spPr>
+        <p:txBody>
+          <a:bodyPr wrap="none" rtlCol="0">
+            <a:spAutoFit/>
+          </a:bodyPr>
+          <a:lstStyle/>
+          <a:p>
+            <a:r>
+              <a:rPr kumimoji="1" lang="ja-JP" altLang="en-US" sz="2000"/>
+              <a:t>部分問題が解けている時の「最後の仕上げ」</a:t>
+            </a:r>
+          </a:p>
+        </p:txBody>
+      </p:sp>
+      <p:sp>
+        <p:nvSpPr>
+          <p:cNvPr id="16" name="テキスト ボックス 15">
+            <a:extLst>
+              <a:ext uri="{FF2B5EF4-FFF2-40B4-BE49-F238E27FC236}">
+                <a16:creationId xmlns:a16="http://schemas.microsoft.com/office/drawing/2014/main" id="{9CB8D03F-6984-0F4E-AA42-463C20CAE0DE}"/>
+              </a:ext>
+            </a:extLst>
+          </p:cNvPr>
+          <p:cNvSpPr txBox="1"/>
+          <p:nvPr/>
+        </p:nvSpPr>
+        <p:spPr>
+          <a:xfrm>
+            <a:off x="3820160" y="3312160"/>
+            <a:ext cx="418704" cy="369332"/>
+          </a:xfrm>
+          <a:prstGeom prst="rect">
+            <a:avLst/>
+          </a:prstGeom>
+          <a:noFill/>
+        </p:spPr>
+        <p:txBody>
+          <a:bodyPr wrap="none" rtlCol="0">
+            <a:spAutoFit/>
+          </a:bodyPr>
+          <a:lstStyle/>
+          <a:p>
+            <a:r>
+              <a:rPr kumimoji="1" lang="en-US" altLang="ja-JP"/>
+              <a:t>11</a:t>
+            </a:r>
+            <a:endParaRPr kumimoji="1" lang="ja-JP" altLang="en-US"/>
+          </a:p>
+        </p:txBody>
+      </p:sp>
+      <p:sp>
+        <p:nvSpPr>
+          <p:cNvPr id="17" name="テキスト ボックス 16">
+            <a:extLst>
+              <a:ext uri="{FF2B5EF4-FFF2-40B4-BE49-F238E27FC236}">
+                <a16:creationId xmlns:a16="http://schemas.microsoft.com/office/drawing/2014/main" id="{5C47883A-41D6-E146-9526-39F298B90830}"/>
+              </a:ext>
+            </a:extLst>
+          </p:cNvPr>
+          <p:cNvSpPr txBox="1"/>
+          <p:nvPr/>
+        </p:nvSpPr>
+        <p:spPr>
+          <a:xfrm>
+            <a:off x="2032000" y="1493520"/>
+            <a:ext cx="3929281" cy="369332"/>
+          </a:xfrm>
+          <a:prstGeom prst="rect">
+            <a:avLst/>
+          </a:prstGeom>
+          <a:noFill/>
+        </p:spPr>
+        <p:txBody>
+          <a:bodyPr wrap="none" rtlCol="0">
+            <a:spAutoFit/>
+          </a:bodyPr>
+          <a:lstStyle/>
+          <a:p>
+            <a:r>
+              <a:rPr kumimoji="1" lang="ja-JP" altLang="en-US"/>
+              <a:t>「</a:t>
+            </a:r>
+            <a:r>
+              <a:rPr kumimoji="1" lang="en-US" altLang="ja-JP"/>
+              <a:t>A</a:t>
+            </a:r>
+            <a:r>
+              <a:rPr kumimoji="1" lang="ja-JP" altLang="en-US"/>
+              <a:t>から</a:t>
+            </a:r>
+            <a:r>
+              <a:rPr kumimoji="1" lang="en-US" altLang="ja-JP"/>
+              <a:t>G</a:t>
+            </a:r>
+            <a:r>
+              <a:rPr kumimoji="1" lang="ja-JP" altLang="en-US"/>
+              <a:t>」の最短パスのコストは</a:t>
+            </a:r>
+            <a:r>
+              <a:rPr kumimoji="1" lang="en-US" altLang="ja-JP"/>
+              <a:t>13</a:t>
+            </a:r>
+            <a:endParaRPr kumimoji="1" lang="ja-JP" altLang="en-US"/>
+          </a:p>
+        </p:txBody>
+      </p:sp>
+      <p:sp>
+        <p:nvSpPr>
+          <p:cNvPr id="18" name="テキスト ボックス 17">
+            <a:extLst>
+              <a:ext uri="{FF2B5EF4-FFF2-40B4-BE49-F238E27FC236}">
+                <a16:creationId xmlns:a16="http://schemas.microsoft.com/office/drawing/2014/main" id="{86CC8FA7-EA11-3C42-A8DE-BF3D8451C894}"/>
+              </a:ext>
+            </a:extLst>
+          </p:cNvPr>
+          <p:cNvSpPr txBox="1"/>
+          <p:nvPr/>
+        </p:nvSpPr>
+        <p:spPr>
+          <a:xfrm>
+            <a:off x="1910080" y="3931920"/>
+            <a:ext cx="3929281" cy="369332"/>
+          </a:xfrm>
+          <a:prstGeom prst="rect">
+            <a:avLst/>
+          </a:prstGeom>
+          <a:noFill/>
+        </p:spPr>
+        <p:txBody>
+          <a:bodyPr wrap="none" rtlCol="0">
+            <a:spAutoFit/>
+          </a:bodyPr>
+          <a:lstStyle/>
+          <a:p>
+            <a:r>
+              <a:rPr kumimoji="1" lang="ja-JP" altLang="en-US"/>
+              <a:t>「</a:t>
+            </a:r>
+            <a:r>
+              <a:rPr kumimoji="1" lang="en-US" altLang="ja-JP"/>
+              <a:t>A</a:t>
+            </a:r>
+            <a:r>
+              <a:rPr kumimoji="1" lang="ja-JP" altLang="en-US"/>
+              <a:t>から</a:t>
+            </a:r>
+            <a:r>
+              <a:rPr kumimoji="1" lang="en-US" altLang="ja-JP"/>
+              <a:t>H</a:t>
+            </a:r>
+            <a:r>
+              <a:rPr kumimoji="1" lang="ja-JP" altLang="en-US"/>
+              <a:t>」の最短パスのコストは</a:t>
+            </a:r>
+            <a:r>
+              <a:rPr kumimoji="1" lang="en-US" altLang="ja-JP"/>
+              <a:t>11</a:t>
+            </a:r>
+            <a:endParaRPr kumimoji="1" lang="ja-JP" altLang="en-US"/>
+          </a:p>
+        </p:txBody>
+      </p:sp>
+      <p:sp>
+        <p:nvSpPr>
+          <p:cNvPr id="5" name="円/楕円 4">
+            <a:extLst>
+              <a:ext uri="{FF2B5EF4-FFF2-40B4-BE49-F238E27FC236}">
+                <a16:creationId xmlns:a16="http://schemas.microsoft.com/office/drawing/2014/main" id="{69900D12-DA83-E046-8D91-ED0C3A4171EF}"/>
+              </a:ext>
+            </a:extLst>
+          </p:cNvPr>
+          <p:cNvSpPr/>
+          <p:nvPr/>
+        </p:nvSpPr>
+        <p:spPr>
+          <a:xfrm>
+            <a:off x="5445760" y="3393440"/>
+            <a:ext cx="375920" cy="335280"/>
+          </a:xfrm>
+          <a:prstGeom prst="ellipse">
+            <a:avLst/>
+          </a:prstGeom>
+          <a:solidFill>
+            <a:schemeClr val="bg1"/>
+          </a:solidFill>
+          <a:ln>
+            <a:solidFill>
+              <a:schemeClr val="tx1"/>
+            </a:solidFill>
+          </a:ln>
+        </p:spPr>
+        <p:style>
+          <a:lnRef idx="2">
+            <a:schemeClr val="accent1">
+              <a:shade val="50000"/>
+            </a:schemeClr>
+          </a:lnRef>
+          <a:fillRef idx="1">
+            <a:schemeClr val="accent1"/>
+          </a:fillRef>
+          <a:effectRef idx="0">
+            <a:schemeClr val="accent1"/>
+          </a:effectRef>
+          <a:fontRef idx="minor">
+            <a:schemeClr val="lt1"/>
+          </a:fontRef>
+        </p:style>
+        <p:txBody>
+          <a:bodyPr rtlCol="0" anchor="ctr"/>
+          <a:lstStyle/>
+          <a:p>
+            <a:pPr algn="ctr"/>
+            <a:r>
+              <a:rPr kumimoji="1" lang="en-US" altLang="ja-JP">
+                <a:solidFill>
+                  <a:schemeClr val="tx1"/>
+                </a:solidFill>
+              </a:rPr>
+              <a:t>H</a:t>
+            </a:r>
+            <a:endParaRPr kumimoji="1" lang="ja-JP" altLang="en-US">
+              <a:solidFill>
+                <a:schemeClr val="tx1"/>
+              </a:solidFill>
+            </a:endParaRPr>
+          </a:p>
+        </p:txBody>
+      </p:sp>
+      <p:cxnSp>
+        <p:nvCxnSpPr>
+          <p:cNvPr id="20" name="直線コネクタ 19">
+            <a:extLst>
+              <a:ext uri="{FF2B5EF4-FFF2-40B4-BE49-F238E27FC236}">
+                <a16:creationId xmlns:a16="http://schemas.microsoft.com/office/drawing/2014/main" id="{BFB1F2A9-DE77-B644-AE69-248C7F356F54}"/>
+              </a:ext>
+            </a:extLst>
+          </p:cNvPr>
+          <p:cNvCxnSpPr>
+            <a:stCxn id="4" idx="2"/>
+            <a:endCxn id="3" idx="7"/>
+          </p:cNvCxnSpPr>
+          <p:nvPr/>
+        </p:nvCxnSpPr>
+        <p:spPr>
+          <a:xfrm flipH="1">
+            <a:off x="2403668" y="2128520"/>
+            <a:ext cx="3042092" cy="643461"/>
+          </a:xfrm>
+          <a:prstGeom prst="line">
+            <a:avLst/>
+          </a:prstGeom>
+          <a:ln w="12700">
+            <a:solidFill>
+              <a:schemeClr val="tx1"/>
+            </a:solidFill>
+          </a:ln>
+        </p:spPr>
+        <p:style>
+          <a:lnRef idx="1">
+            <a:schemeClr val="accent1"/>
+          </a:lnRef>
+          <a:fillRef idx="0">
+            <a:schemeClr val="accent1"/>
+          </a:fillRef>
+          <a:effectRef idx="0">
+            <a:schemeClr val="accent1"/>
+          </a:effectRef>
+          <a:fontRef idx="minor">
+            <a:schemeClr val="tx1"/>
+          </a:fontRef>
+        </p:style>
+      </p:cxnSp>
+      <p:cxnSp>
+        <p:nvCxnSpPr>
+          <p:cNvPr id="22" name="直線コネクタ 21">
+            <a:extLst>
+              <a:ext uri="{FF2B5EF4-FFF2-40B4-BE49-F238E27FC236}">
+                <a16:creationId xmlns:a16="http://schemas.microsoft.com/office/drawing/2014/main" id="{05828169-5B9A-6248-B60C-CDD83DAE3B19}"/>
+              </a:ext>
+            </a:extLst>
+          </p:cNvPr>
+          <p:cNvCxnSpPr>
+            <a:stCxn id="5" idx="2"/>
+            <a:endCxn id="3" idx="5"/>
+          </p:cNvCxnSpPr>
+          <p:nvPr/>
+        </p:nvCxnSpPr>
+        <p:spPr>
+          <a:xfrm flipH="1" flipV="1">
+            <a:off x="2403668" y="3009059"/>
+            <a:ext cx="3042092" cy="552021"/>
+          </a:xfrm>
+          <a:prstGeom prst="line">
+            <a:avLst/>
+          </a:prstGeom>
+          <a:ln w="12700">
+            <a:solidFill>
+              <a:schemeClr val="tx1"/>
+            </a:solidFill>
+          </a:ln>
+        </p:spPr>
+        <p:style>
+          <a:lnRef idx="1">
+            <a:schemeClr val="accent1"/>
+          </a:lnRef>
+          <a:fillRef idx="0">
+            <a:schemeClr val="accent1"/>
+          </a:fillRef>
+          <a:effectRef idx="0">
+            <a:schemeClr val="accent1"/>
+          </a:effectRef>
+          <a:fontRef idx="minor">
+            <a:schemeClr val="tx1"/>
+          </a:fontRef>
+        </p:style>
+      </p:cxnSp>
+      <p:sp>
+        <p:nvSpPr>
+          <p:cNvPr id="23" name="テキスト ボックス 22">
+            <a:extLst>
+              <a:ext uri="{FF2B5EF4-FFF2-40B4-BE49-F238E27FC236}">
+                <a16:creationId xmlns:a16="http://schemas.microsoft.com/office/drawing/2014/main" id="{E9B3A6F0-F1B5-BC4A-96FC-FD468429EB1C}"/>
+              </a:ext>
+            </a:extLst>
+          </p:cNvPr>
+          <p:cNvSpPr txBox="1"/>
+          <p:nvPr/>
+        </p:nvSpPr>
+        <p:spPr>
+          <a:xfrm>
+            <a:off x="2875280" y="4460240"/>
+            <a:ext cx="2677208" cy="369332"/>
+          </a:xfrm>
+          <a:prstGeom prst="rect">
+            <a:avLst/>
+          </a:prstGeom>
+          <a:noFill/>
+        </p:spPr>
+        <p:txBody>
+          <a:bodyPr wrap="none" rtlCol="0">
+            <a:spAutoFit/>
+          </a:bodyPr>
+          <a:lstStyle/>
+          <a:p>
+            <a:r>
+              <a:rPr kumimoji="1" lang="en-US" altLang="ja-JP"/>
+              <a:t>A-G-I (13+1) &gt; </a:t>
+            </a:r>
+            <a:r>
+              <a:rPr kumimoji="1" lang="en-US" altLang="ja-JP">
+                <a:solidFill>
+                  <a:srgbClr val="FF0000"/>
+                </a:solidFill>
+              </a:rPr>
+              <a:t>A-H-I (11+2)</a:t>
+            </a:r>
+            <a:endParaRPr kumimoji="1" lang="ja-JP" altLang="en-US">
+              <a:solidFill>
+                <a:srgbClr val="FF0000"/>
+              </a:solidFill>
+            </a:endParaRPr>
+          </a:p>
+        </p:txBody>
+      </p:sp>
+      <p:sp>
+        <p:nvSpPr>
+          <p:cNvPr id="24" name="テキスト ボックス 23">
+            <a:extLst>
+              <a:ext uri="{FF2B5EF4-FFF2-40B4-BE49-F238E27FC236}">
+                <a16:creationId xmlns:a16="http://schemas.microsoft.com/office/drawing/2014/main" id="{2910203A-A14A-044A-9C0C-67B0B663D8DE}"/>
+              </a:ext>
+            </a:extLst>
+          </p:cNvPr>
+          <p:cNvSpPr txBox="1"/>
+          <p:nvPr/>
+        </p:nvSpPr>
+        <p:spPr>
+          <a:xfrm>
+            <a:off x="2021840" y="4998720"/>
+            <a:ext cx="5044907" cy="369332"/>
+          </a:xfrm>
+          <a:prstGeom prst="rect">
+            <a:avLst/>
+          </a:prstGeom>
+          <a:noFill/>
+        </p:spPr>
+        <p:txBody>
+          <a:bodyPr wrap="none" rtlCol="0">
+            <a:spAutoFit/>
+          </a:bodyPr>
+          <a:lstStyle/>
+          <a:p>
+            <a:r>
+              <a:rPr kumimoji="1" lang="ja-JP" altLang="en-US"/>
+              <a:t>上記から</a:t>
+            </a:r>
+            <a:r>
+              <a:rPr kumimoji="1" lang="en-US" altLang="ja-JP"/>
+              <a:t>A-H-I</a:t>
+            </a:r>
+            <a:r>
+              <a:rPr kumimoji="1" lang="ja-JP" altLang="en-US"/>
+              <a:t>の経路が最短であることがわかる</a:t>
+            </a:r>
+          </a:p>
+        </p:txBody>
+      </p:sp>
+    </p:spTree>
+    <p:extLst>
+      <p:ext uri="{BB962C8B-B14F-4D97-AF65-F5344CB8AC3E}">
+        <p14:creationId xmlns:p14="http://schemas.microsoft.com/office/powerpoint/2010/main" val="270912637"/>
       </p:ext>
     </p:extLst>
   </p:cSld>

--- a/dp/fig/fig.pptx
+++ b/dp/fig/fig.pptx
@@ -11,6 +11,7 @@
     <p:sldId id="257" r:id="rId5"/>
     <p:sldId id="260" r:id="rId6"/>
     <p:sldId id="261" r:id="rId7"/>
+    <p:sldId id="262" r:id="rId8"/>
   </p:sldIdLst>
   <p:sldSz cx="9144000" cy="6858000" type="screen4x3"/>
   <p:notesSz cx="6858000" cy="9144000"/>
@@ -6116,6 +6117,2102 @@
 </p:sld>
 </file>
 
+<file path=ppt/slides/slide7.xml><?xml version="1.0" encoding="utf-8"?>
+<p:sld xmlns:a="http://schemas.openxmlformats.org/drawingml/2006/main" xmlns:r="http://schemas.openxmlformats.org/officeDocument/2006/relationships" xmlns:p="http://schemas.openxmlformats.org/presentationml/2006/main">
+  <p:cSld>
+    <p:spTree>
+      <p:nvGrpSpPr>
+        <p:cNvPr id="1" name=""/>
+        <p:cNvGrpSpPr/>
+        <p:nvPr/>
+      </p:nvGrpSpPr>
+      <p:grpSpPr>
+        <a:xfrm>
+          <a:off x="0" y="0"/>
+          <a:ext cx="0" cy="0"/>
+          <a:chOff x="0" y="0"/>
+          <a:chExt cx="0" cy="0"/>
+        </a:xfrm>
+      </p:grpSpPr>
+      <p:pic>
+        <p:nvPicPr>
+          <p:cNvPr id="1026" name="Picture 2" descr="å¤§çãã®ç¼ããã°ã®ã¤ã©ã¹ã"/>
+          <p:cNvPicPr>
+            <a:picLocks noChangeAspect="1" noChangeArrowheads="1"/>
+          </p:cNvPicPr>
+          <p:nvPr/>
+        </p:nvPicPr>
+        <p:blipFill>
+          <a:blip r:embed="rId2" cstate="print">
+            <a:extLst>
+              <a:ext uri="{28A0092B-C50C-407E-A947-70E740481C1C}">
+                <a14:useLocalDpi xmlns:a14="http://schemas.microsoft.com/office/drawing/2010/main" val="0"/>
+              </a:ext>
+            </a:extLst>
+          </a:blip>
+          <a:srcRect/>
+          <a:stretch>
+            <a:fillRect/>
+          </a:stretch>
+        </p:blipFill>
+        <p:spPr bwMode="auto">
+          <a:xfrm>
+            <a:off x="4139952" y="764704"/>
+            <a:ext cx="940905" cy="790361"/>
+          </a:xfrm>
+          <a:prstGeom prst="rect">
+            <a:avLst/>
+          </a:prstGeom>
+          <a:noFill/>
+          <a:extLst>
+            <a:ext uri="{909E8E84-426E-40DD-AFC4-6F175D3DCCD1}">
+              <a14:hiddenFill xmlns:a14="http://schemas.microsoft.com/office/drawing/2010/main">
+                <a:solidFill>
+                  <a:srgbClr val="FFFFFF"/>
+                </a:solidFill>
+              </a14:hiddenFill>
+            </a:ext>
+          </a:extLst>
+        </p:spPr>
+      </p:pic>
+      <p:pic>
+        <p:nvPicPr>
+          <p:cNvPr id="1028" name="Picture 4" descr="å·ããä¸­è¯ã®ã¤ã©ã¹ã"/>
+          <p:cNvPicPr>
+            <a:picLocks noChangeAspect="1" noChangeArrowheads="1"/>
+          </p:cNvPicPr>
+          <p:nvPr/>
+        </p:nvPicPr>
+        <p:blipFill>
+          <a:blip r:embed="rId3" cstate="print">
+            <a:extLst>
+              <a:ext uri="{28A0092B-C50C-407E-A947-70E740481C1C}">
+                <a14:useLocalDpi xmlns:a14="http://schemas.microsoft.com/office/drawing/2010/main" val="0"/>
+              </a:ext>
+            </a:extLst>
+          </a:blip>
+          <a:srcRect/>
+          <a:stretch>
+            <a:fillRect/>
+          </a:stretch>
+        </p:blipFill>
+        <p:spPr bwMode="auto">
+          <a:xfrm>
+            <a:off x="2266409" y="1982356"/>
+            <a:ext cx="897370" cy="634890"/>
+          </a:xfrm>
+          <a:prstGeom prst="rect">
+            <a:avLst/>
+          </a:prstGeom>
+          <a:noFill/>
+          <a:extLst>
+            <a:ext uri="{909E8E84-426E-40DD-AFC4-6F175D3DCCD1}">
+              <a14:hiddenFill xmlns:a14="http://schemas.microsoft.com/office/drawing/2010/main">
+                <a:solidFill>
+                  <a:srgbClr val="FFFFFF"/>
+                </a:solidFill>
+              </a14:hiddenFill>
+            </a:ext>
+          </a:extLst>
+        </p:spPr>
+      </p:pic>
+      <p:pic>
+        <p:nvPicPr>
+          <p:cNvPr id="1030" name="Picture 6" descr="å³åã«ãã®ã¤ã©ã¹ã"/>
+          <p:cNvPicPr>
+            <a:picLocks noChangeAspect="1" noChangeArrowheads="1"/>
+          </p:cNvPicPr>
+          <p:nvPr/>
+        </p:nvPicPr>
+        <p:blipFill>
+          <a:blip r:embed="rId4" cstate="print">
+            <a:extLst>
+              <a:ext uri="{28A0092B-C50C-407E-A947-70E740481C1C}">
+                <a14:useLocalDpi xmlns:a14="http://schemas.microsoft.com/office/drawing/2010/main" val="0"/>
+              </a:ext>
+            </a:extLst>
+          </a:blip>
+          <a:srcRect/>
+          <a:stretch>
+            <a:fillRect/>
+          </a:stretch>
+        </p:blipFill>
+        <p:spPr bwMode="auto">
+          <a:xfrm>
+            <a:off x="1149346" y="3080360"/>
+            <a:ext cx="980831" cy="796925"/>
+          </a:xfrm>
+          <a:prstGeom prst="rect">
+            <a:avLst/>
+          </a:prstGeom>
+          <a:noFill/>
+          <a:extLst>
+            <a:ext uri="{909E8E84-426E-40DD-AFC4-6F175D3DCCD1}">
+              <a14:hiddenFill xmlns:a14="http://schemas.microsoft.com/office/drawing/2010/main">
+                <a:solidFill>
+                  <a:srgbClr val="FFFFFF"/>
+                </a:solidFill>
+              </a14:hiddenFill>
+            </a:ext>
+          </a:extLst>
+        </p:spPr>
+      </p:pic>
+      <p:pic>
+        <p:nvPicPr>
+          <p:cNvPr id="5" name="Picture 4" descr="å·ããä¸­è¯ã®ã¤ã©ã¹ã"/>
+          <p:cNvPicPr>
+            <a:picLocks noChangeAspect="1" noChangeArrowheads="1"/>
+          </p:cNvPicPr>
+          <p:nvPr/>
+        </p:nvPicPr>
+        <p:blipFill>
+          <a:blip r:embed="rId3" cstate="print">
+            <a:extLst>
+              <a:ext uri="{28A0092B-C50C-407E-A947-70E740481C1C}">
+                <a14:useLocalDpi xmlns:a14="http://schemas.microsoft.com/office/drawing/2010/main" val="0"/>
+              </a:ext>
+            </a:extLst>
+          </a:blip>
+          <a:srcRect/>
+          <a:stretch>
+            <a:fillRect/>
+          </a:stretch>
+        </p:blipFill>
+        <p:spPr bwMode="auto">
+          <a:xfrm>
+            <a:off x="6024198" y="1982356"/>
+            <a:ext cx="897370" cy="634890"/>
+          </a:xfrm>
+          <a:prstGeom prst="rect">
+            <a:avLst/>
+          </a:prstGeom>
+          <a:noFill/>
+          <a:extLst>
+            <a:ext uri="{909E8E84-426E-40DD-AFC4-6F175D3DCCD1}">
+              <a14:hiddenFill xmlns:a14="http://schemas.microsoft.com/office/drawing/2010/main">
+                <a:solidFill>
+                  <a:srgbClr val="FFFFFF"/>
+                </a:solidFill>
+              </a14:hiddenFill>
+            </a:ext>
+          </a:extLst>
+        </p:spPr>
+      </p:pic>
+      <p:pic>
+        <p:nvPicPr>
+          <p:cNvPr id="6" name="Picture 6" descr="å³åã«ãã®ã¤ã©ã¹ã"/>
+          <p:cNvPicPr>
+            <a:picLocks noChangeAspect="1" noChangeArrowheads="1"/>
+          </p:cNvPicPr>
+          <p:nvPr/>
+        </p:nvPicPr>
+        <p:blipFill>
+          <a:blip r:embed="rId4" cstate="print">
+            <a:extLst>
+              <a:ext uri="{28A0092B-C50C-407E-A947-70E740481C1C}">
+                <a14:useLocalDpi xmlns:a14="http://schemas.microsoft.com/office/drawing/2010/main" val="0"/>
+              </a:ext>
+            </a:extLst>
+          </a:blip>
+          <a:srcRect/>
+          <a:stretch>
+            <a:fillRect/>
+          </a:stretch>
+        </p:blipFill>
+        <p:spPr bwMode="auto">
+          <a:xfrm>
+            <a:off x="3011721" y="3080360"/>
+            <a:ext cx="980831" cy="796925"/>
+          </a:xfrm>
+          <a:prstGeom prst="rect">
+            <a:avLst/>
+          </a:prstGeom>
+          <a:noFill/>
+          <a:extLst>
+            <a:ext uri="{909E8E84-426E-40DD-AFC4-6F175D3DCCD1}">
+              <a14:hiddenFill xmlns:a14="http://schemas.microsoft.com/office/drawing/2010/main">
+                <a:solidFill>
+                  <a:srgbClr val="FFFFFF"/>
+                </a:solidFill>
+              </a14:hiddenFill>
+            </a:ext>
+          </a:extLst>
+        </p:spPr>
+      </p:pic>
+      <p:pic>
+        <p:nvPicPr>
+          <p:cNvPr id="7" name="Picture 6" descr="å³åã«ãã®ã¤ã©ã¹ã"/>
+          <p:cNvPicPr>
+            <a:picLocks noChangeAspect="1" noChangeArrowheads="1"/>
+          </p:cNvPicPr>
+          <p:nvPr/>
+        </p:nvPicPr>
+        <p:blipFill>
+          <a:blip r:embed="rId4" cstate="print">
+            <a:extLst>
+              <a:ext uri="{28A0092B-C50C-407E-A947-70E740481C1C}">
+                <a14:useLocalDpi xmlns:a14="http://schemas.microsoft.com/office/drawing/2010/main" val="0"/>
+              </a:ext>
+            </a:extLst>
+          </a:blip>
+          <a:srcRect/>
+          <a:stretch>
+            <a:fillRect/>
+          </a:stretch>
+        </p:blipFill>
+        <p:spPr bwMode="auto">
+          <a:xfrm>
+            <a:off x="5158479" y="3032882"/>
+            <a:ext cx="980831" cy="796925"/>
+          </a:xfrm>
+          <a:prstGeom prst="rect">
+            <a:avLst/>
+          </a:prstGeom>
+          <a:noFill/>
+          <a:extLst>
+            <a:ext uri="{909E8E84-426E-40DD-AFC4-6F175D3DCCD1}">
+              <a14:hiddenFill xmlns:a14="http://schemas.microsoft.com/office/drawing/2010/main">
+                <a:solidFill>
+                  <a:srgbClr val="FFFFFF"/>
+                </a:solidFill>
+              </a14:hiddenFill>
+            </a:ext>
+          </a:extLst>
+        </p:spPr>
+      </p:pic>
+      <p:pic>
+        <p:nvPicPr>
+          <p:cNvPr id="8" name="Picture 6" descr="å³åã«ãã®ã¤ã©ã¹ã"/>
+          <p:cNvPicPr>
+            <a:picLocks noChangeAspect="1" noChangeArrowheads="1"/>
+          </p:cNvPicPr>
+          <p:nvPr/>
+        </p:nvPicPr>
+        <p:blipFill>
+          <a:blip r:embed="rId4" cstate="print">
+            <a:extLst>
+              <a:ext uri="{28A0092B-C50C-407E-A947-70E740481C1C}">
+                <a14:useLocalDpi xmlns:a14="http://schemas.microsoft.com/office/drawing/2010/main" val="0"/>
+              </a:ext>
+            </a:extLst>
+          </a:blip>
+          <a:srcRect/>
+          <a:stretch>
+            <a:fillRect/>
+          </a:stretch>
+        </p:blipFill>
+        <p:spPr bwMode="auto">
+          <a:xfrm>
+            <a:off x="6921568" y="3032881"/>
+            <a:ext cx="980831" cy="796925"/>
+          </a:xfrm>
+          <a:prstGeom prst="rect">
+            <a:avLst/>
+          </a:prstGeom>
+          <a:noFill/>
+          <a:extLst>
+            <a:ext uri="{909E8E84-426E-40DD-AFC4-6F175D3DCCD1}">
+              <a14:hiddenFill xmlns:a14="http://schemas.microsoft.com/office/drawing/2010/main">
+                <a:solidFill>
+                  <a:srgbClr val="FFFFFF"/>
+                </a:solidFill>
+              </a14:hiddenFill>
+            </a:ext>
+          </a:extLst>
+        </p:spPr>
+      </p:pic>
+      <p:sp>
+        <p:nvSpPr>
+          <p:cNvPr id="9" name="右矢印 8"/>
+          <p:cNvSpPr/>
+          <p:nvPr/>
+        </p:nvSpPr>
+        <p:spPr>
+          <a:xfrm rot="2251612">
+            <a:off x="5150711" y="1469799"/>
+            <a:ext cx="659590" cy="504056"/>
+          </a:xfrm>
+          <a:prstGeom prst="rightArrow">
+            <a:avLst/>
+          </a:prstGeom>
+          <a:solidFill>
+            <a:srgbClr val="0070C0"/>
+          </a:solidFill>
+          <a:ln>
+            <a:solidFill>
+              <a:schemeClr val="tx1"/>
+            </a:solidFill>
+          </a:ln>
+        </p:spPr>
+        <p:style>
+          <a:lnRef idx="2">
+            <a:schemeClr val="accent1">
+              <a:shade val="50000"/>
+            </a:schemeClr>
+          </a:lnRef>
+          <a:fillRef idx="1">
+            <a:schemeClr val="accent1"/>
+          </a:fillRef>
+          <a:effectRef idx="0">
+            <a:schemeClr val="accent1"/>
+          </a:effectRef>
+          <a:fontRef idx="minor">
+            <a:schemeClr val="lt1"/>
+          </a:fontRef>
+        </p:style>
+        <p:txBody>
+          <a:bodyPr rtlCol="0" anchor="ctr"/>
+          <a:lstStyle/>
+          <a:p>
+            <a:pPr algn="ctr"/>
+            <a:endParaRPr kumimoji="1" lang="ja-JP" altLang="en-US"/>
+          </a:p>
+        </p:txBody>
+      </p:sp>
+      <p:sp>
+        <p:nvSpPr>
+          <p:cNvPr id="16" name="右矢印 15"/>
+          <p:cNvSpPr/>
+          <p:nvPr/>
+        </p:nvSpPr>
+        <p:spPr>
+          <a:xfrm rot="8675736">
+            <a:off x="3375795" y="1474075"/>
+            <a:ext cx="659590" cy="504056"/>
+          </a:xfrm>
+          <a:prstGeom prst="rightArrow">
+            <a:avLst/>
+          </a:prstGeom>
+          <a:solidFill>
+            <a:srgbClr val="FF0000"/>
+          </a:solidFill>
+          <a:ln>
+            <a:solidFill>
+              <a:schemeClr val="tx1"/>
+            </a:solidFill>
+          </a:ln>
+        </p:spPr>
+        <p:style>
+          <a:lnRef idx="2">
+            <a:schemeClr val="accent1">
+              <a:shade val="50000"/>
+            </a:schemeClr>
+          </a:lnRef>
+          <a:fillRef idx="1">
+            <a:schemeClr val="accent1"/>
+          </a:fillRef>
+          <a:effectRef idx="0">
+            <a:schemeClr val="accent1"/>
+          </a:effectRef>
+          <a:fontRef idx="minor">
+            <a:schemeClr val="lt1"/>
+          </a:fontRef>
+        </p:style>
+        <p:txBody>
+          <a:bodyPr rtlCol="0" anchor="ctr"/>
+          <a:lstStyle/>
+          <a:p>
+            <a:pPr algn="ctr"/>
+            <a:endParaRPr kumimoji="1" lang="ja-JP" altLang="en-US"/>
+          </a:p>
+        </p:txBody>
+      </p:sp>
+      <p:sp>
+        <p:nvSpPr>
+          <p:cNvPr id="17" name="右矢印 16"/>
+          <p:cNvSpPr/>
+          <p:nvPr/>
+        </p:nvSpPr>
+        <p:spPr>
+          <a:xfrm rot="7467923">
+            <a:off x="1684141" y="2596775"/>
+            <a:ext cx="659590" cy="504056"/>
+          </a:xfrm>
+          <a:prstGeom prst="rightArrow">
+            <a:avLst/>
+          </a:prstGeom>
+          <a:solidFill>
+            <a:srgbClr val="FF0000"/>
+          </a:solidFill>
+          <a:ln>
+            <a:solidFill>
+              <a:schemeClr val="tx1"/>
+            </a:solidFill>
+          </a:ln>
+        </p:spPr>
+        <p:style>
+          <a:lnRef idx="2">
+            <a:schemeClr val="accent1">
+              <a:shade val="50000"/>
+            </a:schemeClr>
+          </a:lnRef>
+          <a:fillRef idx="1">
+            <a:schemeClr val="accent1"/>
+          </a:fillRef>
+          <a:effectRef idx="0">
+            <a:schemeClr val="accent1"/>
+          </a:effectRef>
+          <a:fontRef idx="minor">
+            <a:schemeClr val="lt1"/>
+          </a:fontRef>
+        </p:style>
+        <p:txBody>
+          <a:bodyPr rtlCol="0" anchor="ctr"/>
+          <a:lstStyle/>
+          <a:p>
+            <a:pPr algn="ctr"/>
+            <a:endParaRPr kumimoji="1" lang="ja-JP" altLang="en-US"/>
+          </a:p>
+        </p:txBody>
+      </p:sp>
+      <p:sp>
+        <p:nvSpPr>
+          <p:cNvPr id="18" name="右矢印 17"/>
+          <p:cNvSpPr/>
+          <p:nvPr/>
+        </p:nvSpPr>
+        <p:spPr>
+          <a:xfrm rot="7467923">
+            <a:off x="5647357" y="2573035"/>
+            <a:ext cx="659590" cy="504056"/>
+          </a:xfrm>
+          <a:prstGeom prst="rightArrow">
+            <a:avLst/>
+          </a:prstGeom>
+          <a:solidFill>
+            <a:srgbClr val="FF0000"/>
+          </a:solidFill>
+          <a:ln>
+            <a:solidFill>
+              <a:schemeClr val="tx1"/>
+            </a:solidFill>
+          </a:ln>
+        </p:spPr>
+        <p:style>
+          <a:lnRef idx="2">
+            <a:schemeClr val="accent1">
+              <a:shade val="50000"/>
+            </a:schemeClr>
+          </a:lnRef>
+          <a:fillRef idx="1">
+            <a:schemeClr val="accent1"/>
+          </a:fillRef>
+          <a:effectRef idx="0">
+            <a:schemeClr val="accent1"/>
+          </a:effectRef>
+          <a:fontRef idx="minor">
+            <a:schemeClr val="lt1"/>
+          </a:fontRef>
+        </p:style>
+        <p:txBody>
+          <a:bodyPr rtlCol="0" anchor="ctr"/>
+          <a:lstStyle/>
+          <a:p>
+            <a:pPr algn="ctr"/>
+            <a:endParaRPr kumimoji="1" lang="ja-JP" altLang="en-US"/>
+          </a:p>
+        </p:txBody>
+      </p:sp>
+      <p:sp>
+        <p:nvSpPr>
+          <p:cNvPr id="19" name="右矢印 18"/>
+          <p:cNvSpPr/>
+          <p:nvPr/>
+        </p:nvSpPr>
+        <p:spPr>
+          <a:xfrm rot="3242327">
+            <a:off x="2917696" y="2548580"/>
+            <a:ext cx="659590" cy="504056"/>
+          </a:xfrm>
+          <a:prstGeom prst="rightArrow">
+            <a:avLst/>
+          </a:prstGeom>
+          <a:solidFill>
+            <a:srgbClr val="0070C0"/>
+          </a:solidFill>
+          <a:ln>
+            <a:solidFill>
+              <a:schemeClr val="tx1"/>
+            </a:solidFill>
+          </a:ln>
+        </p:spPr>
+        <p:style>
+          <a:lnRef idx="2">
+            <a:schemeClr val="accent1">
+              <a:shade val="50000"/>
+            </a:schemeClr>
+          </a:lnRef>
+          <a:fillRef idx="1">
+            <a:schemeClr val="accent1"/>
+          </a:fillRef>
+          <a:effectRef idx="0">
+            <a:schemeClr val="accent1"/>
+          </a:effectRef>
+          <a:fontRef idx="minor">
+            <a:schemeClr val="lt1"/>
+          </a:fontRef>
+        </p:style>
+        <p:txBody>
+          <a:bodyPr rtlCol="0" anchor="ctr"/>
+          <a:lstStyle/>
+          <a:p>
+            <a:pPr algn="ctr"/>
+            <a:endParaRPr kumimoji="1" lang="ja-JP" altLang="en-US"/>
+          </a:p>
+        </p:txBody>
+      </p:sp>
+      <p:sp>
+        <p:nvSpPr>
+          <p:cNvPr id="20" name="右矢印 19"/>
+          <p:cNvSpPr/>
+          <p:nvPr/>
+        </p:nvSpPr>
+        <p:spPr>
+          <a:xfrm rot="3242327">
+            <a:off x="6757172" y="2548578"/>
+            <a:ext cx="659590" cy="504056"/>
+          </a:xfrm>
+          <a:prstGeom prst="rightArrow">
+            <a:avLst/>
+          </a:prstGeom>
+          <a:solidFill>
+            <a:srgbClr val="0070C0"/>
+          </a:solidFill>
+          <a:ln>
+            <a:solidFill>
+              <a:schemeClr val="tx1"/>
+            </a:solidFill>
+          </a:ln>
+        </p:spPr>
+        <p:style>
+          <a:lnRef idx="2">
+            <a:schemeClr val="accent1">
+              <a:shade val="50000"/>
+            </a:schemeClr>
+          </a:lnRef>
+          <a:fillRef idx="1">
+            <a:schemeClr val="accent1"/>
+          </a:fillRef>
+          <a:effectRef idx="0">
+            <a:schemeClr val="accent1"/>
+          </a:effectRef>
+          <a:fontRef idx="minor">
+            <a:schemeClr val="lt1"/>
+          </a:fontRef>
+        </p:style>
+        <p:txBody>
+          <a:bodyPr rtlCol="0" anchor="ctr"/>
+          <a:lstStyle/>
+          <a:p>
+            <a:pPr algn="ctr"/>
+            <a:endParaRPr kumimoji="1" lang="ja-JP" altLang="en-US"/>
+          </a:p>
+        </p:txBody>
+      </p:sp>
+      <p:sp>
+        <p:nvSpPr>
+          <p:cNvPr id="21" name="右矢印 20"/>
+          <p:cNvSpPr/>
+          <p:nvPr/>
+        </p:nvSpPr>
+        <p:spPr>
+          <a:xfrm rot="7467923">
+            <a:off x="837752" y="4031864"/>
+            <a:ext cx="659590" cy="504056"/>
+          </a:xfrm>
+          <a:prstGeom prst="rightArrow">
+            <a:avLst/>
+          </a:prstGeom>
+          <a:solidFill>
+            <a:srgbClr val="FF0000"/>
+          </a:solidFill>
+          <a:ln>
+            <a:solidFill>
+              <a:schemeClr val="tx1"/>
+            </a:solidFill>
+          </a:ln>
+        </p:spPr>
+        <p:style>
+          <a:lnRef idx="2">
+            <a:schemeClr val="accent1">
+              <a:shade val="50000"/>
+            </a:schemeClr>
+          </a:lnRef>
+          <a:fillRef idx="1">
+            <a:schemeClr val="accent1"/>
+          </a:fillRef>
+          <a:effectRef idx="0">
+            <a:schemeClr val="accent1"/>
+          </a:effectRef>
+          <a:fontRef idx="minor">
+            <a:schemeClr val="lt1"/>
+          </a:fontRef>
+        </p:style>
+        <p:txBody>
+          <a:bodyPr rtlCol="0" anchor="ctr"/>
+          <a:lstStyle/>
+          <a:p>
+            <a:pPr algn="ctr"/>
+            <a:endParaRPr kumimoji="1" lang="ja-JP" altLang="en-US"/>
+          </a:p>
+        </p:txBody>
+      </p:sp>
+      <p:sp>
+        <p:nvSpPr>
+          <p:cNvPr id="22" name="右矢印 21"/>
+          <p:cNvSpPr/>
+          <p:nvPr/>
+        </p:nvSpPr>
+        <p:spPr>
+          <a:xfrm rot="3286064">
+            <a:off x="1738195" y="4023697"/>
+            <a:ext cx="659590" cy="504056"/>
+          </a:xfrm>
+          <a:prstGeom prst="rightArrow">
+            <a:avLst/>
+          </a:prstGeom>
+          <a:solidFill>
+            <a:srgbClr val="0070C0"/>
+          </a:solidFill>
+          <a:ln>
+            <a:solidFill>
+              <a:schemeClr val="tx1"/>
+            </a:solidFill>
+          </a:ln>
+        </p:spPr>
+        <p:style>
+          <a:lnRef idx="2">
+            <a:schemeClr val="accent1">
+              <a:shade val="50000"/>
+            </a:schemeClr>
+          </a:lnRef>
+          <a:fillRef idx="1">
+            <a:schemeClr val="accent1"/>
+          </a:fillRef>
+          <a:effectRef idx="0">
+            <a:schemeClr val="accent1"/>
+          </a:effectRef>
+          <a:fontRef idx="minor">
+            <a:schemeClr val="lt1"/>
+          </a:fontRef>
+        </p:style>
+        <p:txBody>
+          <a:bodyPr rtlCol="0" anchor="ctr"/>
+          <a:lstStyle/>
+          <a:p>
+            <a:pPr algn="ctr"/>
+            <a:endParaRPr kumimoji="1" lang="ja-JP" altLang="en-US"/>
+          </a:p>
+        </p:txBody>
+      </p:sp>
+      <p:sp>
+        <p:nvSpPr>
+          <p:cNvPr id="23" name="右矢印 22"/>
+          <p:cNvSpPr/>
+          <p:nvPr/>
+        </p:nvSpPr>
+        <p:spPr>
+          <a:xfrm rot="7467923">
+            <a:off x="2762314" y="4048200"/>
+            <a:ext cx="659590" cy="504056"/>
+          </a:xfrm>
+          <a:prstGeom prst="rightArrow">
+            <a:avLst/>
+          </a:prstGeom>
+          <a:solidFill>
+            <a:srgbClr val="FF0000"/>
+          </a:solidFill>
+          <a:ln>
+            <a:solidFill>
+              <a:schemeClr val="tx1"/>
+            </a:solidFill>
+          </a:ln>
+        </p:spPr>
+        <p:style>
+          <a:lnRef idx="2">
+            <a:schemeClr val="accent1">
+              <a:shade val="50000"/>
+            </a:schemeClr>
+          </a:lnRef>
+          <a:fillRef idx="1">
+            <a:schemeClr val="accent1"/>
+          </a:fillRef>
+          <a:effectRef idx="0">
+            <a:schemeClr val="accent1"/>
+          </a:effectRef>
+          <a:fontRef idx="minor">
+            <a:schemeClr val="lt1"/>
+          </a:fontRef>
+        </p:style>
+        <p:txBody>
+          <a:bodyPr rtlCol="0" anchor="ctr"/>
+          <a:lstStyle/>
+          <a:p>
+            <a:pPr algn="ctr"/>
+            <a:endParaRPr kumimoji="1" lang="ja-JP" altLang="en-US"/>
+          </a:p>
+        </p:txBody>
+      </p:sp>
+      <p:sp>
+        <p:nvSpPr>
+          <p:cNvPr id="24" name="右矢印 23"/>
+          <p:cNvSpPr/>
+          <p:nvPr/>
+        </p:nvSpPr>
+        <p:spPr>
+          <a:xfrm rot="3286064">
+            <a:off x="3662757" y="4040033"/>
+            <a:ext cx="659590" cy="504056"/>
+          </a:xfrm>
+          <a:prstGeom prst="rightArrow">
+            <a:avLst/>
+          </a:prstGeom>
+          <a:solidFill>
+            <a:srgbClr val="0070C0"/>
+          </a:solidFill>
+          <a:ln>
+            <a:solidFill>
+              <a:schemeClr val="tx1"/>
+            </a:solidFill>
+          </a:ln>
+        </p:spPr>
+        <p:style>
+          <a:lnRef idx="2">
+            <a:schemeClr val="accent1">
+              <a:shade val="50000"/>
+            </a:schemeClr>
+          </a:lnRef>
+          <a:fillRef idx="1">
+            <a:schemeClr val="accent1"/>
+          </a:fillRef>
+          <a:effectRef idx="0">
+            <a:schemeClr val="accent1"/>
+          </a:effectRef>
+          <a:fontRef idx="minor">
+            <a:schemeClr val="lt1"/>
+          </a:fontRef>
+        </p:style>
+        <p:txBody>
+          <a:bodyPr rtlCol="0" anchor="ctr"/>
+          <a:lstStyle/>
+          <a:p>
+            <a:pPr algn="ctr"/>
+            <a:endParaRPr kumimoji="1" lang="ja-JP" altLang="en-US"/>
+          </a:p>
+        </p:txBody>
+      </p:sp>
+      <p:sp>
+        <p:nvSpPr>
+          <p:cNvPr id="25" name="右矢印 24"/>
+          <p:cNvSpPr/>
+          <p:nvPr/>
+        </p:nvSpPr>
+        <p:spPr>
+          <a:xfrm rot="7467923">
+            <a:off x="4893192" y="3996017"/>
+            <a:ext cx="659590" cy="504056"/>
+          </a:xfrm>
+          <a:prstGeom prst="rightArrow">
+            <a:avLst/>
+          </a:prstGeom>
+          <a:solidFill>
+            <a:srgbClr val="FF0000"/>
+          </a:solidFill>
+          <a:ln>
+            <a:solidFill>
+              <a:schemeClr val="tx1"/>
+            </a:solidFill>
+          </a:ln>
+        </p:spPr>
+        <p:style>
+          <a:lnRef idx="2">
+            <a:schemeClr val="accent1">
+              <a:shade val="50000"/>
+            </a:schemeClr>
+          </a:lnRef>
+          <a:fillRef idx="1">
+            <a:schemeClr val="accent1"/>
+          </a:fillRef>
+          <a:effectRef idx="0">
+            <a:schemeClr val="accent1"/>
+          </a:effectRef>
+          <a:fontRef idx="minor">
+            <a:schemeClr val="lt1"/>
+          </a:fontRef>
+        </p:style>
+        <p:txBody>
+          <a:bodyPr rtlCol="0" anchor="ctr"/>
+          <a:lstStyle/>
+          <a:p>
+            <a:pPr algn="ctr"/>
+            <a:endParaRPr kumimoji="1" lang="ja-JP" altLang="en-US"/>
+          </a:p>
+        </p:txBody>
+      </p:sp>
+      <p:sp>
+        <p:nvSpPr>
+          <p:cNvPr id="26" name="右矢印 25"/>
+          <p:cNvSpPr/>
+          <p:nvPr/>
+        </p:nvSpPr>
+        <p:spPr>
+          <a:xfrm rot="3286064">
+            <a:off x="5793635" y="3987850"/>
+            <a:ext cx="659590" cy="504056"/>
+          </a:xfrm>
+          <a:prstGeom prst="rightArrow">
+            <a:avLst/>
+          </a:prstGeom>
+          <a:solidFill>
+            <a:srgbClr val="0070C0"/>
+          </a:solidFill>
+          <a:ln>
+            <a:solidFill>
+              <a:schemeClr val="tx1"/>
+            </a:solidFill>
+          </a:ln>
+        </p:spPr>
+        <p:style>
+          <a:lnRef idx="2">
+            <a:schemeClr val="accent1">
+              <a:shade val="50000"/>
+            </a:schemeClr>
+          </a:lnRef>
+          <a:fillRef idx="1">
+            <a:schemeClr val="accent1"/>
+          </a:fillRef>
+          <a:effectRef idx="0">
+            <a:schemeClr val="accent1"/>
+          </a:effectRef>
+          <a:fontRef idx="minor">
+            <a:schemeClr val="lt1"/>
+          </a:fontRef>
+        </p:style>
+        <p:txBody>
+          <a:bodyPr rtlCol="0" anchor="ctr"/>
+          <a:lstStyle/>
+          <a:p>
+            <a:pPr algn="ctr"/>
+            <a:endParaRPr kumimoji="1" lang="ja-JP" altLang="en-US"/>
+          </a:p>
+        </p:txBody>
+      </p:sp>
+      <p:sp>
+        <p:nvSpPr>
+          <p:cNvPr id="27" name="右矢印 26"/>
+          <p:cNvSpPr/>
+          <p:nvPr/>
+        </p:nvSpPr>
+        <p:spPr>
+          <a:xfrm rot="7467923">
+            <a:off x="6817754" y="4012353"/>
+            <a:ext cx="659590" cy="504056"/>
+          </a:xfrm>
+          <a:prstGeom prst="rightArrow">
+            <a:avLst/>
+          </a:prstGeom>
+          <a:solidFill>
+            <a:srgbClr val="FF0000"/>
+          </a:solidFill>
+          <a:ln>
+            <a:solidFill>
+              <a:schemeClr val="tx1"/>
+            </a:solidFill>
+          </a:ln>
+        </p:spPr>
+        <p:style>
+          <a:lnRef idx="2">
+            <a:schemeClr val="accent1">
+              <a:shade val="50000"/>
+            </a:schemeClr>
+          </a:lnRef>
+          <a:fillRef idx="1">
+            <a:schemeClr val="accent1"/>
+          </a:fillRef>
+          <a:effectRef idx="0">
+            <a:schemeClr val="accent1"/>
+          </a:effectRef>
+          <a:fontRef idx="minor">
+            <a:schemeClr val="lt1"/>
+          </a:fontRef>
+        </p:style>
+        <p:txBody>
+          <a:bodyPr rtlCol="0" anchor="ctr"/>
+          <a:lstStyle/>
+          <a:p>
+            <a:pPr algn="ctr"/>
+            <a:endParaRPr kumimoji="1" lang="ja-JP" altLang="en-US"/>
+          </a:p>
+        </p:txBody>
+      </p:sp>
+      <p:sp>
+        <p:nvSpPr>
+          <p:cNvPr id="28" name="右矢印 27"/>
+          <p:cNvSpPr/>
+          <p:nvPr/>
+        </p:nvSpPr>
+        <p:spPr>
+          <a:xfrm rot="3286064">
+            <a:off x="7718197" y="4004186"/>
+            <a:ext cx="659590" cy="504056"/>
+          </a:xfrm>
+          <a:prstGeom prst="rightArrow">
+            <a:avLst/>
+          </a:prstGeom>
+          <a:solidFill>
+            <a:srgbClr val="0070C0"/>
+          </a:solidFill>
+          <a:ln>
+            <a:solidFill>
+              <a:schemeClr val="tx1"/>
+            </a:solidFill>
+          </a:ln>
+        </p:spPr>
+        <p:style>
+          <a:lnRef idx="2">
+            <a:schemeClr val="accent1">
+              <a:shade val="50000"/>
+            </a:schemeClr>
+          </a:lnRef>
+          <a:fillRef idx="1">
+            <a:schemeClr val="accent1"/>
+          </a:fillRef>
+          <a:effectRef idx="0">
+            <a:schemeClr val="accent1"/>
+          </a:effectRef>
+          <a:fontRef idx="minor">
+            <a:schemeClr val="lt1"/>
+          </a:fontRef>
+        </p:style>
+        <p:txBody>
+          <a:bodyPr rtlCol="0" anchor="ctr"/>
+          <a:lstStyle/>
+          <a:p>
+            <a:pPr algn="ctr"/>
+            <a:endParaRPr kumimoji="1" lang="ja-JP" altLang="en-US"/>
+          </a:p>
+        </p:txBody>
+      </p:sp>
+      <p:sp>
+        <p:nvSpPr>
+          <p:cNvPr id="29" name="右矢印 28"/>
+          <p:cNvSpPr/>
+          <p:nvPr/>
+        </p:nvSpPr>
+        <p:spPr>
+          <a:xfrm>
+            <a:off x="1561791" y="681042"/>
+            <a:ext cx="659590" cy="504056"/>
+          </a:xfrm>
+          <a:prstGeom prst="rightArrow">
+            <a:avLst/>
+          </a:prstGeom>
+          <a:solidFill>
+            <a:srgbClr val="FF0000"/>
+          </a:solidFill>
+          <a:ln>
+            <a:solidFill>
+              <a:schemeClr val="tx1"/>
+            </a:solidFill>
+          </a:ln>
+        </p:spPr>
+        <p:style>
+          <a:lnRef idx="2">
+            <a:schemeClr val="accent1">
+              <a:shade val="50000"/>
+            </a:schemeClr>
+          </a:lnRef>
+          <a:fillRef idx="1">
+            <a:schemeClr val="accent1"/>
+          </a:fillRef>
+          <a:effectRef idx="0">
+            <a:schemeClr val="accent1"/>
+          </a:effectRef>
+          <a:fontRef idx="minor">
+            <a:schemeClr val="lt1"/>
+          </a:fontRef>
+        </p:style>
+        <p:txBody>
+          <a:bodyPr rtlCol="0" anchor="ctr"/>
+          <a:lstStyle/>
+          <a:p>
+            <a:pPr algn="ctr"/>
+            <a:endParaRPr kumimoji="1" lang="ja-JP" altLang="en-US"/>
+          </a:p>
+        </p:txBody>
+      </p:sp>
+      <p:sp>
+        <p:nvSpPr>
+          <p:cNvPr id="30" name="右矢印 29"/>
+          <p:cNvSpPr/>
+          <p:nvPr/>
+        </p:nvSpPr>
+        <p:spPr>
+          <a:xfrm>
+            <a:off x="1561791" y="1301170"/>
+            <a:ext cx="659590" cy="504056"/>
+          </a:xfrm>
+          <a:prstGeom prst="rightArrow">
+            <a:avLst/>
+          </a:prstGeom>
+          <a:solidFill>
+            <a:srgbClr val="0070C0"/>
+          </a:solidFill>
+          <a:ln>
+            <a:solidFill>
+              <a:schemeClr val="tx1"/>
+            </a:solidFill>
+          </a:ln>
+        </p:spPr>
+        <p:style>
+          <a:lnRef idx="2">
+            <a:schemeClr val="accent1">
+              <a:shade val="50000"/>
+            </a:schemeClr>
+          </a:lnRef>
+          <a:fillRef idx="1">
+            <a:schemeClr val="accent1"/>
+          </a:fillRef>
+          <a:effectRef idx="0">
+            <a:schemeClr val="accent1"/>
+          </a:effectRef>
+          <a:fontRef idx="minor">
+            <a:schemeClr val="lt1"/>
+          </a:fontRef>
+        </p:style>
+        <p:txBody>
+          <a:bodyPr rtlCol="0" anchor="ctr"/>
+          <a:lstStyle/>
+          <a:p>
+            <a:pPr algn="ctr"/>
+            <a:endParaRPr kumimoji="1" lang="ja-JP" altLang="en-US"/>
+          </a:p>
+        </p:txBody>
+      </p:sp>
+      <p:sp>
+        <p:nvSpPr>
+          <p:cNvPr id="10" name="テキスト ボックス 9"/>
+          <p:cNvSpPr txBox="1"/>
+          <p:nvPr/>
+        </p:nvSpPr>
+        <p:spPr>
+          <a:xfrm>
+            <a:off x="308350" y="764704"/>
+            <a:ext cx="1107996" cy="369332"/>
+          </a:xfrm>
+          <a:prstGeom prst="rect">
+            <a:avLst/>
+          </a:prstGeom>
+          <a:noFill/>
+        </p:spPr>
+        <p:txBody>
+          <a:bodyPr wrap="none" rtlCol="0">
+            <a:spAutoFit/>
+          </a:bodyPr>
+          <a:lstStyle/>
+          <a:p>
+            <a:r>
+              <a:rPr lang="ja-JP" altLang="en-US" dirty="0" smtClean="0"/>
+              <a:t>注文す</a:t>
+            </a:r>
+            <a:r>
+              <a:rPr lang="ja-JP" altLang="en-US" dirty="0"/>
+              <a:t>る</a:t>
+            </a:r>
+            <a:endParaRPr kumimoji="1" lang="ja-JP" altLang="en-US" dirty="0"/>
+          </a:p>
+        </p:txBody>
+      </p:sp>
+      <p:sp>
+        <p:nvSpPr>
+          <p:cNvPr id="32" name="テキスト ボックス 31"/>
+          <p:cNvSpPr txBox="1"/>
+          <p:nvPr/>
+        </p:nvSpPr>
+        <p:spPr>
+          <a:xfrm>
+            <a:off x="203423" y="1368532"/>
+            <a:ext cx="1338828" cy="369332"/>
+          </a:xfrm>
+          <a:prstGeom prst="rect">
+            <a:avLst/>
+          </a:prstGeom>
+          <a:noFill/>
+        </p:spPr>
+        <p:txBody>
+          <a:bodyPr wrap="none" rtlCol="0">
+            <a:spAutoFit/>
+          </a:bodyPr>
+          <a:lstStyle/>
+          <a:p>
+            <a:r>
+              <a:rPr lang="ja-JP" altLang="en-US" dirty="0" smtClean="0"/>
+              <a:t>注文しな</a:t>
+            </a:r>
+            <a:r>
+              <a:rPr lang="ja-JP" altLang="en-US" dirty="0"/>
+              <a:t>い</a:t>
+            </a:r>
+            <a:endParaRPr kumimoji="1" lang="ja-JP" altLang="en-US" dirty="0"/>
+          </a:p>
+        </p:txBody>
+      </p:sp>
+      <p:sp>
+        <p:nvSpPr>
+          <p:cNvPr id="11" name="角丸四角形 10"/>
+          <p:cNvSpPr/>
+          <p:nvPr/>
+        </p:nvSpPr>
+        <p:spPr>
+          <a:xfrm>
+            <a:off x="107504" y="620688"/>
+            <a:ext cx="2300855" cy="1296144"/>
+          </a:xfrm>
+          <a:prstGeom prst="roundRect">
+            <a:avLst/>
+          </a:prstGeom>
+          <a:noFill/>
+          <a:ln>
+            <a:solidFill>
+              <a:schemeClr val="tx1"/>
+            </a:solidFill>
+          </a:ln>
+        </p:spPr>
+        <p:style>
+          <a:lnRef idx="2">
+            <a:schemeClr val="accent1">
+              <a:shade val="50000"/>
+            </a:schemeClr>
+          </a:lnRef>
+          <a:fillRef idx="1">
+            <a:schemeClr val="accent1"/>
+          </a:fillRef>
+          <a:effectRef idx="0">
+            <a:schemeClr val="accent1"/>
+          </a:effectRef>
+          <a:fontRef idx="minor">
+            <a:schemeClr val="lt1"/>
+          </a:fontRef>
+        </p:style>
+        <p:txBody>
+          <a:bodyPr rtlCol="0" anchor="ctr"/>
+          <a:lstStyle/>
+          <a:p>
+            <a:pPr algn="ctr"/>
+            <a:endParaRPr kumimoji="1" lang="ja-JP" altLang="en-US"/>
+          </a:p>
+        </p:txBody>
+      </p:sp>
+      <p:sp>
+        <p:nvSpPr>
+          <p:cNvPr id="15" name="テキスト ボックス 14"/>
+          <p:cNvSpPr txBox="1"/>
+          <p:nvPr/>
+        </p:nvSpPr>
+        <p:spPr>
+          <a:xfrm>
+            <a:off x="2990376" y="243321"/>
+            <a:ext cx="3262432" cy="461665"/>
+          </a:xfrm>
+          <a:prstGeom prst="rect">
+            <a:avLst/>
+          </a:prstGeom>
+          <a:noFill/>
+        </p:spPr>
+        <p:txBody>
+          <a:bodyPr wrap="none" rtlCol="0">
+            <a:spAutoFit/>
+          </a:bodyPr>
+          <a:lstStyle/>
+          <a:p>
+            <a:r>
+              <a:rPr lang="ja-JP" altLang="en-US" sz="2400" dirty="0" smtClean="0"/>
+              <a:t>再帰による「全探索」</a:t>
+            </a:r>
+            <a:endParaRPr kumimoji="1" lang="ja-JP" altLang="en-US" sz="2400" dirty="0"/>
+          </a:p>
+        </p:txBody>
+      </p:sp>
+      <p:pic>
+        <p:nvPicPr>
+          <p:cNvPr id="35" name="Picture 2" descr="å¤§çãã®ç¼ããã°ã®ã¤ã©ã¹ã"/>
+          <p:cNvPicPr>
+            <a:picLocks noChangeAspect="1" noChangeArrowheads="1"/>
+          </p:cNvPicPr>
+          <p:nvPr/>
+        </p:nvPicPr>
+        <p:blipFill>
+          <a:blip r:embed="rId2" cstate="print">
+            <a:extLst>
+              <a:ext uri="{28A0092B-C50C-407E-A947-70E740481C1C}">
+                <a14:useLocalDpi xmlns:a14="http://schemas.microsoft.com/office/drawing/2010/main" val="0"/>
+              </a:ext>
+            </a:extLst>
+          </a:blip>
+          <a:srcRect/>
+          <a:stretch>
+            <a:fillRect/>
+          </a:stretch>
+        </p:blipFill>
+        <p:spPr bwMode="auto">
+          <a:xfrm>
+            <a:off x="571159" y="4581128"/>
+            <a:ext cx="940905" cy="790361"/>
+          </a:xfrm>
+          <a:prstGeom prst="rect">
+            <a:avLst/>
+          </a:prstGeom>
+          <a:noFill/>
+          <a:extLst>
+            <a:ext uri="{909E8E84-426E-40DD-AFC4-6F175D3DCCD1}">
+              <a14:hiddenFill xmlns:a14="http://schemas.microsoft.com/office/drawing/2010/main">
+                <a:solidFill>
+                  <a:srgbClr val="FFFFFF"/>
+                </a:solidFill>
+              </a14:hiddenFill>
+            </a:ext>
+          </a:extLst>
+        </p:spPr>
+      </p:pic>
+      <p:pic>
+        <p:nvPicPr>
+          <p:cNvPr id="36" name="Picture 4" descr="å·ããä¸­è¯ã®ã¤ã©ã¹ã"/>
+          <p:cNvPicPr>
+            <a:picLocks noChangeAspect="1" noChangeArrowheads="1"/>
+          </p:cNvPicPr>
+          <p:nvPr/>
+        </p:nvPicPr>
+        <p:blipFill>
+          <a:blip r:embed="rId3" cstate="print">
+            <a:extLst>
+              <a:ext uri="{28A0092B-C50C-407E-A947-70E740481C1C}">
+                <a14:useLocalDpi xmlns:a14="http://schemas.microsoft.com/office/drawing/2010/main" val="0"/>
+              </a:ext>
+            </a:extLst>
+          </a:blip>
+          <a:srcRect/>
+          <a:stretch>
+            <a:fillRect/>
+          </a:stretch>
+        </p:blipFill>
+        <p:spPr bwMode="auto">
+          <a:xfrm>
+            <a:off x="571159" y="5386659"/>
+            <a:ext cx="897370" cy="634890"/>
+          </a:xfrm>
+          <a:prstGeom prst="rect">
+            <a:avLst/>
+          </a:prstGeom>
+          <a:noFill/>
+          <a:extLst>
+            <a:ext uri="{909E8E84-426E-40DD-AFC4-6F175D3DCCD1}">
+              <a14:hiddenFill xmlns:a14="http://schemas.microsoft.com/office/drawing/2010/main">
+                <a:solidFill>
+                  <a:srgbClr val="FFFFFF"/>
+                </a:solidFill>
+              </a14:hiddenFill>
+            </a:ext>
+          </a:extLst>
+        </p:spPr>
+      </p:pic>
+      <p:pic>
+        <p:nvPicPr>
+          <p:cNvPr id="37" name="Picture 6" descr="å³åã«ãã®ã¤ã©ã¹ã"/>
+          <p:cNvPicPr>
+            <a:picLocks noChangeAspect="1" noChangeArrowheads="1"/>
+          </p:cNvPicPr>
+          <p:nvPr/>
+        </p:nvPicPr>
+        <p:blipFill>
+          <a:blip r:embed="rId4" cstate="print">
+            <a:extLst>
+              <a:ext uri="{28A0092B-C50C-407E-A947-70E740481C1C}">
+                <a14:useLocalDpi xmlns:a14="http://schemas.microsoft.com/office/drawing/2010/main" val="0"/>
+              </a:ext>
+            </a:extLst>
+          </a:blip>
+          <a:srcRect/>
+          <a:stretch>
+            <a:fillRect/>
+          </a:stretch>
+        </p:blipFill>
+        <p:spPr bwMode="auto">
+          <a:xfrm>
+            <a:off x="539552" y="5958922"/>
+            <a:ext cx="980831" cy="796925"/>
+          </a:xfrm>
+          <a:prstGeom prst="rect">
+            <a:avLst/>
+          </a:prstGeom>
+          <a:noFill/>
+          <a:extLst>
+            <a:ext uri="{909E8E84-426E-40DD-AFC4-6F175D3DCCD1}">
+              <a14:hiddenFill xmlns:a14="http://schemas.microsoft.com/office/drawing/2010/main">
+                <a:solidFill>
+                  <a:srgbClr val="FFFFFF"/>
+                </a:solidFill>
+              </a14:hiddenFill>
+            </a:ext>
+          </a:extLst>
+        </p:spPr>
+      </p:pic>
+      <p:pic>
+        <p:nvPicPr>
+          <p:cNvPr id="38" name="Picture 2" descr="å¤§çãã®ç¼ããã°ã®ã¤ã©ã¹ã"/>
+          <p:cNvPicPr>
+            <a:picLocks noChangeAspect="1" noChangeArrowheads="1"/>
+          </p:cNvPicPr>
+          <p:nvPr/>
+        </p:nvPicPr>
+        <p:blipFill>
+          <a:blip r:embed="rId2" cstate="print">
+            <a:extLst>
+              <a:ext uri="{28A0092B-C50C-407E-A947-70E740481C1C}">
+                <a14:useLocalDpi xmlns:a14="http://schemas.microsoft.com/office/drawing/2010/main" val="0"/>
+              </a:ext>
+            </a:extLst>
+          </a:blip>
+          <a:srcRect/>
+          <a:stretch>
+            <a:fillRect/>
+          </a:stretch>
+        </p:blipFill>
+        <p:spPr bwMode="auto">
+          <a:xfrm>
+            <a:off x="1619672" y="4596298"/>
+            <a:ext cx="940905" cy="790361"/>
+          </a:xfrm>
+          <a:prstGeom prst="rect">
+            <a:avLst/>
+          </a:prstGeom>
+          <a:noFill/>
+          <a:extLst>
+            <a:ext uri="{909E8E84-426E-40DD-AFC4-6F175D3DCCD1}">
+              <a14:hiddenFill xmlns:a14="http://schemas.microsoft.com/office/drawing/2010/main">
+                <a:solidFill>
+                  <a:srgbClr val="FFFFFF"/>
+                </a:solidFill>
+              </a14:hiddenFill>
+            </a:ext>
+          </a:extLst>
+        </p:spPr>
+      </p:pic>
+      <p:pic>
+        <p:nvPicPr>
+          <p:cNvPr id="39" name="Picture 4" descr="å·ããä¸­è¯ã®ã¤ã©ã¹ã"/>
+          <p:cNvPicPr>
+            <a:picLocks noChangeAspect="1" noChangeArrowheads="1"/>
+          </p:cNvPicPr>
+          <p:nvPr/>
+        </p:nvPicPr>
+        <p:blipFill>
+          <a:blip r:embed="rId3" cstate="print">
+            <a:extLst>
+              <a:ext uri="{28A0092B-C50C-407E-A947-70E740481C1C}">
+                <a14:useLocalDpi xmlns:a14="http://schemas.microsoft.com/office/drawing/2010/main" val="0"/>
+              </a:ext>
+            </a:extLst>
+          </a:blip>
+          <a:srcRect/>
+          <a:stretch>
+            <a:fillRect/>
+          </a:stretch>
+        </p:blipFill>
+        <p:spPr bwMode="auto">
+          <a:xfrm>
+            <a:off x="1619672" y="5401829"/>
+            <a:ext cx="897370" cy="634890"/>
+          </a:xfrm>
+          <a:prstGeom prst="rect">
+            <a:avLst/>
+          </a:prstGeom>
+          <a:noFill/>
+          <a:extLst>
+            <a:ext uri="{909E8E84-426E-40DD-AFC4-6F175D3DCCD1}">
+              <a14:hiddenFill xmlns:a14="http://schemas.microsoft.com/office/drawing/2010/main">
+                <a:solidFill>
+                  <a:srgbClr val="FFFFFF"/>
+                </a:solidFill>
+              </a14:hiddenFill>
+            </a:ext>
+          </a:extLst>
+        </p:spPr>
+      </p:pic>
+      <p:pic>
+        <p:nvPicPr>
+          <p:cNvPr id="41" name="Picture 2" descr="å¤§çãã®ç¼ããã°ã®ã¤ã©ã¹ã"/>
+          <p:cNvPicPr>
+            <a:picLocks noChangeAspect="1" noChangeArrowheads="1"/>
+          </p:cNvPicPr>
+          <p:nvPr/>
+        </p:nvPicPr>
+        <p:blipFill>
+          <a:blip r:embed="rId2" cstate="print">
+            <a:extLst>
+              <a:ext uri="{28A0092B-C50C-407E-A947-70E740481C1C}">
+                <a14:useLocalDpi xmlns:a14="http://schemas.microsoft.com/office/drawing/2010/main" val="0"/>
+              </a:ext>
+            </a:extLst>
+          </a:blip>
+          <a:srcRect/>
+          <a:stretch>
+            <a:fillRect/>
+          </a:stretch>
+        </p:blipFill>
+        <p:spPr bwMode="auto">
+          <a:xfrm>
+            <a:off x="2587383" y="4606616"/>
+            <a:ext cx="940905" cy="790361"/>
+          </a:xfrm>
+          <a:prstGeom prst="rect">
+            <a:avLst/>
+          </a:prstGeom>
+          <a:noFill/>
+          <a:extLst>
+            <a:ext uri="{909E8E84-426E-40DD-AFC4-6F175D3DCCD1}">
+              <a14:hiddenFill xmlns:a14="http://schemas.microsoft.com/office/drawing/2010/main">
+                <a:solidFill>
+                  <a:srgbClr val="FFFFFF"/>
+                </a:solidFill>
+              </a14:hiddenFill>
+            </a:ext>
+          </a:extLst>
+        </p:spPr>
+      </p:pic>
+      <p:pic>
+        <p:nvPicPr>
+          <p:cNvPr id="43" name="Picture 6" descr="å³åã«ãã®ã¤ã©ã¹ã"/>
+          <p:cNvPicPr>
+            <a:picLocks noChangeAspect="1" noChangeArrowheads="1"/>
+          </p:cNvPicPr>
+          <p:nvPr/>
+        </p:nvPicPr>
+        <p:blipFill>
+          <a:blip r:embed="rId4" cstate="print">
+            <a:extLst>
+              <a:ext uri="{28A0092B-C50C-407E-A947-70E740481C1C}">
+                <a14:useLocalDpi xmlns:a14="http://schemas.microsoft.com/office/drawing/2010/main" val="0"/>
+              </a:ext>
+            </a:extLst>
+          </a:blip>
+          <a:srcRect/>
+          <a:stretch>
+            <a:fillRect/>
+          </a:stretch>
+        </p:blipFill>
+        <p:spPr bwMode="auto">
+          <a:xfrm>
+            <a:off x="2555776" y="5984410"/>
+            <a:ext cx="980831" cy="796925"/>
+          </a:xfrm>
+          <a:prstGeom prst="rect">
+            <a:avLst/>
+          </a:prstGeom>
+          <a:noFill/>
+          <a:extLst>
+            <a:ext uri="{909E8E84-426E-40DD-AFC4-6F175D3DCCD1}">
+              <a14:hiddenFill xmlns:a14="http://schemas.microsoft.com/office/drawing/2010/main">
+                <a:solidFill>
+                  <a:srgbClr val="FFFFFF"/>
+                </a:solidFill>
+              </a14:hiddenFill>
+            </a:ext>
+          </a:extLst>
+        </p:spPr>
+      </p:pic>
+      <p:pic>
+        <p:nvPicPr>
+          <p:cNvPr id="44" name="Picture 2" descr="å¤§çãã®ç¼ããã°ã®ã¤ã©ã¹ã"/>
+          <p:cNvPicPr>
+            <a:picLocks noChangeAspect="1" noChangeArrowheads="1"/>
+          </p:cNvPicPr>
+          <p:nvPr/>
+        </p:nvPicPr>
+        <p:blipFill>
+          <a:blip r:embed="rId2" cstate="print">
+            <a:extLst>
+              <a:ext uri="{28A0092B-C50C-407E-A947-70E740481C1C}">
+                <a14:useLocalDpi xmlns:a14="http://schemas.microsoft.com/office/drawing/2010/main" val="0"/>
+              </a:ext>
+            </a:extLst>
+          </a:blip>
+          <a:srcRect/>
+          <a:stretch>
+            <a:fillRect/>
+          </a:stretch>
+        </p:blipFill>
+        <p:spPr bwMode="auto">
+          <a:xfrm>
+            <a:off x="3631095" y="4612908"/>
+            <a:ext cx="940905" cy="790361"/>
+          </a:xfrm>
+          <a:prstGeom prst="rect">
+            <a:avLst/>
+          </a:prstGeom>
+          <a:noFill/>
+          <a:extLst>
+            <a:ext uri="{909E8E84-426E-40DD-AFC4-6F175D3DCCD1}">
+              <a14:hiddenFill xmlns:a14="http://schemas.microsoft.com/office/drawing/2010/main">
+                <a:solidFill>
+                  <a:srgbClr val="FFFFFF"/>
+                </a:solidFill>
+              </a14:hiddenFill>
+            </a:ext>
+          </a:extLst>
+        </p:spPr>
+      </p:pic>
+      <p:pic>
+        <p:nvPicPr>
+          <p:cNvPr id="48" name="Picture 4" descr="å·ããä¸­è¯ã®ã¤ã©ã¹ã"/>
+          <p:cNvPicPr>
+            <a:picLocks noChangeAspect="1" noChangeArrowheads="1"/>
+          </p:cNvPicPr>
+          <p:nvPr/>
+        </p:nvPicPr>
+        <p:blipFill>
+          <a:blip r:embed="rId3" cstate="print">
+            <a:extLst>
+              <a:ext uri="{28A0092B-C50C-407E-A947-70E740481C1C}">
+                <a14:useLocalDpi xmlns:a14="http://schemas.microsoft.com/office/drawing/2010/main" val="0"/>
+              </a:ext>
+            </a:extLst>
+          </a:blip>
+          <a:srcRect/>
+          <a:stretch>
+            <a:fillRect/>
+          </a:stretch>
+        </p:blipFill>
+        <p:spPr bwMode="auto">
+          <a:xfrm>
+            <a:off x="4675615" y="5380367"/>
+            <a:ext cx="897370" cy="634890"/>
+          </a:xfrm>
+          <a:prstGeom prst="rect">
+            <a:avLst/>
+          </a:prstGeom>
+          <a:noFill/>
+          <a:extLst>
+            <a:ext uri="{909E8E84-426E-40DD-AFC4-6F175D3DCCD1}">
+              <a14:hiddenFill xmlns:a14="http://schemas.microsoft.com/office/drawing/2010/main">
+                <a:solidFill>
+                  <a:srgbClr val="FFFFFF"/>
+                </a:solidFill>
+              </a14:hiddenFill>
+            </a:ext>
+          </a:extLst>
+        </p:spPr>
+      </p:pic>
+      <p:pic>
+        <p:nvPicPr>
+          <p:cNvPr id="49" name="Picture 6" descr="å³åã«ãã®ã¤ã©ã¹ã"/>
+          <p:cNvPicPr>
+            <a:picLocks noChangeAspect="1" noChangeArrowheads="1"/>
+          </p:cNvPicPr>
+          <p:nvPr/>
+        </p:nvPicPr>
+        <p:blipFill>
+          <a:blip r:embed="rId4" cstate="print">
+            <a:extLst>
+              <a:ext uri="{28A0092B-C50C-407E-A947-70E740481C1C}">
+                <a14:useLocalDpi xmlns:a14="http://schemas.microsoft.com/office/drawing/2010/main" val="0"/>
+              </a:ext>
+            </a:extLst>
+          </a:blip>
+          <a:srcRect/>
+          <a:stretch>
+            <a:fillRect/>
+          </a:stretch>
+        </p:blipFill>
+        <p:spPr bwMode="auto">
+          <a:xfrm>
+            <a:off x="4644008" y="5952630"/>
+            <a:ext cx="980831" cy="796925"/>
+          </a:xfrm>
+          <a:prstGeom prst="rect">
+            <a:avLst/>
+          </a:prstGeom>
+          <a:noFill/>
+          <a:extLst>
+            <a:ext uri="{909E8E84-426E-40DD-AFC4-6F175D3DCCD1}">
+              <a14:hiddenFill xmlns:a14="http://schemas.microsoft.com/office/drawing/2010/main">
+                <a:solidFill>
+                  <a:srgbClr val="FFFFFF"/>
+                </a:solidFill>
+              </a14:hiddenFill>
+            </a:ext>
+          </a:extLst>
+        </p:spPr>
+      </p:pic>
+      <p:pic>
+        <p:nvPicPr>
+          <p:cNvPr id="51" name="Picture 4" descr="å·ããä¸­è¯ã®ã¤ã©ã¹ã"/>
+          <p:cNvPicPr>
+            <a:picLocks noChangeAspect="1" noChangeArrowheads="1"/>
+          </p:cNvPicPr>
+          <p:nvPr/>
+        </p:nvPicPr>
+        <p:blipFill>
+          <a:blip r:embed="rId3" cstate="print">
+            <a:extLst>
+              <a:ext uri="{28A0092B-C50C-407E-A947-70E740481C1C}">
+                <a14:useLocalDpi xmlns:a14="http://schemas.microsoft.com/office/drawing/2010/main" val="0"/>
+              </a:ext>
+            </a:extLst>
+          </a:blip>
+          <a:srcRect/>
+          <a:stretch>
+            <a:fillRect/>
+          </a:stretch>
+        </p:blipFill>
+        <p:spPr bwMode="auto">
+          <a:xfrm>
+            <a:off x="5724128" y="5395537"/>
+            <a:ext cx="897370" cy="634890"/>
+          </a:xfrm>
+          <a:prstGeom prst="rect">
+            <a:avLst/>
+          </a:prstGeom>
+          <a:noFill/>
+          <a:extLst>
+            <a:ext uri="{909E8E84-426E-40DD-AFC4-6F175D3DCCD1}">
+              <a14:hiddenFill xmlns:a14="http://schemas.microsoft.com/office/drawing/2010/main">
+                <a:solidFill>
+                  <a:srgbClr val="FFFFFF"/>
+                </a:solidFill>
+              </a14:hiddenFill>
+            </a:ext>
+          </a:extLst>
+        </p:spPr>
+      </p:pic>
+      <p:pic>
+        <p:nvPicPr>
+          <p:cNvPr id="55" name="Picture 6" descr="å³åã«ãã®ã¤ã©ã¹ã"/>
+          <p:cNvPicPr>
+            <a:picLocks noChangeAspect="1" noChangeArrowheads="1"/>
+          </p:cNvPicPr>
+          <p:nvPr/>
+        </p:nvPicPr>
+        <p:blipFill>
+          <a:blip r:embed="rId4" cstate="print">
+            <a:extLst>
+              <a:ext uri="{28A0092B-C50C-407E-A947-70E740481C1C}">
+                <a14:useLocalDpi xmlns:a14="http://schemas.microsoft.com/office/drawing/2010/main" val="0"/>
+              </a:ext>
+            </a:extLst>
+          </a:blip>
+          <a:srcRect/>
+          <a:stretch>
+            <a:fillRect/>
+          </a:stretch>
+        </p:blipFill>
+        <p:spPr bwMode="auto">
+          <a:xfrm>
+            <a:off x="6660232" y="5978118"/>
+            <a:ext cx="980831" cy="796925"/>
+          </a:xfrm>
+          <a:prstGeom prst="rect">
+            <a:avLst/>
+          </a:prstGeom>
+          <a:noFill/>
+          <a:extLst>
+            <a:ext uri="{909E8E84-426E-40DD-AFC4-6F175D3DCCD1}">
+              <a14:hiddenFill xmlns:a14="http://schemas.microsoft.com/office/drawing/2010/main">
+                <a:solidFill>
+                  <a:srgbClr val="FFFFFF"/>
+                </a:solidFill>
+              </a14:hiddenFill>
+            </a:ext>
+          </a:extLst>
+        </p:spPr>
+      </p:pic>
+      <p:sp>
+        <p:nvSpPr>
+          <p:cNvPr id="31" name="角丸四角形 30"/>
+          <p:cNvSpPr/>
+          <p:nvPr/>
+        </p:nvSpPr>
+        <p:spPr>
+          <a:xfrm>
+            <a:off x="539552" y="4581128"/>
+            <a:ext cx="1002699" cy="2193915"/>
+          </a:xfrm>
+          <a:prstGeom prst="roundRect">
+            <a:avLst/>
+          </a:prstGeom>
+          <a:noFill/>
+          <a:ln>
+            <a:solidFill>
+              <a:schemeClr val="tx1"/>
+            </a:solidFill>
+          </a:ln>
+        </p:spPr>
+        <p:style>
+          <a:lnRef idx="2">
+            <a:schemeClr val="accent1">
+              <a:shade val="50000"/>
+            </a:schemeClr>
+          </a:lnRef>
+          <a:fillRef idx="1">
+            <a:schemeClr val="accent1"/>
+          </a:fillRef>
+          <a:effectRef idx="0">
+            <a:schemeClr val="accent1"/>
+          </a:effectRef>
+          <a:fontRef idx="minor">
+            <a:schemeClr val="lt1"/>
+          </a:fontRef>
+        </p:style>
+        <p:txBody>
+          <a:bodyPr rtlCol="0" anchor="ctr"/>
+          <a:lstStyle/>
+          <a:p>
+            <a:pPr algn="ctr"/>
+            <a:endParaRPr kumimoji="1" lang="ja-JP" altLang="en-US"/>
+          </a:p>
+        </p:txBody>
+      </p:sp>
+      <p:sp>
+        <p:nvSpPr>
+          <p:cNvPr id="60" name="角丸四角形 59"/>
+          <p:cNvSpPr/>
+          <p:nvPr/>
+        </p:nvSpPr>
+        <p:spPr>
+          <a:xfrm>
+            <a:off x="1547664" y="4581128"/>
+            <a:ext cx="1002699" cy="2193915"/>
+          </a:xfrm>
+          <a:prstGeom prst="roundRect">
+            <a:avLst/>
+          </a:prstGeom>
+          <a:noFill/>
+          <a:ln>
+            <a:solidFill>
+              <a:schemeClr val="tx1"/>
+            </a:solidFill>
+          </a:ln>
+        </p:spPr>
+        <p:style>
+          <a:lnRef idx="2">
+            <a:schemeClr val="accent1">
+              <a:shade val="50000"/>
+            </a:schemeClr>
+          </a:lnRef>
+          <a:fillRef idx="1">
+            <a:schemeClr val="accent1"/>
+          </a:fillRef>
+          <a:effectRef idx="0">
+            <a:schemeClr val="accent1"/>
+          </a:effectRef>
+          <a:fontRef idx="minor">
+            <a:schemeClr val="lt1"/>
+          </a:fontRef>
+        </p:style>
+        <p:txBody>
+          <a:bodyPr rtlCol="0" anchor="ctr"/>
+          <a:lstStyle/>
+          <a:p>
+            <a:pPr algn="ctr"/>
+            <a:endParaRPr kumimoji="1" lang="ja-JP" altLang="en-US"/>
+          </a:p>
+        </p:txBody>
+      </p:sp>
+      <p:sp>
+        <p:nvSpPr>
+          <p:cNvPr id="61" name="角丸四角形 60"/>
+          <p:cNvSpPr/>
+          <p:nvPr/>
+        </p:nvSpPr>
+        <p:spPr>
+          <a:xfrm>
+            <a:off x="2555776" y="4581128"/>
+            <a:ext cx="1002699" cy="2193915"/>
+          </a:xfrm>
+          <a:prstGeom prst="roundRect">
+            <a:avLst/>
+          </a:prstGeom>
+          <a:noFill/>
+          <a:ln>
+            <a:solidFill>
+              <a:schemeClr val="tx1"/>
+            </a:solidFill>
+          </a:ln>
+        </p:spPr>
+        <p:style>
+          <a:lnRef idx="2">
+            <a:schemeClr val="accent1">
+              <a:shade val="50000"/>
+            </a:schemeClr>
+          </a:lnRef>
+          <a:fillRef idx="1">
+            <a:schemeClr val="accent1"/>
+          </a:fillRef>
+          <a:effectRef idx="0">
+            <a:schemeClr val="accent1"/>
+          </a:effectRef>
+          <a:fontRef idx="minor">
+            <a:schemeClr val="lt1"/>
+          </a:fontRef>
+        </p:style>
+        <p:txBody>
+          <a:bodyPr rtlCol="0" anchor="ctr"/>
+          <a:lstStyle/>
+          <a:p>
+            <a:pPr algn="ctr"/>
+            <a:endParaRPr kumimoji="1" lang="ja-JP" altLang="en-US"/>
+          </a:p>
+        </p:txBody>
+      </p:sp>
+      <p:sp>
+        <p:nvSpPr>
+          <p:cNvPr id="62" name="角丸四角形 61"/>
+          <p:cNvSpPr/>
+          <p:nvPr/>
+        </p:nvSpPr>
+        <p:spPr>
+          <a:xfrm>
+            <a:off x="3569301" y="4581128"/>
+            <a:ext cx="1002699" cy="2193915"/>
+          </a:xfrm>
+          <a:prstGeom prst="roundRect">
+            <a:avLst/>
+          </a:prstGeom>
+          <a:noFill/>
+          <a:ln>
+            <a:solidFill>
+              <a:schemeClr val="tx1"/>
+            </a:solidFill>
+          </a:ln>
+        </p:spPr>
+        <p:style>
+          <a:lnRef idx="2">
+            <a:schemeClr val="accent1">
+              <a:shade val="50000"/>
+            </a:schemeClr>
+          </a:lnRef>
+          <a:fillRef idx="1">
+            <a:schemeClr val="accent1"/>
+          </a:fillRef>
+          <a:effectRef idx="0">
+            <a:schemeClr val="accent1"/>
+          </a:effectRef>
+          <a:fontRef idx="minor">
+            <a:schemeClr val="lt1"/>
+          </a:fontRef>
+        </p:style>
+        <p:txBody>
+          <a:bodyPr rtlCol="0" anchor="ctr"/>
+          <a:lstStyle/>
+          <a:p>
+            <a:pPr algn="ctr"/>
+            <a:endParaRPr kumimoji="1" lang="ja-JP" altLang="en-US"/>
+          </a:p>
+        </p:txBody>
+      </p:sp>
+      <p:sp>
+        <p:nvSpPr>
+          <p:cNvPr id="63" name="角丸四角形 62"/>
+          <p:cNvSpPr/>
+          <p:nvPr/>
+        </p:nvSpPr>
+        <p:spPr>
+          <a:xfrm>
+            <a:off x="4644008" y="4581128"/>
+            <a:ext cx="1002699" cy="2193915"/>
+          </a:xfrm>
+          <a:prstGeom prst="roundRect">
+            <a:avLst/>
+          </a:prstGeom>
+          <a:noFill/>
+          <a:ln>
+            <a:solidFill>
+              <a:schemeClr val="tx1"/>
+            </a:solidFill>
+          </a:ln>
+        </p:spPr>
+        <p:style>
+          <a:lnRef idx="2">
+            <a:schemeClr val="accent1">
+              <a:shade val="50000"/>
+            </a:schemeClr>
+          </a:lnRef>
+          <a:fillRef idx="1">
+            <a:schemeClr val="accent1"/>
+          </a:fillRef>
+          <a:effectRef idx="0">
+            <a:schemeClr val="accent1"/>
+          </a:effectRef>
+          <a:fontRef idx="minor">
+            <a:schemeClr val="lt1"/>
+          </a:fontRef>
+        </p:style>
+        <p:txBody>
+          <a:bodyPr rtlCol="0" anchor="ctr"/>
+          <a:lstStyle/>
+          <a:p>
+            <a:pPr algn="ctr"/>
+            <a:endParaRPr kumimoji="1" lang="ja-JP" altLang="en-US"/>
+          </a:p>
+        </p:txBody>
+      </p:sp>
+      <p:sp>
+        <p:nvSpPr>
+          <p:cNvPr id="64" name="角丸四角形 63"/>
+          <p:cNvSpPr/>
+          <p:nvPr/>
+        </p:nvSpPr>
+        <p:spPr>
+          <a:xfrm>
+            <a:off x="5652120" y="4581128"/>
+            <a:ext cx="1002699" cy="2193915"/>
+          </a:xfrm>
+          <a:prstGeom prst="roundRect">
+            <a:avLst/>
+          </a:prstGeom>
+          <a:noFill/>
+          <a:ln>
+            <a:solidFill>
+              <a:schemeClr val="tx1"/>
+            </a:solidFill>
+          </a:ln>
+        </p:spPr>
+        <p:style>
+          <a:lnRef idx="2">
+            <a:schemeClr val="accent1">
+              <a:shade val="50000"/>
+            </a:schemeClr>
+          </a:lnRef>
+          <a:fillRef idx="1">
+            <a:schemeClr val="accent1"/>
+          </a:fillRef>
+          <a:effectRef idx="0">
+            <a:schemeClr val="accent1"/>
+          </a:effectRef>
+          <a:fontRef idx="minor">
+            <a:schemeClr val="lt1"/>
+          </a:fontRef>
+        </p:style>
+        <p:txBody>
+          <a:bodyPr rtlCol="0" anchor="ctr"/>
+          <a:lstStyle/>
+          <a:p>
+            <a:pPr algn="ctr"/>
+            <a:endParaRPr kumimoji="1" lang="ja-JP" altLang="en-US"/>
+          </a:p>
+        </p:txBody>
+      </p:sp>
+      <p:sp>
+        <p:nvSpPr>
+          <p:cNvPr id="65" name="角丸四角形 64"/>
+          <p:cNvSpPr/>
+          <p:nvPr/>
+        </p:nvSpPr>
+        <p:spPr>
+          <a:xfrm>
+            <a:off x="6660232" y="4581128"/>
+            <a:ext cx="1002699" cy="2193915"/>
+          </a:xfrm>
+          <a:prstGeom prst="roundRect">
+            <a:avLst/>
+          </a:prstGeom>
+          <a:noFill/>
+          <a:ln>
+            <a:solidFill>
+              <a:schemeClr val="tx1"/>
+            </a:solidFill>
+          </a:ln>
+        </p:spPr>
+        <p:style>
+          <a:lnRef idx="2">
+            <a:schemeClr val="accent1">
+              <a:shade val="50000"/>
+            </a:schemeClr>
+          </a:lnRef>
+          <a:fillRef idx="1">
+            <a:schemeClr val="accent1"/>
+          </a:fillRef>
+          <a:effectRef idx="0">
+            <a:schemeClr val="accent1"/>
+          </a:effectRef>
+          <a:fontRef idx="minor">
+            <a:schemeClr val="lt1"/>
+          </a:fontRef>
+        </p:style>
+        <p:txBody>
+          <a:bodyPr rtlCol="0" anchor="ctr"/>
+          <a:lstStyle/>
+          <a:p>
+            <a:pPr algn="ctr"/>
+            <a:endParaRPr kumimoji="1" lang="ja-JP" altLang="en-US"/>
+          </a:p>
+        </p:txBody>
+      </p:sp>
+      <p:sp>
+        <p:nvSpPr>
+          <p:cNvPr id="66" name="角丸四角形 65"/>
+          <p:cNvSpPr/>
+          <p:nvPr/>
+        </p:nvSpPr>
+        <p:spPr>
+          <a:xfrm>
+            <a:off x="7673757" y="4581128"/>
+            <a:ext cx="1002699" cy="2193915"/>
+          </a:xfrm>
+          <a:prstGeom prst="roundRect">
+            <a:avLst/>
+          </a:prstGeom>
+          <a:noFill/>
+          <a:ln>
+            <a:solidFill>
+              <a:schemeClr val="tx1"/>
+            </a:solidFill>
+          </a:ln>
+        </p:spPr>
+        <p:style>
+          <a:lnRef idx="2">
+            <a:schemeClr val="accent1">
+              <a:shade val="50000"/>
+            </a:schemeClr>
+          </a:lnRef>
+          <a:fillRef idx="1">
+            <a:schemeClr val="accent1"/>
+          </a:fillRef>
+          <a:effectRef idx="0">
+            <a:schemeClr val="accent1"/>
+          </a:effectRef>
+          <a:fontRef idx="minor">
+            <a:schemeClr val="lt1"/>
+          </a:fontRef>
+        </p:style>
+        <p:txBody>
+          <a:bodyPr rtlCol="0" anchor="ctr"/>
+          <a:lstStyle/>
+          <a:p>
+            <a:pPr algn="ctr"/>
+            <a:endParaRPr kumimoji="1" lang="ja-JP" altLang="en-US"/>
+          </a:p>
+        </p:txBody>
+      </p:sp>
+    </p:spTree>
+    <p:extLst>
+      <p:ext uri="{BB962C8B-B14F-4D97-AF65-F5344CB8AC3E}">
+        <p14:creationId xmlns:p14="http://schemas.microsoft.com/office/powerpoint/2010/main" val="3589452461"/>
+      </p:ext>
+    </p:extLst>
+  </p:cSld>
+  <p:clrMapOvr>
+    <a:masterClrMapping/>
+  </p:clrMapOvr>
+  <p:timing>
+    <p:tnLst>
+      <p:par>
+        <p:cTn id="1" dur="indefinite" restart="never" nodeType="tmRoot"/>
+      </p:par>
+    </p:tnLst>
+  </p:timing>
+</p:sld>
+</file>
+
 <file path=ppt/theme/theme1.xml><?xml version="1.0" encoding="utf-8"?>
 <a:theme xmlns:a="http://schemas.openxmlformats.org/drawingml/2006/main" name="Office テーマ">
   <a:themeElements>
